--- a/개발문서/2조 개요, 요구사항, 메뉴구조도.pptx
+++ b/개발문서/2조 개요, 요구사항, 메뉴구조도.pptx
@@ -1,8 +1,8 @@
 
 <file path=ppt/presentation.xml><?xml version="1.0" encoding="utf-8"?>
-<p:presentation xmlns:a="http://schemas.openxmlformats.org/drawingml/2006/main" xmlns:r="http://schemas.openxmlformats.org/officeDocument/2006/relationships" xmlns:p="http://schemas.openxmlformats.org/presentationml/2006/main" embedTrueTypeFonts="1" saveSubsetFonts="1">
+<p:presentation xmlns:r="http://schemas.openxmlformats.org/officeDocument/2006/relationships" xmlns:c="http://schemas.openxmlformats.org/drawingml/2006/chart" xmlns:a="http://schemas.openxmlformats.org/drawingml/2006/main" xmlns:dgm="http://schemas.openxmlformats.org/drawingml/2006/diagram" xmlns:dsp="http://schemas.microsoft.com/office/drawing/2008/diagram" xmlns:p="http://schemas.openxmlformats.org/presentationml/2006/main" embedTrueTypeFonts="1" saveSubsetFonts="1">
   <p:sldMasterIdLst>
-    <p:sldMasterId id="2147483691" r:id="rId1"/>
+    <p:sldMasterId id="2147483693" r:id="rId1"/>
   </p:sldMasterIdLst>
   <p:sldIdLst>
     <p:sldId id="256" r:id="rId2"/>
@@ -14,34 +14,39 @@
     <p:sldId id="262" r:id="rId8"/>
     <p:sldId id="263" r:id="rId9"/>
     <p:sldId id="264" r:id="rId10"/>
-    <p:sldId id="280" r:id="rId11"/>
-    <p:sldId id="265" r:id="rId12"/>
-    <p:sldId id="266" r:id="rId13"/>
-    <p:sldId id="267" r:id="rId14"/>
-    <p:sldId id="268" r:id="rId15"/>
-    <p:sldId id="269" r:id="rId16"/>
-    <p:sldId id="270" r:id="rId17"/>
-    <p:sldId id="273" r:id="rId18"/>
-    <p:sldId id="275" r:id="rId19"/>
-    <p:sldId id="276" r:id="rId20"/>
-    <p:sldId id="277" r:id="rId21"/>
-    <p:sldId id="279" r:id="rId22"/>
-    <p:sldId id="281" r:id="rId23"/>
-    <p:sldId id="282" r:id="rId24"/>
+    <p:sldId id="265" r:id="rId11"/>
+    <p:sldId id="266" r:id="rId12"/>
+    <p:sldId id="267" r:id="rId13"/>
+    <p:sldId id="268" r:id="rId14"/>
+    <p:sldId id="269" r:id="rId15"/>
+    <p:sldId id="270" r:id="rId16"/>
+    <p:sldId id="271" r:id="rId17"/>
+    <p:sldId id="272" r:id="rId18"/>
+    <p:sldId id="273" r:id="rId19"/>
+    <p:sldId id="274" r:id="rId20"/>
+    <p:sldId id="275" r:id="rId21"/>
+    <p:sldId id="276" r:id="rId22"/>
+    <p:sldId id="277" r:id="rId23"/>
+    <p:sldId id="278" r:id="rId24"/>
+    <p:sldId id="279" r:id="rId25"/>
+    <p:sldId id="280" r:id="rId26"/>
+    <p:sldId id="281" r:id="rId27"/>
+    <p:sldId id="282" r:id="rId28"/>
+    <p:sldId id="283" r:id="rId29"/>
+    <p:sldId id="284" r:id="rId30"/>
+    <p:sldId id="285" r:id="rId31"/>
+    <p:sldId id="286" r:id="rId32"/>
+    <p:sldId id="287" r:id="rId33"/>
+    <p:sldId id="288" r:id="rId34"/>
+    <p:sldId id="289" r:id="rId35"/>
+    <p:sldId id="290" r:id="rId36"/>
+    <p:sldId id="291" r:id="rId37"/>
+    <p:sldId id="292" r:id="rId38"/>
+    <p:sldId id="293" r:id="rId39"/>
+    <p:sldId id="294" r:id="rId40"/>
   </p:sldIdLst>
   <p:sldSz cx="12192000" cy="6858000"/>
   <p:notesSz cx="6858000" cy="9144000"/>
-  <p:embeddedFontLst>
-    <p:embeddedFont>
-      <p:font typeface="KoPub돋움체 Bold" panose="00000800000000000000" pitchFamily="2" charset="-127"/>
-      <p:bold r:id="rId25"/>
-    </p:embeddedFont>
-    <p:embeddedFont>
-      <p:font typeface="맑은 고딕" panose="020B0503020000020004" pitchFamily="50" charset="-127"/>
-      <p:regular r:id="rId26"/>
-      <p:bold r:id="rId27"/>
-    </p:embeddedFont>
-  </p:embeddedFontLst>
   <p:defaultTextStyle>
     <a:defPPr>
       <a:defRPr lang="ko-KR"/>
@@ -137,22 +142,6 @@
       </a:defRPr>
     </a:lvl9pPr>
   </p:defaultTextStyle>
-  <p:extLst>
-    <p:ext uri="{EFAFB233-063F-42B5-8137-9DF3F51BA10A}">
-      <p15:sldGuideLst xmlns:p15="http://schemas.microsoft.com/office/powerpoint/2012/main">
-        <p15:guide id="1" orient="horz" pos="2159">
-          <p15:clr>
-            <a:srgbClr val="A4A3A4"/>
-          </p15:clr>
-        </p15:guide>
-        <p15:guide id="2" pos="3839">
-          <p15:clr>
-            <a:srgbClr val="A4A3A4"/>
-          </p15:clr>
-        </p15:guide>
-      </p15:sldGuideLst>
-    </p:ext>
-  </p:extLst>
 </p:presentation>
 </file>
 
@@ -14991,6 +14980,692 @@
 </p:sld>
 </file>
 
+<file path=ppt/slides/slide24.xml><?xml version="1.0" encoding="utf-8"?>
+<p:sld xmlns:r="http://schemas.openxmlformats.org/officeDocument/2006/relationships" xmlns:c="http://schemas.openxmlformats.org/drawingml/2006/chart" xmlns:a="http://schemas.openxmlformats.org/drawingml/2006/main" xmlns:dgm="http://schemas.openxmlformats.org/drawingml/2006/diagram" xmlns:dsp="http://schemas.microsoft.com/office/drawing/2008/diagram" xmlns:p="http://schemas.openxmlformats.org/presentationml/2006/main">
+  <p:cSld>
+    <p:bg>
+      <p:bgPr shadeToTitle="0">
+        <a:solidFill>
+          <a:srgbClr val="303038"/>
+        </a:solidFill>
+      </p:bgPr>
+    </p:bg>
+    <p:spTree>
+      <p:nvGrpSpPr>
+        <p:cNvPr id="1" name=""/>
+        <p:cNvGrpSpPr/>
+        <p:nvPr/>
+      </p:nvGrpSpPr>
+      <p:grpSpPr>
+        <a:xfrm>
+          <a:off x="0" y="0"/>
+          <a:ext cx="0" cy="0"/>
+          <a:chOff x="0" y="0"/>
+          <a:chExt cx="0" cy="0"/>
+        </a:xfrm>
+      </p:grpSpPr>
+      <p:sp>
+        <p:nvSpPr>
+          <p:cNvPr id="57" name="직사각형 14"/>
+          <p:cNvSpPr/>
+          <p:nvPr/>
+        </p:nvSpPr>
+        <p:spPr>
+          <a:xfrm>
+            <a:off x="4712650" y="2917855"/>
+            <a:ext cx="2766700" cy="728315"/>
+          </a:xfrm>
+          <a:prstGeom prst="rect">
+            <a:avLst/>
+          </a:prstGeom>
+        </p:spPr>
+        <p:txBody>
+          <a:bodyPr wrap="square">
+            <a:spAutoFit/>
+          </a:bodyPr>
+          <a:lstStyle/>
+          <a:p>
+            <a:pPr algn="ctr">
+              <a:lnSpc>
+                <a:spcPct val="150000"/>
+              </a:lnSpc>
+              <a:defRPr/>
+            </a:pPr>
+            <a:r>
+              <a:rPr lang="ko-KR" altLang="en-US" sz="2800" b="1">
+                <a:solidFill>
+                  <a:srgbClr val="15eeff"/>
+                </a:solidFill>
+              </a:rPr>
+              <a:t>기능정의</a:t>
+            </a:r>
+            <a:endParaRPr lang="ko-KR" altLang="en-US" sz="2800" b="1">
+              <a:solidFill>
+                <a:srgbClr val="15eeff"/>
+              </a:solidFill>
+            </a:endParaRPr>
+          </a:p>
+        </p:txBody>
+      </p:sp>
+      <p:sp>
+        <p:nvSpPr>
+          <p:cNvPr id="58" name="직사각형 14"/>
+          <p:cNvSpPr/>
+          <p:nvPr/>
+        </p:nvSpPr>
+        <p:spPr>
+          <a:xfrm>
+            <a:off x="8460336" y="179957"/>
+            <a:ext cx="3630182" cy="475363"/>
+          </a:xfrm>
+          <a:prstGeom prst="rect">
+            <a:avLst/>
+          </a:prstGeom>
+        </p:spPr>
+        <p:txBody>
+          <a:bodyPr wrap="square">
+            <a:spAutoFit/>
+          </a:bodyPr>
+          <a:lstStyle/>
+          <a:p>
+            <a:pPr algn="ctr">
+              <a:lnSpc>
+                <a:spcPct val="150000"/>
+              </a:lnSpc>
+              <a:defRPr/>
+            </a:pPr>
+            <a:r>
+              <a:rPr lang="ko-KR" altLang="en-US" sz="1700" b="1" i="1">
+                <a:solidFill>
+                  <a:prstClr val="white">
+                    <a:lumMod val="95000"/>
+                  </a:prstClr>
+                </a:solidFill>
+                <a:latin typeface="KoPub돋움체 Bold"/>
+                <a:ea typeface="KoPub돋움체 Bold"/>
+              </a:rPr>
+              <a:t>멀티플렉스 영화관 관리 시스템</a:t>
+            </a:r>
+            <a:endParaRPr lang="ko-KR" altLang="en-US" sz="1700" b="1" i="1">
+              <a:solidFill>
+                <a:prstClr val="white">
+                  <a:lumMod val="95000"/>
+                </a:prstClr>
+              </a:solidFill>
+              <a:latin typeface="KoPub돋움체 Bold"/>
+              <a:ea typeface="KoPub돋움체 Bold"/>
+            </a:endParaRPr>
+          </a:p>
+        </p:txBody>
+      </p:sp>
+    </p:spTree>
+  </p:cSld>
+  <p:clrMapOvr>
+    <a:masterClrMapping/>
+  </p:clrMapOvr>
+  <mc:AlternateContent xmlns:mc="http://schemas.openxmlformats.org/markup-compatibility/2006">
+    <mc:Choice xmlns:p14="http://schemas.microsoft.com/office/powerpoint/2010/main" Requires="p14">
+      <p:transition xmlns:mc="http://schemas.openxmlformats.org/markup-compatibility/2006" xmlns:p14="http://schemas.microsoft.com/office/powerpoint/2010/main" mc:Ignorable="p14" p14:dur="500"/>
+    </mc:Choice>
+    <mc:Fallback>
+      <p:transition/>
+    </mc:Fallback>
+  </mc:AlternateContent>
+</p:sld>
+</file>
+
+<file path=ppt/slides/slide25.xml><?xml version="1.0" encoding="utf-8"?>
+<p:sld xmlns:r="http://schemas.openxmlformats.org/officeDocument/2006/relationships" xmlns:c="http://schemas.openxmlformats.org/drawingml/2006/chart" xmlns:a="http://schemas.openxmlformats.org/drawingml/2006/main" xmlns:dgm="http://schemas.openxmlformats.org/drawingml/2006/diagram" xmlns:dsp="http://schemas.microsoft.com/office/drawing/2008/diagram" xmlns:p="http://schemas.openxmlformats.org/presentationml/2006/main">
+  <p:cSld>
+    <p:spTree>
+      <p:nvGrpSpPr>
+        <p:cNvPr id="1" name=""/>
+        <p:cNvGrpSpPr/>
+        <p:nvPr/>
+      </p:nvGrpSpPr>
+      <p:grpSpPr>
+        <a:xfrm>
+          <a:off x="0" y="0"/>
+          <a:ext cx="0" cy="0"/>
+          <a:chOff x="0" y="0"/>
+          <a:chExt cx="0" cy="0"/>
+        </a:xfrm>
+      </p:grpSpPr>
+      <p:pic>
+        <p:nvPicPr>
+          <p:cNvPr id="4" name=""/>
+          <p:cNvPicPr>
+            <a:picLocks noChangeAspect="1"/>
+          </p:cNvPicPr>
+          <p:nvPr/>
+        </p:nvPicPr>
+        <p:blipFill rotWithShape="1">
+          <a:blip r:embed="rId2"/>
+          <a:stretch>
+            <a:fillRect/>
+          </a:stretch>
+        </p:blipFill>
+        <p:spPr>
+          <a:xfrm>
+            <a:off x="0" y="972670"/>
+            <a:ext cx="12192000" cy="4912658"/>
+          </a:xfrm>
+          <a:prstGeom prst="rect">
+            <a:avLst/>
+          </a:prstGeom>
+        </p:spPr>
+      </p:pic>
+    </p:spTree>
+  </p:cSld>
+  <p:clrMapOvr>
+    <a:masterClrMapping/>
+  </p:clrMapOvr>
+  <mc:AlternateContent xmlns:mc="http://schemas.openxmlformats.org/markup-compatibility/2006">
+    <mc:Choice xmlns:p14="http://schemas.microsoft.com/office/powerpoint/2010/main" Requires="p14">
+      <p:transition xmlns:mc="http://schemas.openxmlformats.org/markup-compatibility/2006" xmlns:p14="http://schemas.microsoft.com/office/powerpoint/2010/main" mc:Ignorable="p14" p14:dur="500"/>
+    </mc:Choice>
+    <mc:Fallback>
+      <p:transition/>
+    </mc:Fallback>
+  </mc:AlternateContent>
+</p:sld>
+</file>
+
+<file path=ppt/slides/slide26.xml><?xml version="1.0" encoding="utf-8"?>
+<p:sld xmlns:r="http://schemas.openxmlformats.org/officeDocument/2006/relationships" xmlns:c="http://schemas.openxmlformats.org/drawingml/2006/chart" xmlns:a="http://schemas.openxmlformats.org/drawingml/2006/main" xmlns:dgm="http://schemas.openxmlformats.org/drawingml/2006/diagram" xmlns:dsp="http://schemas.microsoft.com/office/drawing/2008/diagram" xmlns:p="http://schemas.openxmlformats.org/presentationml/2006/main">
+  <p:cSld>
+    <p:spTree>
+      <p:nvGrpSpPr>
+        <p:cNvPr id="1" name=""/>
+        <p:cNvGrpSpPr/>
+        <p:nvPr/>
+      </p:nvGrpSpPr>
+      <p:grpSpPr>
+        <a:xfrm>
+          <a:off x="0" y="0"/>
+          <a:ext cx="0" cy="0"/>
+          <a:chOff x="0" y="0"/>
+          <a:chExt cx="0" cy="0"/>
+        </a:xfrm>
+      </p:grpSpPr>
+      <p:grpSp>
+        <p:nvGrpSpPr>
+          <p:cNvPr id="7" name=""/>
+          <p:cNvGrpSpPr/>
+          <p:nvPr/>
+        </p:nvGrpSpPr>
+        <p:grpSpPr>
+          <a:xfrm rot="0">
+            <a:off x="0" y="788831"/>
+            <a:ext cx="12192000" cy="5280338"/>
+            <a:chOff x="0" y="788831"/>
+            <a:chExt cx="12192000" cy="5280338"/>
+          </a:xfrm>
+        </p:grpSpPr>
+        <p:pic>
+          <p:nvPicPr>
+            <p:cNvPr id="4" name=""/>
+            <p:cNvPicPr>
+              <a:picLocks noChangeAspect="1"/>
+            </p:cNvPicPr>
+            <p:nvPr/>
+          </p:nvPicPr>
+          <p:blipFill rotWithShape="1">
+            <a:blip r:embed="rId2"/>
+            <a:stretch>
+              <a:fillRect/>
+            </a:stretch>
+          </p:blipFill>
+          <p:spPr>
+            <a:xfrm>
+              <a:off x="0" y="788831"/>
+              <a:ext cx="12192000" cy="5280338"/>
+            </a:xfrm>
+            <a:prstGeom prst="rect">
+              <a:avLst/>
+            </a:prstGeom>
+          </p:spPr>
+        </p:pic>
+        <p:pic>
+          <p:nvPicPr>
+            <p:cNvPr id="5" name=""/>
+            <p:cNvPicPr>
+              <a:picLocks noChangeAspect="1"/>
+            </p:cNvPicPr>
+            <p:nvPr/>
+          </p:nvPicPr>
+          <p:blipFill rotWithShape="1">
+            <a:blip r:embed="rId3"/>
+            <a:stretch>
+              <a:fillRect/>
+            </a:stretch>
+          </p:blipFill>
+          <p:spPr>
+            <a:xfrm>
+              <a:off x="172245" y="3164976"/>
+              <a:ext cx="731520" cy="525779"/>
+            </a:xfrm>
+            <a:prstGeom prst="rect">
+              <a:avLst/>
+            </a:prstGeom>
+          </p:spPr>
+        </p:pic>
+      </p:grpSp>
+    </p:spTree>
+  </p:cSld>
+  <p:clrMapOvr>
+    <a:masterClrMapping/>
+  </p:clrMapOvr>
+  <mc:AlternateContent xmlns:mc="http://schemas.openxmlformats.org/markup-compatibility/2006">
+    <mc:Choice xmlns:p14="http://schemas.microsoft.com/office/powerpoint/2010/main" Requires="p14">
+      <p:transition xmlns:mc="http://schemas.openxmlformats.org/markup-compatibility/2006" xmlns:p14="http://schemas.microsoft.com/office/powerpoint/2010/main" mc:Ignorable="p14" p14:dur="500"/>
+    </mc:Choice>
+    <mc:Fallback>
+      <p:transition/>
+    </mc:Fallback>
+  </mc:AlternateContent>
+</p:sld>
+</file>
+
+<file path=ppt/slides/slide27.xml><?xml version="1.0" encoding="utf-8"?>
+<p:sld xmlns:r="http://schemas.openxmlformats.org/officeDocument/2006/relationships" xmlns:c="http://schemas.openxmlformats.org/drawingml/2006/chart" xmlns:a="http://schemas.openxmlformats.org/drawingml/2006/main" xmlns:dgm="http://schemas.openxmlformats.org/drawingml/2006/diagram" xmlns:dsp="http://schemas.microsoft.com/office/drawing/2008/diagram" xmlns:p="http://schemas.openxmlformats.org/presentationml/2006/main">
+  <p:cSld>
+    <p:spTree>
+      <p:nvGrpSpPr>
+        <p:cNvPr id="1" name=""/>
+        <p:cNvGrpSpPr/>
+        <p:nvPr/>
+      </p:nvGrpSpPr>
+      <p:grpSpPr>
+        <a:xfrm>
+          <a:off x="0" y="0"/>
+          <a:ext cx="0" cy="0"/>
+          <a:chOff x="0" y="0"/>
+          <a:chExt cx="0" cy="0"/>
+        </a:xfrm>
+      </p:grpSpPr>
+      <p:grpSp>
+        <p:nvGrpSpPr>
+          <p:cNvPr id="10" name=""/>
+          <p:cNvGrpSpPr/>
+          <p:nvPr/>
+        </p:nvGrpSpPr>
+        <p:grpSpPr>
+          <a:xfrm rot="0">
+            <a:off x="-781" y="623476"/>
+            <a:ext cx="12192000" cy="5488435"/>
+            <a:chOff x="-781" y="623476"/>
+            <a:chExt cx="12192000" cy="5488435"/>
+          </a:xfrm>
+        </p:grpSpPr>
+        <p:grpSp>
+          <p:nvGrpSpPr>
+            <p:cNvPr id="8" name=""/>
+            <p:cNvGrpSpPr/>
+            <p:nvPr/>
+          </p:nvGrpSpPr>
+          <p:grpSpPr>
+            <a:xfrm rot="0">
+              <a:off x="-781" y="623476"/>
+              <a:ext cx="12192000" cy="5488435"/>
+              <a:chOff x="-781" y="623476"/>
+              <a:chExt cx="12192000" cy="5488435"/>
+            </a:xfrm>
+          </p:grpSpPr>
+          <p:pic>
+            <p:nvPicPr>
+              <p:cNvPr id="6" name=""/>
+              <p:cNvPicPr>
+                <a:picLocks noChangeAspect="1"/>
+              </p:cNvPicPr>
+              <p:nvPr/>
+            </p:nvPicPr>
+            <p:blipFill rotWithShape="1">
+              <a:blip r:embed="rId2"/>
+              <a:stretch>
+                <a:fillRect/>
+              </a:stretch>
+            </p:blipFill>
+            <p:spPr>
+              <a:xfrm>
+                <a:off x="-780" y="623476"/>
+                <a:ext cx="12192000" cy="5359838"/>
+              </a:xfrm>
+              <a:prstGeom prst="rect">
+                <a:avLst/>
+              </a:prstGeom>
+            </p:spPr>
+          </p:pic>
+          <p:pic>
+            <p:nvPicPr>
+              <p:cNvPr id="7" name=""/>
+              <p:cNvPicPr>
+                <a:picLocks noChangeAspect="1"/>
+              </p:cNvPicPr>
+              <p:nvPr/>
+            </p:nvPicPr>
+            <p:blipFill rotWithShape="1">
+              <a:blip r:embed="rId3"/>
+              <a:stretch>
+                <a:fillRect/>
+              </a:stretch>
+            </p:blipFill>
+            <p:spPr>
+              <a:xfrm>
+                <a:off x="-781" y="5937739"/>
+                <a:ext cx="12192000" cy="174171"/>
+              </a:xfrm>
+              <a:prstGeom prst="rect">
+                <a:avLst/>
+              </a:prstGeom>
+            </p:spPr>
+          </p:pic>
+        </p:grpSp>
+        <p:pic>
+          <p:nvPicPr>
+            <p:cNvPr id="9" name=""/>
+            <p:cNvPicPr>
+              <a:picLocks noChangeAspect="1"/>
+            </p:cNvPicPr>
+            <p:nvPr/>
+          </p:nvPicPr>
+          <p:blipFill rotWithShape="1">
+            <a:blip r:embed="rId4"/>
+            <a:stretch>
+              <a:fillRect/>
+            </a:stretch>
+          </p:blipFill>
+          <p:spPr>
+            <a:xfrm>
+              <a:off x="172245" y="3164976"/>
+              <a:ext cx="731520" cy="525779"/>
+            </a:xfrm>
+            <a:prstGeom prst="rect">
+              <a:avLst/>
+            </a:prstGeom>
+          </p:spPr>
+        </p:pic>
+      </p:grpSp>
+    </p:spTree>
+  </p:cSld>
+  <p:clrMapOvr>
+    <a:masterClrMapping/>
+  </p:clrMapOvr>
+  <mc:AlternateContent xmlns:mc="http://schemas.openxmlformats.org/markup-compatibility/2006">
+    <mc:Choice xmlns:p14="http://schemas.microsoft.com/office/powerpoint/2010/main" Requires="p14">
+      <p:transition xmlns:mc="http://schemas.openxmlformats.org/markup-compatibility/2006" xmlns:p14="http://schemas.microsoft.com/office/powerpoint/2010/main" mc:Ignorable="p14" p14:dur="500"/>
+    </mc:Choice>
+    <mc:Fallback>
+      <p:transition/>
+    </mc:Fallback>
+  </mc:AlternateContent>
+</p:sld>
+</file>
+
+<file path=ppt/slides/slide28.xml><?xml version="1.0" encoding="utf-8"?>
+<p:sld xmlns:r="http://schemas.openxmlformats.org/officeDocument/2006/relationships" xmlns:c="http://schemas.openxmlformats.org/drawingml/2006/chart" xmlns:a="http://schemas.openxmlformats.org/drawingml/2006/main" xmlns:dgm="http://schemas.openxmlformats.org/drawingml/2006/diagram" xmlns:dsp="http://schemas.microsoft.com/office/drawing/2008/diagram" xmlns:p="http://schemas.openxmlformats.org/presentationml/2006/main">
+  <p:cSld>
+    <p:spTree>
+      <p:nvGrpSpPr>
+        <p:cNvPr id="1" name=""/>
+        <p:cNvGrpSpPr/>
+        <p:nvPr/>
+      </p:nvGrpSpPr>
+      <p:grpSpPr>
+        <a:xfrm>
+          <a:off x="0" y="0"/>
+          <a:ext cx="0" cy="0"/>
+          <a:chOff x="0" y="0"/>
+          <a:chExt cx="0" cy="0"/>
+        </a:xfrm>
+      </p:grpSpPr>
+      <p:grpSp>
+        <p:nvGrpSpPr>
+          <p:cNvPr id="8" name=""/>
+          <p:cNvGrpSpPr/>
+          <p:nvPr/>
+        </p:nvGrpSpPr>
+        <p:grpSpPr>
+          <a:xfrm rot="0">
+            <a:off x="0" y="805178"/>
+            <a:ext cx="12192000" cy="5247642"/>
+            <a:chOff x="0" y="805178"/>
+            <a:chExt cx="12192000" cy="5247642"/>
+          </a:xfrm>
+        </p:grpSpPr>
+        <p:pic>
+          <p:nvPicPr>
+            <p:cNvPr id="4" name=""/>
+            <p:cNvPicPr>
+              <a:picLocks noChangeAspect="1"/>
+            </p:cNvPicPr>
+            <p:nvPr/>
+          </p:nvPicPr>
+          <p:blipFill rotWithShape="1">
+            <a:blip r:embed="rId2"/>
+            <a:stretch>
+              <a:fillRect/>
+            </a:stretch>
+          </p:blipFill>
+          <p:spPr>
+            <a:xfrm>
+              <a:off x="0" y="805178"/>
+              <a:ext cx="12192000" cy="5247642"/>
+            </a:xfrm>
+            <a:prstGeom prst="rect">
+              <a:avLst/>
+            </a:prstGeom>
+          </p:spPr>
+        </p:pic>
+        <p:pic>
+          <p:nvPicPr>
+            <p:cNvPr id="6" name=""/>
+            <p:cNvPicPr>
+              <a:picLocks noChangeAspect="1"/>
+            </p:cNvPicPr>
+            <p:nvPr/>
+          </p:nvPicPr>
+          <p:blipFill rotWithShape="1">
+            <a:blip r:embed="rId3"/>
+            <a:stretch>
+              <a:fillRect/>
+            </a:stretch>
+          </p:blipFill>
+          <p:spPr>
+            <a:xfrm>
+              <a:off x="300823" y="3225936"/>
+              <a:ext cx="495300" cy="403860"/>
+            </a:xfrm>
+            <a:prstGeom prst="rect">
+              <a:avLst/>
+            </a:prstGeom>
+          </p:spPr>
+        </p:pic>
+        <p:pic>
+          <p:nvPicPr>
+            <p:cNvPr id="7" name=""/>
+            <p:cNvPicPr>
+              <a:picLocks noChangeAspect="1"/>
+            </p:cNvPicPr>
+            <p:nvPr/>
+          </p:nvPicPr>
+          <p:blipFill rotWithShape="1">
+            <a:blip r:embed="rId4"/>
+            <a:stretch>
+              <a:fillRect/>
+            </a:stretch>
+          </p:blipFill>
+          <p:spPr>
+            <a:xfrm>
+              <a:off x="347464" y="4864698"/>
+              <a:ext cx="464820" cy="373380"/>
+            </a:xfrm>
+            <a:prstGeom prst="rect">
+              <a:avLst/>
+            </a:prstGeom>
+          </p:spPr>
+        </p:pic>
+      </p:grpSp>
+    </p:spTree>
+  </p:cSld>
+  <p:clrMapOvr>
+    <a:masterClrMapping/>
+  </p:clrMapOvr>
+  <mc:AlternateContent xmlns:mc="http://schemas.openxmlformats.org/markup-compatibility/2006">
+    <mc:Choice xmlns:p14="http://schemas.microsoft.com/office/powerpoint/2010/main" Requires="p14">
+      <p:transition xmlns:mc="http://schemas.openxmlformats.org/markup-compatibility/2006" xmlns:p14="http://schemas.microsoft.com/office/powerpoint/2010/main" mc:Ignorable="p14" p14:dur="500"/>
+    </mc:Choice>
+    <mc:Fallback>
+      <p:transition/>
+    </mc:Fallback>
+  </mc:AlternateContent>
+</p:sld>
+</file>
+
+<file path=ppt/slides/slide29.xml><?xml version="1.0" encoding="utf-8"?>
+<p:sld xmlns:r="http://schemas.openxmlformats.org/officeDocument/2006/relationships" xmlns:c="http://schemas.openxmlformats.org/drawingml/2006/chart" xmlns:a="http://schemas.openxmlformats.org/drawingml/2006/main" xmlns:dgm="http://schemas.openxmlformats.org/drawingml/2006/diagram" xmlns:dsp="http://schemas.microsoft.com/office/drawing/2008/diagram" xmlns:p="http://schemas.openxmlformats.org/presentationml/2006/main">
+  <p:cSld>
+    <p:spTree>
+      <p:nvGrpSpPr>
+        <p:cNvPr id="1" name=""/>
+        <p:cNvGrpSpPr/>
+        <p:nvPr/>
+      </p:nvGrpSpPr>
+      <p:grpSpPr>
+        <a:xfrm>
+          <a:off x="0" y="0"/>
+          <a:ext cx="0" cy="0"/>
+          <a:chOff x="0" y="0"/>
+          <a:chExt cx="0" cy="0"/>
+        </a:xfrm>
+      </p:grpSpPr>
+      <p:grpSp>
+        <p:nvGrpSpPr>
+          <p:cNvPr id="10" name=""/>
+          <p:cNvGrpSpPr/>
+          <p:nvPr/>
+        </p:nvGrpSpPr>
+        <p:grpSpPr>
+          <a:xfrm rot="0">
+            <a:off x="-781" y="0"/>
+            <a:ext cx="12192000" cy="6858000"/>
+            <a:chOff x="-781" y="0"/>
+            <a:chExt cx="12192000" cy="6858000"/>
+          </a:xfrm>
+        </p:grpSpPr>
+        <p:pic>
+          <p:nvPicPr>
+            <p:cNvPr id="4" name=""/>
+            <p:cNvPicPr>
+              <a:picLocks noChangeAspect="1"/>
+            </p:cNvPicPr>
+            <p:nvPr/>
+          </p:nvPicPr>
+          <p:blipFill rotWithShape="1">
+            <a:blip r:embed="rId2"/>
+            <a:stretch>
+              <a:fillRect/>
+            </a:stretch>
+          </p:blipFill>
+          <p:spPr>
+            <a:xfrm>
+              <a:off x="-780" y="0"/>
+              <a:ext cx="12192000" cy="5161733"/>
+            </a:xfrm>
+            <a:prstGeom prst="rect">
+              <a:avLst/>
+            </a:prstGeom>
+          </p:spPr>
+        </p:pic>
+        <p:pic>
+          <p:nvPicPr>
+            <p:cNvPr id="7" name=""/>
+            <p:cNvPicPr>
+              <a:picLocks noChangeAspect="1"/>
+            </p:cNvPicPr>
+            <p:nvPr/>
+          </p:nvPicPr>
+          <p:blipFill rotWithShape="1">
+            <a:blip r:embed="rId3"/>
+            <a:stretch>
+              <a:fillRect/>
+            </a:stretch>
+          </p:blipFill>
+          <p:spPr>
+            <a:xfrm>
+              <a:off x="-781" y="5147972"/>
+              <a:ext cx="12192000" cy="1710028"/>
+            </a:xfrm>
+            <a:prstGeom prst="rect">
+              <a:avLst/>
+            </a:prstGeom>
+          </p:spPr>
+        </p:pic>
+        <p:pic>
+          <p:nvPicPr>
+            <p:cNvPr id="8" name=""/>
+            <p:cNvPicPr>
+              <a:picLocks noChangeAspect="1"/>
+            </p:cNvPicPr>
+            <p:nvPr/>
+          </p:nvPicPr>
+          <p:blipFill rotWithShape="1">
+            <a:blip r:embed="rId4"/>
+            <a:stretch>
+              <a:fillRect/>
+            </a:stretch>
+          </p:blipFill>
+          <p:spPr>
+            <a:xfrm>
+              <a:off x="363625" y="898614"/>
+              <a:ext cx="495300" cy="434340"/>
+            </a:xfrm>
+            <a:prstGeom prst="rect">
+              <a:avLst/>
+            </a:prstGeom>
+          </p:spPr>
+        </p:pic>
+        <p:pic>
+          <p:nvPicPr>
+            <p:cNvPr id="9" name=""/>
+            <p:cNvPicPr>
+              <a:picLocks noChangeAspect="1"/>
+            </p:cNvPicPr>
+            <p:nvPr/>
+          </p:nvPicPr>
+          <p:blipFill rotWithShape="1">
+            <a:blip r:embed="rId5"/>
+            <a:stretch>
+              <a:fillRect/>
+            </a:stretch>
+          </p:blipFill>
+          <p:spPr>
+            <a:xfrm>
+              <a:off x="294123" y="4602016"/>
+              <a:ext cx="571500" cy="480059"/>
+            </a:xfrm>
+            <a:prstGeom prst="rect">
+              <a:avLst/>
+            </a:prstGeom>
+          </p:spPr>
+        </p:pic>
+      </p:grpSp>
+    </p:spTree>
+  </p:cSld>
+  <p:clrMapOvr>
+    <a:masterClrMapping/>
+  </p:clrMapOvr>
+  <mc:AlternateContent xmlns:mc="http://schemas.openxmlformats.org/markup-compatibility/2006">
+    <mc:Choice xmlns:p14="http://schemas.microsoft.com/office/powerpoint/2010/main" Requires="p14">
+      <p:transition xmlns:mc="http://schemas.openxmlformats.org/markup-compatibility/2006" xmlns:p14="http://schemas.microsoft.com/office/powerpoint/2010/main" mc:Ignorable="p14" p14:dur="500"/>
+    </mc:Choice>
+    <mc:Fallback>
+      <p:transition/>
+    </mc:Fallback>
+  </mc:AlternateContent>
+</p:sld>
+</file>
+
 <file path=ppt/slides/slide3.xml><?xml version="1.0" encoding="utf-8"?>
 <p:sld xmlns:a="http://schemas.openxmlformats.org/drawingml/2006/main" xmlns:r="http://schemas.openxmlformats.org/officeDocument/2006/relationships" xmlns:p="http://schemas.openxmlformats.org/presentationml/2006/main">
   <p:cSld>
@@ -15064,6 +15739,905 @@
       <p:transition/>
     </mc:Choice>
     <mc:Fallback xmlns:dsp="http://schemas.microsoft.com/office/drawing/2008/diagram" xmlns:dgm="http://schemas.openxmlformats.org/drawingml/2006/diagram" xmlns:c="http://schemas.openxmlformats.org/drawingml/2006/chart" xmlns="">
+      <p:transition/>
+    </mc:Fallback>
+  </mc:AlternateContent>
+</p:sld>
+</file>
+
+<file path=ppt/slides/slide30.xml><?xml version="1.0" encoding="utf-8"?>
+<p:sld xmlns:r="http://schemas.openxmlformats.org/officeDocument/2006/relationships" xmlns:c="http://schemas.openxmlformats.org/drawingml/2006/chart" xmlns:a="http://schemas.openxmlformats.org/drawingml/2006/main" xmlns:dgm="http://schemas.openxmlformats.org/drawingml/2006/diagram" xmlns:dsp="http://schemas.microsoft.com/office/drawing/2008/diagram" xmlns:p="http://schemas.openxmlformats.org/presentationml/2006/main">
+  <p:cSld>
+    <p:spTree>
+      <p:nvGrpSpPr>
+        <p:cNvPr id="1" name=""/>
+        <p:cNvGrpSpPr/>
+        <p:nvPr/>
+      </p:nvGrpSpPr>
+      <p:grpSpPr>
+        <a:xfrm>
+          <a:off x="0" y="0"/>
+          <a:ext cx="0" cy="0"/>
+          <a:chOff x="0" y="0"/>
+          <a:chExt cx="0" cy="0"/>
+        </a:xfrm>
+      </p:grpSpPr>
+      <p:grpSp>
+        <p:nvGrpSpPr>
+          <p:cNvPr id="10" name=""/>
+          <p:cNvGrpSpPr/>
+          <p:nvPr/>
+        </p:nvGrpSpPr>
+        <p:grpSpPr>
+          <a:xfrm rot="0">
+            <a:off x="0" y="1028521"/>
+            <a:ext cx="12192000" cy="4800958"/>
+            <a:chOff x="0" y="1028521"/>
+            <a:chExt cx="12192000" cy="4800958"/>
+          </a:xfrm>
+        </p:grpSpPr>
+        <p:pic>
+          <p:nvPicPr>
+            <p:cNvPr id="8" name=""/>
+            <p:cNvPicPr>
+              <a:picLocks noChangeAspect="1"/>
+            </p:cNvPicPr>
+            <p:nvPr/>
+          </p:nvPicPr>
+          <p:blipFill rotWithShape="1">
+            <a:blip r:embed="rId2"/>
+            <a:stretch>
+              <a:fillRect/>
+            </a:stretch>
+          </p:blipFill>
+          <p:spPr>
+            <a:xfrm>
+              <a:off x="0" y="1028521"/>
+              <a:ext cx="12192000" cy="4800957"/>
+            </a:xfrm>
+            <a:prstGeom prst="rect">
+              <a:avLst/>
+            </a:prstGeom>
+          </p:spPr>
+        </p:pic>
+        <p:pic>
+          <p:nvPicPr>
+            <p:cNvPr id="9" name=""/>
+            <p:cNvPicPr>
+              <a:picLocks noChangeAspect="1"/>
+            </p:cNvPicPr>
+            <p:nvPr/>
+          </p:nvPicPr>
+          <p:blipFill rotWithShape="1">
+            <a:blip r:embed="rId3"/>
+            <a:stretch>
+              <a:fillRect/>
+            </a:stretch>
+          </p:blipFill>
+          <p:spPr>
+            <a:xfrm>
+              <a:off x="304590" y="3187836"/>
+              <a:ext cx="571500" cy="480059"/>
+            </a:xfrm>
+            <a:prstGeom prst="rect">
+              <a:avLst/>
+            </a:prstGeom>
+          </p:spPr>
+        </p:pic>
+      </p:grpSp>
+    </p:spTree>
+  </p:cSld>
+  <p:clrMapOvr>
+    <a:masterClrMapping/>
+  </p:clrMapOvr>
+  <mc:AlternateContent xmlns:mc="http://schemas.openxmlformats.org/markup-compatibility/2006">
+    <mc:Choice xmlns:p14="http://schemas.microsoft.com/office/powerpoint/2010/main" Requires="p14">
+      <p:transition xmlns:mc="http://schemas.openxmlformats.org/markup-compatibility/2006" xmlns:p14="http://schemas.microsoft.com/office/powerpoint/2010/main" mc:Ignorable="p14" p14:dur="500"/>
+    </mc:Choice>
+    <mc:Fallback>
+      <p:transition/>
+    </mc:Fallback>
+  </mc:AlternateContent>
+</p:sld>
+</file>
+
+<file path=ppt/slides/slide31.xml><?xml version="1.0" encoding="utf-8"?>
+<p:sld xmlns:r="http://schemas.openxmlformats.org/officeDocument/2006/relationships" xmlns:c="http://schemas.openxmlformats.org/drawingml/2006/chart" xmlns:a="http://schemas.openxmlformats.org/drawingml/2006/main" xmlns:dgm="http://schemas.openxmlformats.org/drawingml/2006/diagram" xmlns:dsp="http://schemas.microsoft.com/office/drawing/2008/diagram" xmlns:p="http://schemas.openxmlformats.org/presentationml/2006/main">
+  <p:cSld>
+    <p:spTree>
+      <p:nvGrpSpPr>
+        <p:cNvPr id="1" name=""/>
+        <p:cNvGrpSpPr/>
+        <p:nvPr/>
+      </p:nvGrpSpPr>
+      <p:grpSpPr>
+        <a:xfrm>
+          <a:off x="0" y="0"/>
+          <a:ext cx="0" cy="0"/>
+          <a:chOff x="0" y="0"/>
+          <a:chExt cx="0" cy="0"/>
+        </a:xfrm>
+      </p:grpSpPr>
+      <p:grpSp>
+        <p:nvGrpSpPr>
+          <p:cNvPr id="6" name=""/>
+          <p:cNvGrpSpPr/>
+          <p:nvPr/>
+        </p:nvGrpSpPr>
+        <p:grpSpPr>
+          <a:xfrm rot="0">
+            <a:off x="-781" y="129454"/>
+            <a:ext cx="12192000" cy="6613408"/>
+            <a:chOff x="-781" y="129454"/>
+            <a:chExt cx="12192000" cy="6613408"/>
+          </a:xfrm>
+        </p:grpSpPr>
+        <p:pic>
+          <p:nvPicPr>
+            <p:cNvPr id="4" name=""/>
+            <p:cNvPicPr>
+              <a:picLocks noChangeAspect="1"/>
+            </p:cNvPicPr>
+            <p:nvPr/>
+          </p:nvPicPr>
+          <p:blipFill rotWithShape="1">
+            <a:blip r:embed="rId2"/>
+            <a:stretch>
+              <a:fillRect/>
+            </a:stretch>
+          </p:blipFill>
+          <p:spPr>
+            <a:xfrm>
+              <a:off x="-781" y="129454"/>
+              <a:ext cx="12192000" cy="5102307"/>
+            </a:xfrm>
+            <a:prstGeom prst="rect">
+              <a:avLst/>
+            </a:prstGeom>
+          </p:spPr>
+        </p:pic>
+        <p:pic>
+          <p:nvPicPr>
+            <p:cNvPr id="5" name=""/>
+            <p:cNvPicPr>
+              <a:picLocks noChangeAspect="1"/>
+            </p:cNvPicPr>
+            <p:nvPr/>
+          </p:nvPicPr>
+          <p:blipFill rotWithShape="1">
+            <a:blip r:embed="rId3"/>
+            <a:stretch>
+              <a:fillRect/>
+            </a:stretch>
+          </p:blipFill>
+          <p:spPr>
+            <a:xfrm>
+              <a:off x="-781" y="5222554"/>
+              <a:ext cx="12192000" cy="1520308"/>
+            </a:xfrm>
+            <a:prstGeom prst="rect">
+              <a:avLst/>
+            </a:prstGeom>
+          </p:spPr>
+        </p:pic>
+      </p:grpSp>
+    </p:spTree>
+  </p:cSld>
+  <p:clrMapOvr>
+    <a:masterClrMapping/>
+  </p:clrMapOvr>
+  <mc:AlternateContent xmlns:mc="http://schemas.openxmlformats.org/markup-compatibility/2006">
+    <mc:Choice xmlns:p14="http://schemas.microsoft.com/office/powerpoint/2010/main" Requires="p14">
+      <p:transition xmlns:mc="http://schemas.openxmlformats.org/markup-compatibility/2006" xmlns:p14="http://schemas.microsoft.com/office/powerpoint/2010/main" mc:Ignorable="p14" p14:dur="500"/>
+    </mc:Choice>
+    <mc:Fallback>
+      <p:transition/>
+    </mc:Fallback>
+  </mc:AlternateContent>
+</p:sld>
+</file>
+
+<file path=ppt/slides/slide32.xml><?xml version="1.0" encoding="utf-8"?>
+<p:sld xmlns:r="http://schemas.openxmlformats.org/officeDocument/2006/relationships" xmlns:c="http://schemas.openxmlformats.org/drawingml/2006/chart" xmlns:a="http://schemas.openxmlformats.org/drawingml/2006/main" xmlns:dgm="http://schemas.openxmlformats.org/drawingml/2006/diagram" xmlns:dsp="http://schemas.microsoft.com/office/drawing/2008/diagram" xmlns:p="http://schemas.openxmlformats.org/presentationml/2006/main">
+  <p:cSld>
+    <p:spTree>
+      <p:nvGrpSpPr>
+        <p:cNvPr id="1" name=""/>
+        <p:cNvGrpSpPr/>
+        <p:nvPr/>
+      </p:nvGrpSpPr>
+      <p:grpSpPr>
+        <a:xfrm>
+          <a:off x="0" y="0"/>
+          <a:ext cx="0" cy="0"/>
+          <a:chOff x="0" y="0"/>
+          <a:chExt cx="0" cy="0"/>
+        </a:xfrm>
+      </p:grpSpPr>
+      <p:pic>
+        <p:nvPicPr>
+          <p:cNvPr id="4" name=""/>
+          <p:cNvPicPr>
+            <a:picLocks noChangeAspect="1"/>
+          </p:cNvPicPr>
+          <p:nvPr/>
+        </p:nvPicPr>
+        <p:blipFill rotWithShape="1">
+          <a:blip r:embed="rId2"/>
+          <a:stretch>
+            <a:fillRect/>
+          </a:stretch>
+        </p:blipFill>
+        <p:spPr>
+          <a:xfrm>
+            <a:off x="0" y="790860"/>
+            <a:ext cx="12192000" cy="5276280"/>
+          </a:xfrm>
+          <a:prstGeom prst="rect">
+            <a:avLst/>
+          </a:prstGeom>
+        </p:spPr>
+      </p:pic>
+    </p:spTree>
+  </p:cSld>
+  <p:clrMapOvr>
+    <a:masterClrMapping/>
+  </p:clrMapOvr>
+  <mc:AlternateContent xmlns:mc="http://schemas.openxmlformats.org/markup-compatibility/2006">
+    <mc:Choice xmlns:p14="http://schemas.microsoft.com/office/powerpoint/2010/main" Requires="p14">
+      <p:transition xmlns:mc="http://schemas.openxmlformats.org/markup-compatibility/2006" xmlns:p14="http://schemas.microsoft.com/office/powerpoint/2010/main" mc:Ignorable="p14" p14:dur="500"/>
+    </mc:Choice>
+    <mc:Fallback>
+      <p:transition/>
+    </mc:Fallback>
+  </mc:AlternateContent>
+</p:sld>
+</file>
+
+<file path=ppt/slides/slide33.xml><?xml version="1.0" encoding="utf-8"?>
+<p:sld xmlns:r="http://schemas.openxmlformats.org/officeDocument/2006/relationships" xmlns:c="http://schemas.openxmlformats.org/drawingml/2006/chart" xmlns:a="http://schemas.openxmlformats.org/drawingml/2006/main" xmlns:dgm="http://schemas.openxmlformats.org/drawingml/2006/diagram" xmlns:dsp="http://schemas.microsoft.com/office/drawing/2008/diagram" xmlns:p="http://schemas.openxmlformats.org/presentationml/2006/main">
+  <p:cSld>
+    <p:spTree>
+      <p:nvGrpSpPr>
+        <p:cNvPr id="1" name=""/>
+        <p:cNvGrpSpPr/>
+        <p:nvPr/>
+      </p:nvGrpSpPr>
+      <p:grpSpPr>
+        <a:xfrm>
+          <a:off x="0" y="0"/>
+          <a:ext cx="0" cy="0"/>
+          <a:chOff x="0" y="0"/>
+          <a:chExt cx="0" cy="0"/>
+        </a:xfrm>
+      </p:grpSpPr>
+      <p:grpSp>
+        <p:nvGrpSpPr>
+          <p:cNvPr id="6" name=""/>
+          <p:cNvGrpSpPr/>
+          <p:nvPr/>
+        </p:nvGrpSpPr>
+        <p:grpSpPr>
+          <a:xfrm rot="0">
+            <a:off x="-781" y="795985"/>
+            <a:ext cx="12192781" cy="5422998"/>
+            <a:chOff x="-781" y="795985"/>
+            <a:chExt cx="12192781" cy="5422998"/>
+          </a:xfrm>
+        </p:grpSpPr>
+        <p:pic>
+          <p:nvPicPr>
+            <p:cNvPr id="4" name=""/>
+            <p:cNvPicPr>
+              <a:picLocks noChangeAspect="1"/>
+            </p:cNvPicPr>
+            <p:nvPr/>
+          </p:nvPicPr>
+          <p:blipFill rotWithShape="1">
+            <a:blip r:embed="rId2"/>
+            <a:stretch>
+              <a:fillRect/>
+            </a:stretch>
+          </p:blipFill>
+          <p:spPr>
+            <a:xfrm>
+              <a:off x="0" y="795985"/>
+              <a:ext cx="12192000" cy="5266028"/>
+            </a:xfrm>
+            <a:prstGeom prst="rect">
+              <a:avLst/>
+            </a:prstGeom>
+          </p:spPr>
+        </p:pic>
+        <p:pic>
+          <p:nvPicPr>
+            <p:cNvPr id="5" name=""/>
+            <p:cNvPicPr>
+              <a:picLocks noChangeAspect="1"/>
+            </p:cNvPicPr>
+            <p:nvPr/>
+          </p:nvPicPr>
+          <p:blipFill rotWithShape="1">
+            <a:blip r:embed="rId3"/>
+            <a:stretch>
+              <a:fillRect/>
+            </a:stretch>
+          </p:blipFill>
+          <p:spPr>
+            <a:xfrm>
+              <a:off x="-781" y="6040005"/>
+              <a:ext cx="12192000" cy="178978"/>
+            </a:xfrm>
+            <a:prstGeom prst="rect">
+              <a:avLst/>
+            </a:prstGeom>
+          </p:spPr>
+        </p:pic>
+      </p:grpSp>
+    </p:spTree>
+  </p:cSld>
+  <p:clrMapOvr>
+    <a:masterClrMapping/>
+  </p:clrMapOvr>
+  <mc:AlternateContent xmlns:mc="http://schemas.openxmlformats.org/markup-compatibility/2006">
+    <mc:Choice xmlns:p14="http://schemas.microsoft.com/office/powerpoint/2010/main" Requires="p14">
+      <p:transition xmlns:mc="http://schemas.openxmlformats.org/markup-compatibility/2006" xmlns:p14="http://schemas.microsoft.com/office/powerpoint/2010/main" mc:Ignorable="p14" p14:dur="500"/>
+    </mc:Choice>
+    <mc:Fallback>
+      <p:transition/>
+    </mc:Fallback>
+  </mc:AlternateContent>
+</p:sld>
+</file>
+
+<file path=ppt/slides/slide34.xml><?xml version="1.0" encoding="utf-8"?>
+<p:sld xmlns:r="http://schemas.openxmlformats.org/officeDocument/2006/relationships" xmlns:c="http://schemas.openxmlformats.org/drawingml/2006/chart" xmlns:a="http://schemas.openxmlformats.org/drawingml/2006/main" xmlns:dgm="http://schemas.openxmlformats.org/drawingml/2006/diagram" xmlns:dsp="http://schemas.microsoft.com/office/drawing/2008/diagram" xmlns:p="http://schemas.openxmlformats.org/presentationml/2006/main">
+  <p:cSld>
+    <p:spTree>
+      <p:nvGrpSpPr>
+        <p:cNvPr id="1" name=""/>
+        <p:cNvGrpSpPr/>
+        <p:nvPr/>
+      </p:nvGrpSpPr>
+      <p:grpSpPr>
+        <a:xfrm>
+          <a:off x="0" y="0"/>
+          <a:ext cx="0" cy="0"/>
+          <a:chOff x="0" y="0"/>
+          <a:chExt cx="0" cy="0"/>
+        </a:xfrm>
+      </p:grpSpPr>
+      <p:grpSp>
+        <p:nvGrpSpPr>
+          <p:cNvPr id="8" name=""/>
+          <p:cNvGrpSpPr/>
+          <p:nvPr/>
+        </p:nvGrpSpPr>
+        <p:grpSpPr>
+          <a:xfrm rot="0">
+            <a:off x="-781" y="506700"/>
+            <a:ext cx="12192000" cy="5705481"/>
+            <a:chOff x="-780" y="506700"/>
+            <a:chExt cx="12192000" cy="5705481"/>
+          </a:xfrm>
+        </p:grpSpPr>
+        <p:pic>
+          <p:nvPicPr>
+            <p:cNvPr id="4" name=""/>
+            <p:cNvPicPr>
+              <a:picLocks noChangeAspect="1"/>
+            </p:cNvPicPr>
+            <p:nvPr/>
+          </p:nvPicPr>
+          <p:blipFill rotWithShape="1">
+            <a:blip r:embed="rId2"/>
+            <a:stretch>
+              <a:fillRect/>
+            </a:stretch>
+          </p:blipFill>
+          <p:spPr>
+            <a:xfrm>
+              <a:off x="-780" y="506700"/>
+              <a:ext cx="12192000" cy="5279380"/>
+            </a:xfrm>
+            <a:prstGeom prst="rect">
+              <a:avLst/>
+            </a:prstGeom>
+          </p:spPr>
+        </p:pic>
+        <p:pic>
+          <p:nvPicPr>
+            <p:cNvPr id="7" name=""/>
+            <p:cNvPicPr>
+              <a:picLocks noChangeAspect="1"/>
+            </p:cNvPicPr>
+            <p:nvPr/>
+          </p:nvPicPr>
+          <p:blipFill rotWithShape="1">
+            <a:blip r:embed="rId3"/>
+            <a:stretch>
+              <a:fillRect/>
+            </a:stretch>
+          </p:blipFill>
+          <p:spPr>
+            <a:xfrm>
+              <a:off x="-780" y="5753728"/>
+              <a:ext cx="12192000" cy="458453"/>
+            </a:xfrm>
+            <a:prstGeom prst="rect">
+              <a:avLst/>
+            </a:prstGeom>
+          </p:spPr>
+        </p:pic>
+      </p:grpSp>
+    </p:spTree>
+  </p:cSld>
+  <p:clrMapOvr>
+    <a:masterClrMapping/>
+  </p:clrMapOvr>
+  <mc:AlternateContent xmlns:mc="http://schemas.openxmlformats.org/markup-compatibility/2006">
+    <mc:Choice xmlns:p14="http://schemas.microsoft.com/office/powerpoint/2010/main" Requires="p14">
+      <p:transition xmlns:mc="http://schemas.openxmlformats.org/markup-compatibility/2006" xmlns:p14="http://schemas.microsoft.com/office/powerpoint/2010/main" mc:Ignorable="p14" p14:dur="500"/>
+    </mc:Choice>
+    <mc:Fallback>
+      <p:transition/>
+    </mc:Fallback>
+  </mc:AlternateContent>
+</p:sld>
+</file>
+
+<file path=ppt/slides/slide35.xml><?xml version="1.0" encoding="utf-8"?>
+<p:sld xmlns:r="http://schemas.openxmlformats.org/officeDocument/2006/relationships" xmlns:c="http://schemas.openxmlformats.org/drawingml/2006/chart" xmlns:a="http://schemas.openxmlformats.org/drawingml/2006/main" xmlns:dgm="http://schemas.openxmlformats.org/drawingml/2006/diagram" xmlns:dsp="http://schemas.microsoft.com/office/drawing/2008/diagram" xmlns:p="http://schemas.openxmlformats.org/presentationml/2006/main">
+  <p:cSld>
+    <p:spTree>
+      <p:nvGrpSpPr>
+        <p:cNvPr id="1" name=""/>
+        <p:cNvGrpSpPr/>
+        <p:nvPr/>
+      </p:nvGrpSpPr>
+      <p:grpSpPr>
+        <a:xfrm>
+          <a:off x="0" y="0"/>
+          <a:ext cx="0" cy="0"/>
+          <a:chOff x="0" y="0"/>
+          <a:chExt cx="0" cy="0"/>
+        </a:xfrm>
+      </p:grpSpPr>
+      <p:pic>
+        <p:nvPicPr>
+          <p:cNvPr id="4" name=""/>
+          <p:cNvPicPr>
+            <a:picLocks noChangeAspect="1"/>
+          </p:cNvPicPr>
+          <p:nvPr/>
+        </p:nvPicPr>
+        <p:blipFill rotWithShape="1">
+          <a:blip r:embed="rId2"/>
+          <a:stretch>
+            <a:fillRect/>
+          </a:stretch>
+        </p:blipFill>
+        <p:spPr>
+          <a:xfrm>
+            <a:off x="0" y="1071450"/>
+            <a:ext cx="12192000" cy="4715098"/>
+          </a:xfrm>
+          <a:prstGeom prst="rect">
+            <a:avLst/>
+          </a:prstGeom>
+        </p:spPr>
+      </p:pic>
+      <p:pic>
+        <p:nvPicPr>
+          <p:cNvPr id="5" name=""/>
+          <p:cNvPicPr>
+            <a:picLocks noChangeAspect="1"/>
+          </p:cNvPicPr>
+          <p:nvPr/>
+        </p:nvPicPr>
+        <p:blipFill rotWithShape="1">
+          <a:blip r:embed="rId3"/>
+          <a:stretch>
+            <a:fillRect/>
+          </a:stretch>
+        </p:blipFill>
+        <p:spPr>
+          <a:xfrm>
+            <a:off x="164583" y="3214506"/>
+            <a:ext cx="830580" cy="426720"/>
+          </a:xfrm>
+          <a:prstGeom prst="rect">
+            <a:avLst/>
+          </a:prstGeom>
+        </p:spPr>
+      </p:pic>
+    </p:spTree>
+  </p:cSld>
+  <p:clrMapOvr>
+    <a:masterClrMapping/>
+  </p:clrMapOvr>
+  <mc:AlternateContent xmlns:mc="http://schemas.openxmlformats.org/markup-compatibility/2006">
+    <mc:Choice xmlns:p14="http://schemas.microsoft.com/office/powerpoint/2010/main" Requires="p14">
+      <p:transition xmlns:mc="http://schemas.openxmlformats.org/markup-compatibility/2006" xmlns:p14="http://schemas.microsoft.com/office/powerpoint/2010/main" mc:Ignorable="p14" p14:dur="500"/>
+    </mc:Choice>
+    <mc:Fallback>
+      <p:transition/>
+    </mc:Fallback>
+  </mc:AlternateContent>
+</p:sld>
+</file>
+
+<file path=ppt/slides/slide36.xml><?xml version="1.0" encoding="utf-8"?>
+<p:sld xmlns:r="http://schemas.openxmlformats.org/officeDocument/2006/relationships" xmlns:c="http://schemas.openxmlformats.org/drawingml/2006/chart" xmlns:a="http://schemas.openxmlformats.org/drawingml/2006/main" xmlns:dgm="http://schemas.openxmlformats.org/drawingml/2006/diagram" xmlns:dsp="http://schemas.microsoft.com/office/drawing/2008/diagram" xmlns:p="http://schemas.openxmlformats.org/presentationml/2006/main">
+  <p:cSld>
+    <p:spTree>
+      <p:nvGrpSpPr>
+        <p:cNvPr id="1" name=""/>
+        <p:cNvGrpSpPr/>
+        <p:nvPr/>
+      </p:nvGrpSpPr>
+      <p:grpSpPr>
+        <a:xfrm>
+          <a:off x="0" y="0"/>
+          <a:ext cx="0" cy="0"/>
+          <a:chOff x="0" y="0"/>
+          <a:chExt cx="0" cy="0"/>
+        </a:xfrm>
+      </p:grpSpPr>
+      <p:pic>
+        <p:nvPicPr>
+          <p:cNvPr id="4" name=""/>
+          <p:cNvPicPr>
+            <a:picLocks noChangeAspect="1"/>
+          </p:cNvPicPr>
+          <p:nvPr/>
+        </p:nvPicPr>
+        <p:blipFill rotWithShape="1">
+          <a:blip r:embed="rId2"/>
+          <a:stretch>
+            <a:fillRect/>
+          </a:stretch>
+        </p:blipFill>
+        <p:spPr>
+          <a:xfrm>
+            <a:off x="0" y="776541"/>
+            <a:ext cx="12192000" cy="5304916"/>
+          </a:xfrm>
+          <a:prstGeom prst="rect">
+            <a:avLst/>
+          </a:prstGeom>
+        </p:spPr>
+      </p:pic>
+      <p:pic>
+        <p:nvPicPr>
+          <p:cNvPr id="5" name=""/>
+          <p:cNvPicPr>
+            <a:picLocks noChangeAspect="1"/>
+          </p:cNvPicPr>
+          <p:nvPr/>
+        </p:nvPicPr>
+        <p:blipFill rotWithShape="1">
+          <a:blip r:embed="rId3"/>
+          <a:stretch>
+            <a:fillRect/>
+          </a:stretch>
+        </p:blipFill>
+        <p:spPr>
+          <a:xfrm>
+            <a:off x="195985" y="3214506"/>
+            <a:ext cx="830580" cy="426720"/>
+          </a:xfrm>
+          <a:prstGeom prst="rect">
+            <a:avLst/>
+          </a:prstGeom>
+        </p:spPr>
+      </p:pic>
+    </p:spTree>
+  </p:cSld>
+  <p:clrMapOvr>
+    <a:masterClrMapping/>
+  </p:clrMapOvr>
+  <mc:AlternateContent xmlns:mc="http://schemas.openxmlformats.org/markup-compatibility/2006">
+    <mc:Choice xmlns:p14="http://schemas.microsoft.com/office/powerpoint/2010/main" Requires="p14">
+      <p:transition xmlns:mc="http://schemas.openxmlformats.org/markup-compatibility/2006" xmlns:p14="http://schemas.microsoft.com/office/powerpoint/2010/main" mc:Ignorable="p14" p14:dur="500"/>
+    </mc:Choice>
+    <mc:Fallback>
+      <p:transition/>
+    </mc:Fallback>
+  </mc:AlternateContent>
+</p:sld>
+</file>
+
+<file path=ppt/slides/slide37.xml><?xml version="1.0" encoding="utf-8"?>
+<p:sld xmlns:r="http://schemas.openxmlformats.org/officeDocument/2006/relationships" xmlns:c="http://schemas.openxmlformats.org/drawingml/2006/chart" xmlns:a="http://schemas.openxmlformats.org/drawingml/2006/main" xmlns:dgm="http://schemas.openxmlformats.org/drawingml/2006/diagram" xmlns:dsp="http://schemas.microsoft.com/office/drawing/2008/diagram" xmlns:p="http://schemas.openxmlformats.org/presentationml/2006/main">
+  <p:cSld>
+    <p:spTree>
+      <p:nvGrpSpPr>
+        <p:cNvPr id="1" name=""/>
+        <p:cNvGrpSpPr/>
+        <p:nvPr/>
+      </p:nvGrpSpPr>
+      <p:grpSpPr>
+        <a:xfrm>
+          <a:off x="0" y="0"/>
+          <a:ext cx="0" cy="0"/>
+          <a:chOff x="0" y="0"/>
+          <a:chExt cx="0" cy="0"/>
+        </a:xfrm>
+      </p:grpSpPr>
+      <p:pic>
+        <p:nvPicPr>
+          <p:cNvPr id="4" name=""/>
+          <p:cNvPicPr>
+            <a:picLocks noChangeAspect="1"/>
+          </p:cNvPicPr>
+          <p:nvPr/>
+        </p:nvPicPr>
+        <p:blipFill rotWithShape="1">
+          <a:blip r:embed="rId2"/>
+          <a:stretch>
+            <a:fillRect/>
+          </a:stretch>
+        </p:blipFill>
+        <p:spPr>
+          <a:xfrm>
+            <a:off x="0" y="1049986"/>
+            <a:ext cx="12192000" cy="4758028"/>
+          </a:xfrm>
+          <a:prstGeom prst="rect">
+            <a:avLst/>
+          </a:prstGeom>
+        </p:spPr>
+      </p:pic>
+      <p:pic>
+        <p:nvPicPr>
+          <p:cNvPr id="5" name=""/>
+          <p:cNvPicPr>
+            <a:picLocks noChangeAspect="1"/>
+          </p:cNvPicPr>
+          <p:nvPr/>
+        </p:nvPicPr>
+        <p:blipFill rotWithShape="1">
+          <a:blip r:embed="rId3"/>
+          <a:stretch>
+            <a:fillRect/>
+          </a:stretch>
+        </p:blipFill>
+        <p:spPr>
+          <a:xfrm>
+            <a:off x="179782" y="3252606"/>
+            <a:ext cx="883919" cy="350520"/>
+          </a:xfrm>
+          <a:prstGeom prst="rect">
+            <a:avLst/>
+          </a:prstGeom>
+        </p:spPr>
+      </p:pic>
+    </p:spTree>
+  </p:cSld>
+  <p:clrMapOvr>
+    <a:masterClrMapping/>
+  </p:clrMapOvr>
+  <mc:AlternateContent xmlns:mc="http://schemas.openxmlformats.org/markup-compatibility/2006">
+    <mc:Choice xmlns:p14="http://schemas.microsoft.com/office/powerpoint/2010/main" Requires="p14">
+      <p:transition xmlns:mc="http://schemas.openxmlformats.org/markup-compatibility/2006" xmlns:p14="http://schemas.microsoft.com/office/powerpoint/2010/main" mc:Ignorable="p14" p14:dur="500"/>
+    </mc:Choice>
+    <mc:Fallback>
+      <p:transition/>
+    </mc:Fallback>
+  </mc:AlternateContent>
+</p:sld>
+</file>
+
+<file path=ppt/slides/slide38.xml><?xml version="1.0" encoding="utf-8"?>
+<p:sld xmlns:r="http://schemas.openxmlformats.org/officeDocument/2006/relationships" xmlns:c="http://schemas.openxmlformats.org/drawingml/2006/chart" xmlns:a="http://schemas.openxmlformats.org/drawingml/2006/main" xmlns:dgm="http://schemas.openxmlformats.org/drawingml/2006/diagram" xmlns:dsp="http://schemas.microsoft.com/office/drawing/2008/diagram" xmlns:p="http://schemas.openxmlformats.org/presentationml/2006/main">
+  <p:cSld>
+    <p:spTree>
+      <p:nvGrpSpPr>
+        <p:cNvPr id="1" name=""/>
+        <p:cNvGrpSpPr/>
+        <p:nvPr/>
+      </p:nvGrpSpPr>
+      <p:grpSpPr>
+        <a:xfrm>
+          <a:off x="0" y="0"/>
+          <a:ext cx="0" cy="0"/>
+          <a:chOff x="0" y="0"/>
+          <a:chExt cx="0" cy="0"/>
+        </a:xfrm>
+      </p:grpSpPr>
+      <p:pic>
+        <p:nvPicPr>
+          <p:cNvPr id="4" name=""/>
+          <p:cNvPicPr>
+            <a:picLocks noChangeAspect="1"/>
+          </p:cNvPicPr>
+          <p:nvPr/>
+        </p:nvPicPr>
+        <p:blipFill rotWithShape="1">
+          <a:blip r:embed="rId2"/>
+          <a:stretch>
+            <a:fillRect/>
+          </a:stretch>
+        </p:blipFill>
+        <p:spPr>
+          <a:xfrm>
+            <a:off x="0" y="1822718"/>
+            <a:ext cx="12192000" cy="3212563"/>
+          </a:xfrm>
+          <a:prstGeom prst="rect">
+            <a:avLst/>
+          </a:prstGeom>
+        </p:spPr>
+      </p:pic>
+      <p:pic>
+        <p:nvPicPr>
+          <p:cNvPr id="5" name=""/>
+          <p:cNvPicPr>
+            <a:picLocks noChangeAspect="1"/>
+          </p:cNvPicPr>
+          <p:nvPr/>
+        </p:nvPicPr>
+        <p:blipFill rotWithShape="1">
+          <a:blip r:embed="rId3"/>
+          <a:stretch>
+            <a:fillRect/>
+          </a:stretch>
+        </p:blipFill>
+        <p:spPr>
+          <a:xfrm>
+            <a:off x="158848" y="3077346"/>
+            <a:ext cx="883919" cy="350520"/>
+          </a:xfrm>
+          <a:prstGeom prst="rect">
+            <a:avLst/>
+          </a:prstGeom>
+        </p:spPr>
+      </p:pic>
+    </p:spTree>
+  </p:cSld>
+  <p:clrMapOvr>
+    <a:masterClrMapping/>
+  </p:clrMapOvr>
+  <mc:AlternateContent xmlns:mc="http://schemas.openxmlformats.org/markup-compatibility/2006">
+    <mc:Choice xmlns:p14="http://schemas.microsoft.com/office/powerpoint/2010/main" Requires="p14">
+      <p:transition xmlns:mc="http://schemas.openxmlformats.org/markup-compatibility/2006" xmlns:p14="http://schemas.microsoft.com/office/powerpoint/2010/main" mc:Ignorable="p14" p14:dur="500"/>
+    </mc:Choice>
+    <mc:Fallback>
+      <p:transition/>
+    </mc:Fallback>
+  </mc:AlternateContent>
+</p:sld>
+</file>
+
+<file path=ppt/slides/slide39.xml><?xml version="1.0" encoding="utf-8"?>
+<p:sld xmlns:r="http://schemas.openxmlformats.org/officeDocument/2006/relationships" xmlns:c="http://schemas.openxmlformats.org/drawingml/2006/chart" xmlns:a="http://schemas.openxmlformats.org/drawingml/2006/main" xmlns:dgm="http://schemas.openxmlformats.org/drawingml/2006/diagram" xmlns:dsp="http://schemas.microsoft.com/office/drawing/2008/diagram" xmlns:p="http://schemas.openxmlformats.org/presentationml/2006/main">
+  <p:cSld>
+    <p:bg>
+      <p:bgPr shadeToTitle="0">
+        <a:solidFill>
+          <a:srgbClr val="303038"/>
+        </a:solidFill>
+      </p:bgPr>
+    </p:bg>
+    <p:spTree>
+      <p:nvGrpSpPr>
+        <p:cNvPr id="1" name=""/>
+        <p:cNvGrpSpPr/>
+        <p:nvPr/>
+      </p:nvGrpSpPr>
+      <p:grpSpPr>
+        <a:xfrm>
+          <a:off x="0" y="0"/>
+          <a:ext cx="0" cy="0"/>
+          <a:chOff x="0" y="0"/>
+          <a:chExt cx="0" cy="0"/>
+        </a:xfrm>
+      </p:grpSpPr>
+      <p:sp>
+        <p:nvSpPr>
+          <p:cNvPr id="57" name="직사각형 14"/>
+          <p:cNvSpPr/>
+          <p:nvPr/>
+        </p:nvSpPr>
+        <p:spPr>
+          <a:xfrm>
+            <a:off x="4712650" y="2917855"/>
+            <a:ext cx="2766700" cy="728315"/>
+          </a:xfrm>
+          <a:prstGeom prst="rect">
+            <a:avLst/>
+          </a:prstGeom>
+        </p:spPr>
+        <p:txBody>
+          <a:bodyPr wrap="square">
+            <a:spAutoFit/>
+          </a:bodyPr>
+          <a:lstStyle/>
+          <a:p>
+            <a:pPr algn="ctr">
+              <a:lnSpc>
+                <a:spcPct val="150000"/>
+              </a:lnSpc>
+              <a:defRPr/>
+            </a:pPr>
+            <a:r>
+              <a:rPr lang="ko-KR" altLang="en-US" sz="2800" b="1">
+                <a:solidFill>
+                  <a:srgbClr val="15eeff"/>
+                </a:solidFill>
+              </a:rPr>
+              <a:t>화면정의</a:t>
+            </a:r>
+            <a:endParaRPr lang="ko-KR" altLang="en-US" sz="2800" b="1">
+              <a:solidFill>
+                <a:srgbClr val="15eeff"/>
+              </a:solidFill>
+            </a:endParaRPr>
+          </a:p>
+        </p:txBody>
+      </p:sp>
+      <p:sp>
+        <p:nvSpPr>
+          <p:cNvPr id="58" name="직사각형 14"/>
+          <p:cNvSpPr/>
+          <p:nvPr/>
+        </p:nvSpPr>
+        <p:spPr>
+          <a:xfrm>
+            <a:off x="8460336" y="179957"/>
+            <a:ext cx="3630182" cy="475363"/>
+          </a:xfrm>
+          <a:prstGeom prst="rect">
+            <a:avLst/>
+          </a:prstGeom>
+        </p:spPr>
+        <p:txBody>
+          <a:bodyPr wrap="square">
+            <a:spAutoFit/>
+          </a:bodyPr>
+          <a:lstStyle/>
+          <a:p>
+            <a:pPr algn="ctr">
+              <a:lnSpc>
+                <a:spcPct val="150000"/>
+              </a:lnSpc>
+              <a:defRPr/>
+            </a:pPr>
+            <a:r>
+              <a:rPr lang="ko-KR" altLang="en-US" sz="1700" b="1" i="1">
+                <a:solidFill>
+                  <a:prstClr val="white">
+                    <a:lumMod val="95000"/>
+                  </a:prstClr>
+                </a:solidFill>
+                <a:latin typeface="KoPub돋움체 Bold"/>
+                <a:ea typeface="KoPub돋움체 Bold"/>
+              </a:rPr>
+              <a:t>멀티플렉스 영화관 관리 시스템</a:t>
+            </a:r>
+            <a:endParaRPr lang="ko-KR" altLang="en-US" sz="1700" b="1" i="1">
+              <a:solidFill>
+                <a:prstClr val="white">
+                  <a:lumMod val="95000"/>
+                </a:prstClr>
+              </a:solidFill>
+              <a:latin typeface="KoPub돋움체 Bold"/>
+              <a:ea typeface="KoPub돋움체 Bold"/>
+            </a:endParaRPr>
+          </a:p>
+        </p:txBody>
+      </p:sp>
+    </p:spTree>
+  </p:cSld>
+  <p:clrMapOvr>
+    <a:masterClrMapping/>
+  </p:clrMapOvr>
+  <mc:AlternateContent xmlns:mc="http://schemas.openxmlformats.org/markup-compatibility/2006">
+    <mc:Choice xmlns:p14="http://schemas.microsoft.com/office/powerpoint/2010/main" Requires="p14">
+      <p:transition xmlns:mc="http://schemas.openxmlformats.org/markup-compatibility/2006" xmlns:p14="http://schemas.microsoft.com/office/powerpoint/2010/main" mc:Ignorable="p14" p14:dur="500"/>
+    </mc:Choice>
+    <mc:Fallback>
       <p:transition/>
     </mc:Fallback>
   </mc:AlternateContent>
@@ -19259,49 +20833,49 @@
 </file>
 
 <file path=ppt/theme/theme1.xml><?xml version="1.0" encoding="utf-8"?>
-<a:theme xmlns:a="http://schemas.openxmlformats.org/drawingml/2006/main" name="1_Office 테마">
+<a:theme xmlns:r="http://schemas.openxmlformats.org/officeDocument/2006/relationships" xmlns:c="http://schemas.openxmlformats.org/drawingml/2006/chart" xmlns:dgm="http://schemas.openxmlformats.org/drawingml/2006/diagram" xmlns:dsp="http://schemas.microsoft.com/office/drawing/2008/diagram" xmlns:a="http://schemas.openxmlformats.org/drawingml/2006/main" xmlns:pic="http://schemas.openxmlformats.org/drawingml/2006/picture" xmlns:wp="http://schemas.openxmlformats.org/drawingml/2006/wordprocessingDrawing" xmlns:xdr="http://schemas.openxmlformats.org/drawingml/2006/spreadsheetDrawing" xmlns:p="http://schemas.openxmlformats.org/presentationml/2006/main" name="1_Office 테마">
   <a:themeElements>
     <a:clrScheme name="Office">
       <a:dk1>
         <a:sysClr val="windowText" lastClr="000000"/>
       </a:dk1>
       <a:lt1>
-        <a:sysClr val="window" lastClr="FFFFFF"/>
+        <a:sysClr val="window" lastClr="ffffff"/>
       </a:lt1>
       <a:dk2>
-        <a:srgbClr val="44546A"/>
+        <a:srgbClr val="44546a"/>
       </a:dk2>
       <a:lt2>
-        <a:srgbClr val="E7E6E6"/>
+        <a:srgbClr val="e7e6e6"/>
       </a:lt2>
       <a:accent1>
-        <a:srgbClr val="5B9BD5"/>
+        <a:srgbClr val="5b9bd5"/>
       </a:accent1>
       <a:accent2>
-        <a:srgbClr val="ED7D31"/>
+        <a:srgbClr val="ed7d31"/>
       </a:accent2>
       <a:accent3>
-        <a:srgbClr val="A5A5A5"/>
+        <a:srgbClr val="a5a5a5"/>
       </a:accent3>
       <a:accent4>
-        <a:srgbClr val="FFC000"/>
+        <a:srgbClr val="ffc000"/>
       </a:accent4>
       <a:accent5>
-        <a:srgbClr val="4472C4"/>
+        <a:srgbClr val="4472c4"/>
       </a:accent5>
       <a:accent6>
-        <a:srgbClr val="70AD47"/>
+        <a:srgbClr val="70ad47"/>
       </a:accent6>
       <a:hlink>
-        <a:srgbClr val="0563C1"/>
+        <a:srgbClr val="0563c1"/>
       </a:hlink>
       <a:folHlink>
-        <a:srgbClr val="954F72"/>
+        <a:srgbClr val="954f72"/>
       </a:folHlink>
     </a:clrScheme>
     <a:fontScheme name="Office">
       <a:majorFont>
-        <a:latin typeface="맑은 고딕" panose="20000000000000000000"/>
+        <a:latin typeface="맑은 고딕" panose="2147483647"/>
         <a:ea typeface=""/>
         <a:cs typeface=""/>
         <a:font script="Jpan" typeface="MS PGothic"/>
@@ -19336,7 +20910,7 @@
         <a:font script="Geor" typeface="Sylfaen"/>
       </a:majorFont>
       <a:minorFont>
-        <a:latin typeface="맑은 고딕" panose="20000000000000000000"/>
+        <a:latin typeface="맑은 고딕" panose="2147483647"/>
         <a:ea typeface=""/>
         <a:cs typeface=""/>
         <a:font script="Jpan" typeface="MS PGothic"/>
@@ -19509,7 +21083,5 @@
       </a:bgFillStyleLst>
     </a:fmtScheme>
   </a:themeElements>
-  <a:objectDefaults/>
-  <a:extraClrSchemeLst/>
 </a:theme>
 </file>
--- a/개발문서/2조 개요, 요구사항, 메뉴구조도.pptx
+++ b/개발문서/2조 개요, 요구사항, 메뉴구조도.pptx
@@ -1,6 +1,6 @@
 
 <file path=ppt/presentation.xml><?xml version="1.0" encoding="utf-8"?>
-<p:presentation xmlns:r="http://schemas.openxmlformats.org/officeDocument/2006/relationships" xmlns:c="http://schemas.openxmlformats.org/drawingml/2006/chart" xmlns:a="http://schemas.openxmlformats.org/drawingml/2006/main" xmlns:dgm="http://schemas.openxmlformats.org/drawingml/2006/diagram" xmlns:dsp="http://schemas.microsoft.com/office/drawing/2008/diagram" xmlns:p="http://schemas.openxmlformats.org/presentationml/2006/main" embedTrueTypeFonts="1" saveSubsetFonts="1">
+<p:presentation xmlns:a="http://schemas.openxmlformats.org/drawingml/2006/main" xmlns:r="http://schemas.openxmlformats.org/officeDocument/2006/relationships" xmlns:p="http://schemas.openxmlformats.org/presentationml/2006/main" embedTrueTypeFonts="1" saveSubsetFonts="1">
   <p:sldMasterIdLst>
     <p:sldMasterId id="2147483693" r:id="rId1"/>
   </p:sldMasterIdLst>
@@ -44,9 +44,17 @@
     <p:sldId id="292" r:id="rId38"/>
     <p:sldId id="293" r:id="rId39"/>
     <p:sldId id="294" r:id="rId40"/>
+    <p:sldId id="295" r:id="rId41"/>
   </p:sldIdLst>
   <p:sldSz cx="12192000" cy="6858000"/>
   <p:notesSz cx="6858000" cy="9144000"/>
+  <p:embeddedFontLst>
+    <p:embeddedFont>
+      <p:font typeface="맑은 고딕" panose="020B0503020000020004" pitchFamily="50" charset="-127"/>
+      <p:regular r:id="rId42"/>
+      <p:bold r:id="rId43"/>
+    </p:embeddedFont>
+  </p:embeddedFontLst>
   <p:defaultTextStyle>
     <a:defPPr>
       <a:defRPr lang="ko-KR"/>
@@ -142,6 +150,22 @@
       </a:defRPr>
     </a:lvl9pPr>
   </p:defaultTextStyle>
+  <p:extLst>
+    <p:ext uri="{EFAFB233-063F-42B5-8137-9DF3F51BA10A}">
+      <p15:sldGuideLst xmlns:p15="http://schemas.microsoft.com/office/powerpoint/2012/main">
+        <p15:guide id="1" orient="horz" pos="2158">
+          <p15:clr>
+            <a:srgbClr val="A4A3A4"/>
+          </p15:clr>
+        </p15:guide>
+        <p15:guide id="2" pos="3839">
+          <p15:clr>
+            <a:srgbClr val="A4A3A4"/>
+          </p15:clr>
+        </p15:guide>
+      </p15:sldGuideLst>
+    </p:ext>
+  </p:extLst>
 </p:presentation>
 </file>
 
@@ -281,7 +305,7 @@
                 </a:solidFill>
               </a:rPr>
               <a:pPr/>
-              <a:t>2020-01-04</a:t>
+              <a:t>2020-01-30</a:t>
             </a:fld>
             <a:endParaRPr lang="ko-KR" altLang="en-US">
               <a:solidFill>
@@ -481,7 +505,7 @@
                 </a:solidFill>
               </a:rPr>
               <a:pPr/>
-              <a:t>2020-01-04</a:t>
+              <a:t>2020-01-30</a:t>
             </a:fld>
             <a:endParaRPr lang="ko-KR" altLang="en-US">
               <a:solidFill>
@@ -691,7 +715,7 @@
                 </a:solidFill>
               </a:rPr>
               <a:pPr/>
-              <a:t>2020-01-04</a:t>
+              <a:t>2020-01-30</a:t>
             </a:fld>
             <a:endParaRPr lang="ko-KR" altLang="en-US">
               <a:solidFill>
@@ -891,7 +915,7 @@
                 </a:solidFill>
               </a:rPr>
               <a:pPr/>
-              <a:t>2020-01-04</a:t>
+              <a:t>2020-01-30</a:t>
             </a:fld>
             <a:endParaRPr lang="ko-KR" altLang="en-US">
               <a:solidFill>
@@ -1168,7 +1192,7 @@
                 </a:solidFill>
               </a:rPr>
               <a:pPr/>
-              <a:t>2020-01-04</a:t>
+              <a:t>2020-01-30</a:t>
             </a:fld>
             <a:endParaRPr lang="ko-KR" altLang="en-US">
               <a:solidFill>
@@ -1429,7 +1453,7 @@
                 </a:solidFill>
               </a:rPr>
               <a:pPr/>
-              <a:t>2020-01-04</a:t>
+              <a:t>2020-01-30</a:t>
             </a:fld>
             <a:endParaRPr lang="ko-KR" altLang="en-US">
               <a:solidFill>
@@ -1825,7 +1849,7 @@
                 </a:solidFill>
               </a:rPr>
               <a:pPr/>
-              <a:t>2020-01-04</a:t>
+              <a:t>2020-01-30</a:t>
             </a:fld>
             <a:endParaRPr lang="ko-KR" altLang="en-US">
               <a:solidFill>
@@ -1974,7 +1998,7 @@
                 </a:solidFill>
               </a:rPr>
               <a:pPr/>
-              <a:t>2020-01-04</a:t>
+              <a:t>2020-01-30</a:t>
             </a:fld>
             <a:endParaRPr lang="ko-KR" altLang="en-US">
               <a:solidFill>
@@ -2101,7 +2125,7 @@
                 </a:solidFill>
               </a:rPr>
               <a:pPr/>
-              <a:t>2020-01-04</a:t>
+              <a:t>2020-01-30</a:t>
             </a:fld>
             <a:endParaRPr lang="ko-KR" altLang="en-US">
               <a:solidFill>
@@ -2408,7 +2432,7 @@
                 </a:solidFill>
               </a:rPr>
               <a:pPr/>
-              <a:t>2020-01-04</a:t>
+              <a:t>2020-01-30</a:t>
             </a:fld>
             <a:endParaRPr lang="ko-KR" altLang="en-US">
               <a:solidFill>
@@ -2692,7 +2716,7 @@
                 </a:solidFill>
               </a:rPr>
               <a:pPr/>
-              <a:t>2020-01-04</a:t>
+              <a:t>2020-01-30</a:t>
             </a:fld>
             <a:endParaRPr lang="ko-KR" altLang="en-US">
               <a:solidFill>
@@ -2935,7 +2959,7 @@
                 </a:solidFill>
               </a:rPr>
               <a:pPr/>
-              <a:t>2020-01-04</a:t>
+              <a:t>2020-01-30</a:t>
             </a:fld>
             <a:endParaRPr lang="ko-KR" altLang="en-US">
               <a:solidFill>
@@ -3557,7 +3581,7 @@
     <mc:Choice Requires="p14">
       <p:transition/>
     </mc:Choice>
-    <mc:Fallback xmlns:dsp="http://schemas.microsoft.com/office/drawing/2008/diagram" xmlns:dgm="http://schemas.openxmlformats.org/drawingml/2006/diagram" xmlns:c="http://schemas.openxmlformats.org/drawingml/2006/chart" xmlns="">
+    <mc:Fallback xmlns="" xmlns:c="http://schemas.openxmlformats.org/drawingml/2006/chart" xmlns:dgm="http://schemas.openxmlformats.org/drawingml/2006/diagram" xmlns:dsp="http://schemas.microsoft.com/office/drawing/2008/diagram">
       <p:transition/>
     </mc:Fallback>
   </mc:AlternateContent>
@@ -4938,7 +4962,7 @@
     <mc:Choice Requires="p14">
       <p:transition/>
     </mc:Choice>
-    <mc:Fallback xmlns:dsp="http://schemas.microsoft.com/office/drawing/2008/diagram" xmlns:dgm="http://schemas.openxmlformats.org/drawingml/2006/diagram" xmlns:c="http://schemas.openxmlformats.org/drawingml/2006/chart" xmlns="">
+    <mc:Fallback xmlns="" xmlns:c="http://schemas.openxmlformats.org/drawingml/2006/chart" xmlns:dgm="http://schemas.openxmlformats.org/drawingml/2006/diagram" xmlns:dsp="http://schemas.microsoft.com/office/drawing/2008/diagram">
       <p:transition/>
     </mc:Fallback>
   </mc:AlternateContent>
@@ -6022,7 +6046,7 @@
     <mc:Choice Requires="p14">
       <p:transition/>
     </mc:Choice>
-    <mc:Fallback xmlns:dsp="http://schemas.microsoft.com/office/drawing/2008/diagram" xmlns:dgm="http://schemas.openxmlformats.org/drawingml/2006/diagram" xmlns:c="http://schemas.openxmlformats.org/drawingml/2006/chart" xmlns="">
+    <mc:Fallback xmlns="" xmlns:c="http://schemas.openxmlformats.org/drawingml/2006/chart" xmlns:dgm="http://schemas.openxmlformats.org/drawingml/2006/diagram" xmlns:dsp="http://schemas.microsoft.com/office/drawing/2008/diagram">
       <p:transition/>
     </mc:Fallback>
   </mc:AlternateContent>
@@ -6632,7 +6656,7 @@
     <mc:Choice Requires="p14">
       <p:transition/>
     </mc:Choice>
-    <mc:Fallback xmlns:dsp="http://schemas.microsoft.com/office/drawing/2008/diagram" xmlns:dgm="http://schemas.openxmlformats.org/drawingml/2006/diagram" xmlns:c="http://schemas.openxmlformats.org/drawingml/2006/chart" xmlns="">
+    <mc:Fallback xmlns="" xmlns:c="http://schemas.openxmlformats.org/drawingml/2006/chart" xmlns:dgm="http://schemas.openxmlformats.org/drawingml/2006/diagram" xmlns:dsp="http://schemas.microsoft.com/office/drawing/2008/diagram">
       <p:transition/>
     </mc:Fallback>
   </mc:AlternateContent>
@@ -7485,7 +7509,7 @@
     <mc:Choice Requires="p14">
       <p:transition/>
     </mc:Choice>
-    <mc:Fallback xmlns:dsp="http://schemas.microsoft.com/office/drawing/2008/diagram" xmlns:dgm="http://schemas.openxmlformats.org/drawingml/2006/diagram" xmlns:c="http://schemas.openxmlformats.org/drawingml/2006/chart" xmlns="">
+    <mc:Fallback xmlns="" xmlns:c="http://schemas.openxmlformats.org/drawingml/2006/chart" xmlns:dgm="http://schemas.openxmlformats.org/drawingml/2006/diagram" xmlns:dsp="http://schemas.microsoft.com/office/drawing/2008/diagram">
       <p:transition/>
     </mc:Fallback>
   </mc:AlternateContent>
@@ -7718,47 +7742,165 @@
                   </a:srgbClr>
                 </a:solidFill>
               </a:rPr>
-              <a:t>청소년</a:t>
-            </a:r>
-            <a:r>
-              <a:rPr lang="en-US" altLang="ko-KR" sz="1450" dirty="0">
-                <a:solidFill>
-                  <a:srgbClr val="E7E6E6">
-                    <a:lumMod val="90000"/>
-                  </a:srgbClr>
-                </a:solidFill>
-              </a:rPr>
-              <a:t>(~ </a:t>
-            </a:r>
-            <a:r>
-              <a:rPr lang="ko-KR" altLang="en-US" sz="1450" dirty="0">
-                <a:solidFill>
-                  <a:srgbClr val="E7E6E6">
-                    <a:lumMod val="90000"/>
-                  </a:srgbClr>
-                </a:solidFill>
-              </a:rPr>
-              <a:t>만 </a:t>
-            </a:r>
-            <a:r>
-              <a:rPr lang="en-US" altLang="ko-KR" sz="1450" dirty="0">
-                <a:solidFill>
-                  <a:srgbClr val="E7E6E6">
-                    <a:lumMod val="90000"/>
-                  </a:srgbClr>
-                </a:solidFill>
-              </a:rPr>
-              <a:t>19</a:t>
-            </a:r>
-            <a:r>
-              <a:rPr lang="ko-KR" altLang="en-US" sz="1450" dirty="0">
-                <a:solidFill>
-                  <a:srgbClr val="E7E6E6">
-                    <a:lumMod val="90000"/>
-                  </a:srgbClr>
-                </a:solidFill>
-              </a:rPr>
-              <a:t>세</a:t>
+              <a:t>청소년인 경우 </a:t>
+            </a:r>
+            <a:r>
+              <a:rPr lang="en-US" altLang="ko-KR" sz="1450" dirty="0">
+                <a:solidFill>
+                  <a:srgbClr val="E7E6E6">
+                    <a:lumMod val="90000"/>
+                  </a:srgbClr>
+                </a:solidFill>
+              </a:rPr>
+              <a:t>9000</a:t>
+            </a:r>
+            <a:r>
+              <a:rPr lang="ko-KR" altLang="en-US" sz="1450" dirty="0">
+                <a:solidFill>
+                  <a:srgbClr val="E7E6E6">
+                    <a:lumMod val="90000"/>
+                  </a:srgbClr>
+                </a:solidFill>
+              </a:rPr>
+              <a:t>원에 예매할 수 있다</a:t>
+            </a:r>
+            <a:r>
+              <a:rPr lang="en-US" altLang="ko-KR" sz="1450" dirty="0">
+                <a:solidFill>
+                  <a:srgbClr val="E7E6E6">
+                    <a:lumMod val="90000"/>
+                  </a:srgbClr>
+                </a:solidFill>
+              </a:rPr>
+              <a:t>.)</a:t>
+            </a:r>
+          </a:p>
+          <a:p>
+            <a:pPr lvl="1">
+              <a:lnSpc>
+                <a:spcPct val="160000"/>
+              </a:lnSpc>
+              <a:defRPr/>
+            </a:pPr>
+            <a:r>
+              <a:rPr lang="en-US" altLang="ko-KR" sz="1450" dirty="0">
+                <a:solidFill>
+                  <a:srgbClr val="E7E6E6">
+                    <a:lumMod val="90000"/>
+                  </a:srgbClr>
+                </a:solidFill>
+              </a:rPr>
+              <a:t>5-2. </a:t>
+            </a:r>
+            <a:r>
+              <a:rPr lang="ko-KR" altLang="en-US" sz="1450" dirty="0">
+                <a:solidFill>
+                  <a:srgbClr val="E7E6E6">
+                    <a:lumMod val="90000"/>
+                  </a:srgbClr>
+                </a:solidFill>
+              </a:rPr>
+              <a:t>회원은 </a:t>
+            </a:r>
+            <a:r>
+              <a:rPr lang="ko-KR" altLang="en-US" sz="1450" dirty="0" err="1">
+                <a:solidFill>
+                  <a:srgbClr val="E7E6E6">
+                    <a:lumMod val="90000"/>
+                  </a:srgbClr>
+                </a:solidFill>
+              </a:rPr>
+              <a:t>마이페이지에서</a:t>
+            </a:r>
+            <a:r>
+              <a:rPr lang="ko-KR" altLang="en-US" sz="1450" dirty="0">
+                <a:solidFill>
+                  <a:srgbClr val="E7E6E6">
+                    <a:lumMod val="90000"/>
+                  </a:srgbClr>
+                </a:solidFill>
+              </a:rPr>
+              <a:t> ‘내 예매 </a:t>
+            </a:r>
+            <a:r>
+              <a:rPr lang="ko-KR" altLang="en-US" sz="1450" dirty="0" err="1">
+                <a:solidFill>
+                  <a:srgbClr val="E7E6E6">
+                    <a:lumMod val="90000"/>
+                  </a:srgbClr>
+                </a:solidFill>
+              </a:rPr>
+              <a:t>내역’에서</a:t>
+            </a:r>
+            <a:r>
+              <a:rPr lang="ko-KR" altLang="en-US" sz="1450" dirty="0">
+                <a:solidFill>
+                  <a:srgbClr val="E7E6E6">
+                    <a:lumMod val="90000"/>
+                  </a:srgbClr>
+                </a:solidFill>
+              </a:rPr>
+              <a:t> 자신이 예매한 내역 이력들</a:t>
+            </a:r>
+            <a:r>
+              <a:rPr lang="en-US" altLang="ko-KR" sz="1450" dirty="0">
+                <a:solidFill>
+                  <a:srgbClr val="E7E6E6">
+                    <a:lumMod val="90000"/>
+                  </a:srgbClr>
+                </a:solidFill>
+              </a:rPr>
+              <a:t>(</a:t>
+            </a:r>
+            <a:r>
+              <a:rPr lang="ko-KR" altLang="en-US" sz="1450" dirty="0">
+                <a:solidFill>
+                  <a:srgbClr val="E7E6E6">
+                    <a:lumMod val="90000"/>
+                  </a:srgbClr>
+                </a:solidFill>
+              </a:rPr>
+              <a:t>과거에 본 영화</a:t>
+            </a:r>
+            <a:r>
+              <a:rPr lang="en-US" altLang="ko-KR" sz="1450" dirty="0">
+                <a:solidFill>
+                  <a:srgbClr val="E7E6E6">
+                    <a:lumMod val="90000"/>
+                  </a:srgbClr>
+                </a:solidFill>
+              </a:rPr>
+              <a:t>, </a:t>
+            </a:r>
+            <a:r>
+              <a:rPr lang="ko-KR" altLang="en-US" sz="1450" dirty="0">
+                <a:solidFill>
+                  <a:srgbClr val="E7E6E6">
+                    <a:lumMod val="90000"/>
+                  </a:srgbClr>
+                </a:solidFill>
+              </a:rPr>
+              <a:t>볼 영화</a:t>
+            </a:r>
+            <a:r>
+              <a:rPr lang="en-US" altLang="ko-KR" sz="1450" dirty="0">
+                <a:solidFill>
+                  <a:srgbClr val="E7E6E6">
+                    <a:lumMod val="90000"/>
+                  </a:srgbClr>
+                </a:solidFill>
+              </a:rPr>
+              <a:t>, </a:t>
+            </a:r>
+            <a:r>
+              <a:rPr lang="ko-KR" altLang="en-US" sz="1450" dirty="0">
+                <a:solidFill>
+                  <a:srgbClr val="E7E6E6">
+                    <a:lumMod val="90000"/>
+                  </a:srgbClr>
+                </a:solidFill>
+              </a:rPr>
+              <a:t>취소한 영화</a:t>
             </a:r>
             <a:r>
               <a:rPr lang="en-US" altLang="ko-KR" sz="1450" dirty="0">
@@ -7778,37 +7920,17 @@
                   </a:srgbClr>
                 </a:solidFill>
               </a:rPr>
-              <a:t>인 경우 </a:t>
-            </a:r>
-            <a:r>
-              <a:rPr lang="en-US" altLang="ko-KR" sz="1450" dirty="0">
-                <a:solidFill>
-                  <a:srgbClr val="E7E6E6">
-                    <a:lumMod val="90000"/>
-                  </a:srgbClr>
-                </a:solidFill>
-              </a:rPr>
-              <a:t>9000</a:t>
-            </a:r>
-            <a:r>
-              <a:rPr lang="ko-KR" altLang="en-US" sz="1450" dirty="0">
-                <a:solidFill>
-                  <a:srgbClr val="E7E6E6">
-                    <a:lumMod val="90000"/>
-                  </a:srgbClr>
-                </a:solidFill>
-              </a:rPr>
-              <a:t>원에 예매할 수 있다</a:t>
-            </a:r>
-            <a:r>
-              <a:rPr lang="en-US" altLang="ko-KR" sz="1450" dirty="0">
-                <a:solidFill>
-                  <a:srgbClr val="E7E6E6">
-                    <a:lumMod val="90000"/>
-                  </a:srgbClr>
-                </a:solidFill>
-              </a:rPr>
-              <a:t>.)</a:t>
+              <a:t>을 조회할 수 있다</a:t>
+            </a:r>
+            <a:r>
+              <a:rPr lang="en-US" altLang="ko-KR" sz="1450" dirty="0">
+                <a:solidFill>
+                  <a:srgbClr val="E7E6E6">
+                    <a:lumMod val="90000"/>
+                  </a:srgbClr>
+                </a:solidFill>
+              </a:rPr>
+              <a:t>. </a:t>
             </a:r>
           </a:p>
           <a:p>
@@ -7826,7 +7948,7 @@
                   </a:srgbClr>
                 </a:solidFill>
               </a:rPr>
-              <a:t>5-2. </a:t>
+              <a:t>5-3. </a:t>
             </a:r>
             <a:r>
               <a:rPr lang="ko-KR" altLang="en-US" sz="1450" dirty="0">
@@ -7866,37 +7988,17 @@
                   </a:srgbClr>
                 </a:solidFill>
               </a:rPr>
-              <a:t>내역’에서</a:t>
-            </a:r>
-            <a:r>
-              <a:rPr lang="ko-KR" altLang="en-US" sz="1450" dirty="0">
-                <a:solidFill>
-                  <a:srgbClr val="E7E6E6">
-                    <a:lumMod val="90000"/>
-                  </a:srgbClr>
-                </a:solidFill>
-              </a:rPr>
-              <a:t> 자신이 예매한 내역 이력들</a:t>
-            </a:r>
-            <a:r>
-              <a:rPr lang="en-US" altLang="ko-KR" sz="1450" dirty="0">
-                <a:solidFill>
-                  <a:srgbClr val="E7E6E6">
-                    <a:lumMod val="90000"/>
-                  </a:srgbClr>
-                </a:solidFill>
-              </a:rPr>
-              <a:t>(</a:t>
-            </a:r>
-            <a:r>
-              <a:rPr lang="ko-KR" altLang="en-US" sz="1450" dirty="0">
-                <a:solidFill>
-                  <a:srgbClr val="E7E6E6">
-                    <a:lumMod val="90000"/>
-                  </a:srgbClr>
-                </a:solidFill>
-              </a:rPr>
-              <a:t>과거에 본 영화</a:t>
+              <a:t>내역’을</a:t>
+            </a:r>
+            <a:r>
+              <a:rPr lang="ko-KR" altLang="en-US" sz="1450" dirty="0">
+                <a:solidFill>
+                  <a:srgbClr val="E7E6E6">
+                    <a:lumMod val="90000"/>
+                  </a:srgbClr>
+                </a:solidFill>
+              </a:rPr>
+              <a:t> 클릭 하여 자신이 예매한 내역을 조회한 후</a:t>
             </a:r>
             <a:r>
               <a:rPr lang="en-US" altLang="ko-KR" sz="1450" dirty="0">
@@ -7916,57 +8018,37 @@
                   </a:srgbClr>
                 </a:solidFill>
               </a:rPr>
-              <a:t>볼 영화</a:t>
-            </a:r>
-            <a:r>
-              <a:rPr lang="en-US" altLang="ko-KR" sz="1450" dirty="0">
-                <a:solidFill>
-                  <a:srgbClr val="E7E6E6">
-                    <a:lumMod val="90000"/>
-                  </a:srgbClr>
-                </a:solidFill>
-              </a:rPr>
-              <a:t>, </a:t>
-            </a:r>
-            <a:r>
-              <a:rPr lang="ko-KR" altLang="en-US" sz="1450" dirty="0">
-                <a:solidFill>
-                  <a:srgbClr val="E7E6E6">
-                    <a:lumMod val="90000"/>
-                  </a:srgbClr>
-                </a:solidFill>
-              </a:rPr>
-              <a:t>취소한 영화</a:t>
-            </a:r>
-            <a:r>
-              <a:rPr lang="en-US" altLang="ko-KR" sz="1450" dirty="0">
-                <a:solidFill>
-                  <a:srgbClr val="E7E6E6">
-                    <a:lumMod val="90000"/>
-                  </a:srgbClr>
-                </a:solidFill>
-              </a:rPr>
-              <a:t>)</a:t>
-            </a:r>
-            <a:r>
-              <a:rPr lang="ko-KR" altLang="en-US" sz="1450" dirty="0">
-                <a:solidFill>
-                  <a:srgbClr val="E7E6E6">
-                    <a:lumMod val="90000"/>
-                  </a:srgbClr>
-                </a:solidFill>
-              </a:rPr>
-              <a:t>을 조회할 수 있다</a:t>
-            </a:r>
-            <a:r>
-              <a:rPr lang="en-US" altLang="ko-KR" sz="1450" dirty="0">
-                <a:solidFill>
-                  <a:srgbClr val="E7E6E6">
-                    <a:lumMod val="90000"/>
-                  </a:srgbClr>
-                </a:solidFill>
-              </a:rPr>
-              <a:t>. </a:t>
+              <a:t>영화 시작 </a:t>
+            </a:r>
+            <a:r>
+              <a:rPr lang="en-US" altLang="ko-KR" sz="1450" dirty="0">
+                <a:solidFill>
+                  <a:srgbClr val="E7E6E6">
+                    <a:lumMod val="90000"/>
+                  </a:srgbClr>
+                </a:solidFill>
+              </a:rPr>
+              <a:t>30</a:t>
+            </a:r>
+            <a:r>
+              <a:rPr lang="ko-KR" altLang="en-US" sz="1450" dirty="0">
+                <a:solidFill>
+                  <a:srgbClr val="E7E6E6">
+                    <a:lumMod val="90000"/>
+                  </a:srgbClr>
+                </a:solidFill>
+              </a:rPr>
+              <a:t>분 전까지 영화를 취소할 수 있다</a:t>
+            </a:r>
+            <a:r>
+              <a:rPr lang="en-US" altLang="ko-KR" sz="1450" dirty="0">
+                <a:solidFill>
+                  <a:srgbClr val="E7E6E6">
+                    <a:lumMod val="90000"/>
+                  </a:srgbClr>
+                </a:solidFill>
+              </a:rPr>
+              <a:t>.</a:t>
             </a:r>
           </a:p>
           <a:p>
@@ -7984,124 +8066,6 @@
                   </a:srgbClr>
                 </a:solidFill>
               </a:rPr>
-              <a:t>5-3. </a:t>
-            </a:r>
-            <a:r>
-              <a:rPr lang="ko-KR" altLang="en-US" sz="1450" dirty="0">
-                <a:solidFill>
-                  <a:srgbClr val="E7E6E6">
-                    <a:lumMod val="90000"/>
-                  </a:srgbClr>
-                </a:solidFill>
-              </a:rPr>
-              <a:t>회원은 </a:t>
-            </a:r>
-            <a:r>
-              <a:rPr lang="ko-KR" altLang="en-US" sz="1450" dirty="0" err="1">
-                <a:solidFill>
-                  <a:srgbClr val="E7E6E6">
-                    <a:lumMod val="90000"/>
-                  </a:srgbClr>
-                </a:solidFill>
-              </a:rPr>
-              <a:t>마이페이지에서</a:t>
-            </a:r>
-            <a:r>
-              <a:rPr lang="ko-KR" altLang="en-US" sz="1450" dirty="0">
-                <a:solidFill>
-                  <a:srgbClr val="E7E6E6">
-                    <a:lumMod val="90000"/>
-                  </a:srgbClr>
-                </a:solidFill>
-              </a:rPr>
-              <a:t> ‘내 예매 </a:t>
-            </a:r>
-            <a:r>
-              <a:rPr lang="ko-KR" altLang="en-US" sz="1450" dirty="0" err="1">
-                <a:solidFill>
-                  <a:srgbClr val="E7E6E6">
-                    <a:lumMod val="90000"/>
-                  </a:srgbClr>
-                </a:solidFill>
-              </a:rPr>
-              <a:t>내역’을</a:t>
-            </a:r>
-            <a:r>
-              <a:rPr lang="ko-KR" altLang="en-US" sz="1450" dirty="0">
-                <a:solidFill>
-                  <a:srgbClr val="E7E6E6">
-                    <a:lumMod val="90000"/>
-                  </a:srgbClr>
-                </a:solidFill>
-              </a:rPr>
-              <a:t> 클릭 하여 자신이 예매한 내역을 조회한 후</a:t>
-            </a:r>
-            <a:r>
-              <a:rPr lang="en-US" altLang="ko-KR" sz="1450" dirty="0">
-                <a:solidFill>
-                  <a:srgbClr val="E7E6E6">
-                    <a:lumMod val="90000"/>
-                  </a:srgbClr>
-                </a:solidFill>
-              </a:rPr>
-              <a:t>, </a:t>
-            </a:r>
-            <a:r>
-              <a:rPr lang="ko-KR" altLang="en-US" sz="1450" dirty="0">
-                <a:solidFill>
-                  <a:srgbClr val="E7E6E6">
-                    <a:lumMod val="90000"/>
-                  </a:srgbClr>
-                </a:solidFill>
-              </a:rPr>
-              <a:t>영화 시작 </a:t>
-            </a:r>
-            <a:r>
-              <a:rPr lang="en-US" altLang="ko-KR" sz="1450" dirty="0">
-                <a:solidFill>
-                  <a:srgbClr val="E7E6E6">
-                    <a:lumMod val="90000"/>
-                  </a:srgbClr>
-                </a:solidFill>
-              </a:rPr>
-              <a:t>30</a:t>
-            </a:r>
-            <a:r>
-              <a:rPr lang="ko-KR" altLang="en-US" sz="1450" dirty="0">
-                <a:solidFill>
-                  <a:srgbClr val="E7E6E6">
-                    <a:lumMod val="90000"/>
-                  </a:srgbClr>
-                </a:solidFill>
-              </a:rPr>
-              <a:t>분 전까지 영화를 취소할 수 있다</a:t>
-            </a:r>
-            <a:r>
-              <a:rPr lang="en-US" altLang="ko-KR" sz="1450" dirty="0">
-                <a:solidFill>
-                  <a:srgbClr val="E7E6E6">
-                    <a:lumMod val="90000"/>
-                  </a:srgbClr>
-                </a:solidFill>
-              </a:rPr>
-              <a:t>.</a:t>
-            </a:r>
-          </a:p>
-          <a:p>
-            <a:pPr lvl="1">
-              <a:lnSpc>
-                <a:spcPct val="160000"/>
-              </a:lnSpc>
-              <a:defRPr/>
-            </a:pPr>
-            <a:r>
-              <a:rPr lang="en-US" altLang="ko-KR" sz="1450" dirty="0">
-                <a:solidFill>
-                  <a:srgbClr val="E7E6E6">
-                    <a:lumMod val="90000"/>
-                  </a:srgbClr>
-                </a:solidFill>
-              </a:rPr>
               <a:t>5-4. </a:t>
             </a:r>
             <a:r>
@@ -8112,7 +8076,7 @@
                   </a:srgbClr>
                 </a:solidFill>
               </a:rPr>
-              <a:t>관리자는 ‘회원 관리’ 페이지에서 회원 상세보기 페이지에서 그 회원의 전체 예매 내역을 조회할 수 있다</a:t>
+              <a:t>관리자는 ‘회원 관리’ 페이지에서 회원 상세보기 페이지에서 그 회원의 예매 내역을 조회할 수 있다</a:t>
             </a:r>
             <a:r>
               <a:rPr lang="en-US" altLang="ko-KR" sz="1450" dirty="0">
@@ -8216,7 +8180,7 @@
     <mc:Choice Requires="p14">
       <p:transition/>
     </mc:Choice>
-    <mc:Fallback xmlns:dsp="http://schemas.microsoft.com/office/drawing/2008/diagram" xmlns:dgm="http://schemas.openxmlformats.org/drawingml/2006/diagram" xmlns:c="http://schemas.openxmlformats.org/drawingml/2006/chart" xmlns="">
+    <mc:Fallback xmlns="" xmlns:c="http://schemas.openxmlformats.org/drawingml/2006/chart" xmlns:dgm="http://schemas.openxmlformats.org/drawingml/2006/diagram" xmlns:dsp="http://schemas.microsoft.com/office/drawing/2008/diagram">
       <p:transition/>
     </mc:Fallback>
   </mc:AlternateContent>
@@ -8728,7 +8692,7 @@
     <mc:Choice Requires="p14">
       <p:transition/>
     </mc:Choice>
-    <mc:Fallback xmlns:dsp="http://schemas.microsoft.com/office/drawing/2008/diagram" xmlns:dgm="http://schemas.openxmlformats.org/drawingml/2006/diagram" xmlns:c="http://schemas.openxmlformats.org/drawingml/2006/chart" xmlns="">
+    <mc:Fallback xmlns="" xmlns:c="http://schemas.openxmlformats.org/drawingml/2006/chart" xmlns:dgm="http://schemas.openxmlformats.org/drawingml/2006/diagram" xmlns:dsp="http://schemas.microsoft.com/office/drawing/2008/diagram">
       <p:transition/>
     </mc:Fallback>
   </mc:AlternateContent>
@@ -9599,7 +9563,7 @@
     <mc:Choice Requires="p14">
       <p:transition/>
     </mc:Choice>
-    <mc:Fallback xmlns:dsp="http://schemas.microsoft.com/office/drawing/2008/diagram" xmlns:dgm="http://schemas.openxmlformats.org/drawingml/2006/diagram" xmlns:c="http://schemas.openxmlformats.org/drawingml/2006/chart" xmlns="">
+    <mc:Fallback xmlns="" xmlns:c="http://schemas.openxmlformats.org/drawingml/2006/chart" xmlns:dgm="http://schemas.openxmlformats.org/drawingml/2006/diagram" xmlns:dsp="http://schemas.microsoft.com/office/drawing/2008/diagram">
       <p:transition/>
     </mc:Fallback>
   </mc:AlternateContent>
@@ -10249,7 +10213,7 @@
     <mc:Choice Requires="p14">
       <p:transition/>
     </mc:Choice>
-    <mc:Fallback xmlns:dsp="http://schemas.microsoft.com/office/drawing/2008/diagram" xmlns:dgm="http://schemas.openxmlformats.org/drawingml/2006/diagram" xmlns:c="http://schemas.openxmlformats.org/drawingml/2006/chart" xmlns="">
+    <mc:Fallback xmlns="" xmlns:c="http://schemas.openxmlformats.org/drawingml/2006/chart" xmlns:dgm="http://schemas.openxmlformats.org/drawingml/2006/diagram" xmlns:dsp="http://schemas.microsoft.com/office/drawing/2008/diagram">
       <p:transition/>
     </mc:Fallback>
   </mc:AlternateContent>
@@ -11325,7 +11289,7 @@
     <mc:Choice Requires="p14">
       <p:transition/>
     </mc:Choice>
-    <mc:Fallback xmlns:dsp="http://schemas.microsoft.com/office/drawing/2008/diagram" xmlns:dgm="http://schemas.openxmlformats.org/drawingml/2006/diagram" xmlns:c="http://schemas.openxmlformats.org/drawingml/2006/chart" xmlns="">
+    <mc:Fallback xmlns="" xmlns:c="http://schemas.openxmlformats.org/drawingml/2006/chart" xmlns:dgm="http://schemas.openxmlformats.org/drawingml/2006/diagram" xmlns:dsp="http://schemas.microsoft.com/office/drawing/2008/diagram">
       <p:transition/>
     </mc:Fallback>
   </mc:AlternateContent>
@@ -12196,7 +12160,7 @@
     <mc:Choice Requires="p14">
       <p:transition/>
     </mc:Choice>
-    <mc:Fallback xmlns:dsp="http://schemas.microsoft.com/office/drawing/2008/diagram" xmlns:dgm="http://schemas.openxmlformats.org/drawingml/2006/diagram" xmlns:c="http://schemas.openxmlformats.org/drawingml/2006/chart" xmlns="">
+    <mc:Fallback xmlns="" xmlns:c="http://schemas.openxmlformats.org/drawingml/2006/chart" xmlns:dgm="http://schemas.openxmlformats.org/drawingml/2006/diagram" xmlns:dsp="http://schemas.microsoft.com/office/drawing/2008/diagram">
       <p:transition/>
     </mc:Fallback>
   </mc:AlternateContent>
@@ -12437,7 +12401,7 @@
     <mc:Choice Requires="p14">
       <p:transition/>
     </mc:Choice>
-    <mc:Fallback xmlns:dsp="http://schemas.microsoft.com/office/drawing/2008/diagram" xmlns:dgm="http://schemas.openxmlformats.org/drawingml/2006/diagram" xmlns:c="http://schemas.openxmlformats.org/drawingml/2006/chart" xmlns="">
+    <mc:Fallback xmlns="" xmlns:c="http://schemas.openxmlformats.org/drawingml/2006/chart" xmlns:dgm="http://schemas.openxmlformats.org/drawingml/2006/diagram" xmlns:dsp="http://schemas.microsoft.com/office/drawing/2008/diagram">
       <p:transition/>
     </mc:Fallback>
   </mc:AlternateContent>
@@ -13878,7 +13842,7 @@
     <mc:Choice Requires="p14">
       <p:transition/>
     </mc:Choice>
-    <mc:Fallback xmlns:dsp="http://schemas.microsoft.com/office/drawing/2008/diagram" xmlns:dgm="http://schemas.openxmlformats.org/drawingml/2006/diagram" xmlns:c="http://schemas.openxmlformats.org/drawingml/2006/chart" xmlns="">
+    <mc:Fallback xmlns="" xmlns:c="http://schemas.openxmlformats.org/drawingml/2006/chart" xmlns:dgm="http://schemas.openxmlformats.org/drawingml/2006/diagram" xmlns:dsp="http://schemas.microsoft.com/office/drawing/2008/diagram">
       <p:transition/>
     </mc:Fallback>
   </mc:AlternateContent>
@@ -14729,7 +14693,7 @@
     <mc:Choice Requires="p14">
       <p:transition/>
     </mc:Choice>
-    <mc:Fallback xmlns:dsp="http://schemas.microsoft.com/office/drawing/2008/diagram" xmlns:dgm="http://schemas.openxmlformats.org/drawingml/2006/diagram" xmlns:c="http://schemas.openxmlformats.org/drawingml/2006/chart" xmlns="">
+    <mc:Fallback xmlns="" xmlns:c="http://schemas.openxmlformats.org/drawingml/2006/chart" xmlns:dgm="http://schemas.openxmlformats.org/drawingml/2006/diagram" xmlns:dsp="http://schemas.microsoft.com/office/drawing/2008/diagram">
       <p:transition/>
     </mc:Fallback>
   </mc:AlternateContent>
@@ -14855,7 +14819,7 @@
     <mc:Choice Requires="p14">
       <p:transition/>
     </mc:Choice>
-    <mc:Fallback xmlns:dsp="http://schemas.microsoft.com/office/drawing/2008/diagram" xmlns:dgm="http://schemas.openxmlformats.org/drawingml/2006/diagram" xmlns:c="http://schemas.openxmlformats.org/drawingml/2006/chart" xmlns="">
+    <mc:Fallback xmlns="" xmlns:c="http://schemas.openxmlformats.org/drawingml/2006/chart" xmlns:dgm="http://schemas.openxmlformats.org/drawingml/2006/diagram" xmlns:dsp="http://schemas.microsoft.com/office/drawing/2008/diagram">
       <p:transition/>
     </mc:Fallback>
   </mc:AlternateContent>
@@ -14973,7 +14937,7 @@
     <mc:Choice Requires="p14">
       <p:transition/>
     </mc:Choice>
-    <mc:Fallback xmlns:dsp="http://schemas.microsoft.com/office/drawing/2008/diagram" xmlns:dgm="http://schemas.openxmlformats.org/drawingml/2006/diagram" xmlns:c="http://schemas.openxmlformats.org/drawingml/2006/chart" xmlns="">
+    <mc:Fallback xmlns="" xmlns:c="http://schemas.openxmlformats.org/drawingml/2006/chart" xmlns:dgm="http://schemas.openxmlformats.org/drawingml/2006/diagram" xmlns:dsp="http://schemas.microsoft.com/office/drawing/2008/diagram">
       <p:transition/>
     </mc:Fallback>
   </mc:AlternateContent>
@@ -14981,13 +14945,14 @@
 </file>
 
 <file path=ppt/slides/slide24.xml><?xml version="1.0" encoding="utf-8"?>
-<p:sld xmlns:r="http://schemas.openxmlformats.org/officeDocument/2006/relationships" xmlns:c="http://schemas.openxmlformats.org/drawingml/2006/chart" xmlns:a="http://schemas.openxmlformats.org/drawingml/2006/main" xmlns:dgm="http://schemas.openxmlformats.org/drawingml/2006/diagram" xmlns:dsp="http://schemas.microsoft.com/office/drawing/2008/diagram" xmlns:p="http://schemas.openxmlformats.org/presentationml/2006/main">
+<p:sld xmlns:a="http://schemas.openxmlformats.org/drawingml/2006/main" xmlns:r="http://schemas.openxmlformats.org/officeDocument/2006/relationships" xmlns:p="http://schemas.openxmlformats.org/presentationml/2006/main">
   <p:cSld>
     <p:bg>
-      <p:bgPr shadeToTitle="0">
+      <p:bgPr>
         <a:solidFill>
           <a:srgbClr val="303038"/>
         </a:solidFill>
+        <a:effectLst/>
       </p:bgPr>
     </p:bg>
     <p:spTree>
@@ -15034,16 +14999,11 @@
             <a:r>
               <a:rPr lang="ko-KR" altLang="en-US" sz="2800" b="1">
                 <a:solidFill>
-                  <a:srgbClr val="15eeff"/>
+                  <a:srgbClr val="15EEFF"/>
                 </a:solidFill>
               </a:rPr>
               <a:t>기능정의</a:t>
             </a:r>
-            <a:endParaRPr lang="ko-KR" altLang="en-US" sz="2800" b="1">
-              <a:solidFill>
-                <a:srgbClr val="15eeff"/>
-              </a:solidFill>
-            </a:endParaRPr>
           </a:p>
         </p:txBody>
       </p:sp>
@@ -15086,15 +15046,6 @@
               </a:rPr>
               <a:t>멀티플렉스 영화관 관리 시스템</a:t>
             </a:r>
-            <a:endParaRPr lang="ko-KR" altLang="en-US" sz="1700" b="1" i="1">
-              <a:solidFill>
-                <a:prstClr val="white">
-                  <a:lumMod val="95000"/>
-                </a:prstClr>
-              </a:solidFill>
-              <a:latin typeface="KoPub돋움체 Bold"/>
-              <a:ea typeface="KoPub돋움체 Bold"/>
-            </a:endParaRPr>
           </a:p>
         </p:txBody>
       </p:sp>
@@ -15103,11 +15054,11 @@
   <p:clrMapOvr>
     <a:masterClrMapping/>
   </p:clrMapOvr>
-  <mc:AlternateContent xmlns:mc="http://schemas.openxmlformats.org/markup-compatibility/2006">
-    <mc:Choice xmlns:p14="http://schemas.microsoft.com/office/powerpoint/2010/main" Requires="p14">
-      <p:transition xmlns:mc="http://schemas.openxmlformats.org/markup-compatibility/2006" xmlns:p14="http://schemas.microsoft.com/office/powerpoint/2010/main" mc:Ignorable="p14" p14:dur="500"/>
+  <mc:AlternateContent xmlns:mc="http://schemas.openxmlformats.org/markup-compatibility/2006" xmlns:p14="http://schemas.microsoft.com/office/powerpoint/2010/main">
+    <mc:Choice Requires="p14">
+      <p:transition/>
     </mc:Choice>
-    <mc:Fallback>
+    <mc:Fallback xmlns:dsp="http://schemas.microsoft.com/office/drawing/2008/diagram" xmlns:dgm="http://schemas.openxmlformats.org/drawingml/2006/diagram" xmlns:c="http://schemas.openxmlformats.org/drawingml/2006/chart" xmlns="">
       <p:transition/>
     </mc:Fallback>
   </mc:AlternateContent>
@@ -15115,7 +15066,7 @@
 </file>
 
 <file path=ppt/slides/slide25.xml><?xml version="1.0" encoding="utf-8"?>
-<p:sld xmlns:r="http://schemas.openxmlformats.org/officeDocument/2006/relationships" xmlns:c="http://schemas.openxmlformats.org/drawingml/2006/chart" xmlns:a="http://schemas.openxmlformats.org/drawingml/2006/main" xmlns:dgm="http://schemas.openxmlformats.org/drawingml/2006/diagram" xmlns:dsp="http://schemas.microsoft.com/office/drawing/2008/diagram" xmlns:p="http://schemas.openxmlformats.org/presentationml/2006/main">
+<p:sld xmlns:a="http://schemas.openxmlformats.org/drawingml/2006/main" xmlns:r="http://schemas.openxmlformats.org/officeDocument/2006/relationships" xmlns:p="http://schemas.openxmlformats.org/presentationml/2006/main">
   <p:cSld>
     <p:spTree>
       <p:nvGrpSpPr>
@@ -15133,13 +15084,19 @@
       </p:grpSpPr>
       <p:pic>
         <p:nvPicPr>
-          <p:cNvPr id="4" name=""/>
+          <p:cNvPr id="2" name="그림 1">
+            <a:extLst>
+              <a:ext uri="{FF2B5EF4-FFF2-40B4-BE49-F238E27FC236}">
+                <a16:creationId xmlns:a16="http://schemas.microsoft.com/office/drawing/2014/main" id="{7648697D-63B5-4E02-B991-7252ADAE3659}"/>
+              </a:ext>
+            </a:extLst>
+          </p:cNvPr>
           <p:cNvPicPr>
             <a:picLocks noChangeAspect="1"/>
           </p:cNvPicPr>
           <p:nvPr/>
         </p:nvPicPr>
-        <p:blipFill rotWithShape="1">
+        <p:blipFill>
           <a:blip r:embed="rId2"/>
           <a:stretch>
             <a:fillRect/>
@@ -15147,8 +15104,8 @@
         </p:blipFill>
         <p:spPr>
           <a:xfrm>
-            <a:off x="0" y="972670"/>
-            <a:ext cx="12192000" cy="4912658"/>
+            <a:off x="0" y="1263625"/>
+            <a:ext cx="12192000" cy="4330749"/>
           </a:xfrm>
           <a:prstGeom prst="rect">
             <a:avLst/>
@@ -15160,11 +15117,11 @@
   <p:clrMapOvr>
     <a:masterClrMapping/>
   </p:clrMapOvr>
-  <mc:AlternateContent xmlns:mc="http://schemas.openxmlformats.org/markup-compatibility/2006">
-    <mc:Choice xmlns:p14="http://schemas.microsoft.com/office/powerpoint/2010/main" Requires="p14">
-      <p:transition xmlns:mc="http://schemas.openxmlformats.org/markup-compatibility/2006" xmlns:p14="http://schemas.microsoft.com/office/powerpoint/2010/main" mc:Ignorable="p14" p14:dur="500"/>
+  <mc:AlternateContent xmlns:mc="http://schemas.openxmlformats.org/markup-compatibility/2006" xmlns:p14="http://schemas.microsoft.com/office/powerpoint/2010/main">
+    <mc:Choice Requires="p14">
+      <p:transition/>
     </mc:Choice>
-    <mc:Fallback>
+    <mc:Fallback xmlns:dsp="http://schemas.microsoft.com/office/drawing/2008/diagram" xmlns:dgm="http://schemas.openxmlformats.org/drawingml/2006/diagram" xmlns:c="http://schemas.openxmlformats.org/drawingml/2006/chart" xmlns="">
       <p:transition/>
     </mc:Fallback>
   </mc:AlternateContent>
@@ -15172,7 +15129,7 @@
 </file>
 
 <file path=ppt/slides/slide26.xml><?xml version="1.0" encoding="utf-8"?>
-<p:sld xmlns:r="http://schemas.openxmlformats.org/officeDocument/2006/relationships" xmlns:c="http://schemas.openxmlformats.org/drawingml/2006/chart" xmlns:a="http://schemas.openxmlformats.org/drawingml/2006/main" xmlns:dgm="http://schemas.openxmlformats.org/drawingml/2006/diagram" xmlns:dsp="http://schemas.microsoft.com/office/drawing/2008/diagram" xmlns:p="http://schemas.openxmlformats.org/presentationml/2006/main">
+<p:sld xmlns:a="http://schemas.openxmlformats.org/drawingml/2006/main" xmlns:r="http://schemas.openxmlformats.org/officeDocument/2006/relationships" xmlns:p="http://schemas.openxmlformats.org/presentationml/2006/main">
   <p:cSld>
     <p:spTree>
       <p:nvGrpSpPr>
@@ -15188,79 +15145,46 @@
           <a:chExt cx="0" cy="0"/>
         </a:xfrm>
       </p:grpSpPr>
-      <p:grpSp>
-        <p:nvGrpSpPr>
-          <p:cNvPr id="7" name=""/>
-          <p:cNvGrpSpPr/>
+      <p:pic>
+        <p:nvPicPr>
+          <p:cNvPr id="2" name="그림 1">
+            <a:extLst>
+              <a:ext uri="{FF2B5EF4-FFF2-40B4-BE49-F238E27FC236}">
+                <a16:creationId xmlns:a16="http://schemas.microsoft.com/office/drawing/2014/main" id="{465C1BBC-F2A0-4032-ADF7-F6656D85DB36}"/>
+              </a:ext>
+            </a:extLst>
+          </p:cNvPr>
+          <p:cNvPicPr>
+            <a:picLocks noChangeAspect="1"/>
+          </p:cNvPicPr>
           <p:nvPr/>
-        </p:nvGrpSpPr>
-        <p:grpSpPr>
-          <a:xfrm rot="0">
-            <a:off x="0" y="788831"/>
-            <a:ext cx="12192000" cy="5280338"/>
-            <a:chOff x="0" y="788831"/>
-            <a:chExt cx="12192000" cy="5280338"/>
+        </p:nvPicPr>
+        <p:blipFill>
+          <a:blip r:embed="rId2"/>
+          <a:stretch>
+            <a:fillRect/>
+          </a:stretch>
+        </p:blipFill>
+        <p:spPr>
+          <a:xfrm>
+            <a:off x="0" y="527821"/>
+            <a:ext cx="12192000" cy="5802358"/>
           </a:xfrm>
-        </p:grpSpPr>
-        <p:pic>
-          <p:nvPicPr>
-            <p:cNvPr id="4" name=""/>
-            <p:cNvPicPr>
-              <a:picLocks noChangeAspect="1"/>
-            </p:cNvPicPr>
-            <p:nvPr/>
-          </p:nvPicPr>
-          <p:blipFill rotWithShape="1">
-            <a:blip r:embed="rId2"/>
-            <a:stretch>
-              <a:fillRect/>
-            </a:stretch>
-          </p:blipFill>
-          <p:spPr>
-            <a:xfrm>
-              <a:off x="0" y="788831"/>
-              <a:ext cx="12192000" cy="5280338"/>
-            </a:xfrm>
-            <a:prstGeom prst="rect">
-              <a:avLst/>
-            </a:prstGeom>
-          </p:spPr>
-        </p:pic>
-        <p:pic>
-          <p:nvPicPr>
-            <p:cNvPr id="5" name=""/>
-            <p:cNvPicPr>
-              <a:picLocks noChangeAspect="1"/>
-            </p:cNvPicPr>
-            <p:nvPr/>
-          </p:nvPicPr>
-          <p:blipFill rotWithShape="1">
-            <a:blip r:embed="rId3"/>
-            <a:stretch>
-              <a:fillRect/>
-            </a:stretch>
-          </p:blipFill>
-          <p:spPr>
-            <a:xfrm>
-              <a:off x="172245" y="3164976"/>
-              <a:ext cx="731520" cy="525779"/>
-            </a:xfrm>
-            <a:prstGeom prst="rect">
-              <a:avLst/>
-            </a:prstGeom>
-          </p:spPr>
-        </p:pic>
-      </p:grpSp>
+          <a:prstGeom prst="rect">
+            <a:avLst/>
+          </a:prstGeom>
+        </p:spPr>
+      </p:pic>
     </p:spTree>
   </p:cSld>
   <p:clrMapOvr>
     <a:masterClrMapping/>
   </p:clrMapOvr>
-  <mc:AlternateContent xmlns:mc="http://schemas.openxmlformats.org/markup-compatibility/2006">
-    <mc:Choice xmlns:p14="http://schemas.microsoft.com/office/powerpoint/2010/main" Requires="p14">
-      <p:transition xmlns:mc="http://schemas.openxmlformats.org/markup-compatibility/2006" xmlns:p14="http://schemas.microsoft.com/office/powerpoint/2010/main" mc:Ignorable="p14" p14:dur="500"/>
+  <mc:AlternateContent xmlns:mc="http://schemas.openxmlformats.org/markup-compatibility/2006" xmlns:p14="http://schemas.microsoft.com/office/powerpoint/2010/main">
+    <mc:Choice Requires="p14">
+      <p:transition/>
     </mc:Choice>
-    <mc:Fallback>
+    <mc:Fallback xmlns:dsp="http://schemas.microsoft.com/office/drawing/2008/diagram" xmlns:dgm="http://schemas.openxmlformats.org/drawingml/2006/diagram" xmlns:c="http://schemas.openxmlformats.org/drawingml/2006/chart" xmlns="">
       <p:transition/>
     </mc:Fallback>
   </mc:AlternateContent>
@@ -15268,7 +15192,7 @@
 </file>
 
 <file path=ppt/slides/slide27.xml><?xml version="1.0" encoding="utf-8"?>
-<p:sld xmlns:r="http://schemas.openxmlformats.org/officeDocument/2006/relationships" xmlns:c="http://schemas.openxmlformats.org/drawingml/2006/chart" xmlns:a="http://schemas.openxmlformats.org/drawingml/2006/main" xmlns:dgm="http://schemas.openxmlformats.org/drawingml/2006/diagram" xmlns:dsp="http://schemas.microsoft.com/office/drawing/2008/diagram" xmlns:p="http://schemas.openxmlformats.org/presentationml/2006/main">
+<p:sld xmlns:a="http://schemas.openxmlformats.org/drawingml/2006/main" xmlns:r="http://schemas.openxmlformats.org/officeDocument/2006/relationships" xmlns:p="http://schemas.openxmlformats.org/presentationml/2006/main">
   <p:cSld>
     <p:spTree>
       <p:nvGrpSpPr>
@@ -15284,118 +15208,46 @@
           <a:chExt cx="0" cy="0"/>
         </a:xfrm>
       </p:grpSpPr>
-      <p:grpSp>
-        <p:nvGrpSpPr>
-          <p:cNvPr id="10" name=""/>
-          <p:cNvGrpSpPr/>
+      <p:pic>
+        <p:nvPicPr>
+          <p:cNvPr id="2" name="그림 1">
+            <a:extLst>
+              <a:ext uri="{FF2B5EF4-FFF2-40B4-BE49-F238E27FC236}">
+                <a16:creationId xmlns:a16="http://schemas.microsoft.com/office/drawing/2014/main" id="{C8D4EE63-EE83-4136-9A0D-270DADD24484}"/>
+              </a:ext>
+            </a:extLst>
+          </p:cNvPr>
+          <p:cNvPicPr>
+            <a:picLocks noChangeAspect="1"/>
+          </p:cNvPicPr>
           <p:nvPr/>
-        </p:nvGrpSpPr>
-        <p:grpSpPr>
-          <a:xfrm rot="0">
-            <a:off x="-781" y="623476"/>
-            <a:ext cx="12192000" cy="5488435"/>
-            <a:chOff x="-781" y="623476"/>
-            <a:chExt cx="12192000" cy="5488435"/>
+        </p:nvPicPr>
+        <p:blipFill>
+          <a:blip r:embed="rId2"/>
+          <a:stretch>
+            <a:fillRect/>
+          </a:stretch>
+        </p:blipFill>
+        <p:spPr>
+          <a:xfrm>
+            <a:off x="0" y="928580"/>
+            <a:ext cx="12192000" cy="5000840"/>
           </a:xfrm>
-        </p:grpSpPr>
-        <p:grpSp>
-          <p:nvGrpSpPr>
-            <p:cNvPr id="8" name=""/>
-            <p:cNvGrpSpPr/>
-            <p:nvPr/>
-          </p:nvGrpSpPr>
-          <p:grpSpPr>
-            <a:xfrm rot="0">
-              <a:off x="-781" y="623476"/>
-              <a:ext cx="12192000" cy="5488435"/>
-              <a:chOff x="-781" y="623476"/>
-              <a:chExt cx="12192000" cy="5488435"/>
-            </a:xfrm>
-          </p:grpSpPr>
-          <p:pic>
-            <p:nvPicPr>
-              <p:cNvPr id="6" name=""/>
-              <p:cNvPicPr>
-                <a:picLocks noChangeAspect="1"/>
-              </p:cNvPicPr>
-              <p:nvPr/>
-            </p:nvPicPr>
-            <p:blipFill rotWithShape="1">
-              <a:blip r:embed="rId2"/>
-              <a:stretch>
-                <a:fillRect/>
-              </a:stretch>
-            </p:blipFill>
-            <p:spPr>
-              <a:xfrm>
-                <a:off x="-780" y="623476"/>
-                <a:ext cx="12192000" cy="5359838"/>
-              </a:xfrm>
-              <a:prstGeom prst="rect">
-                <a:avLst/>
-              </a:prstGeom>
-            </p:spPr>
-          </p:pic>
-          <p:pic>
-            <p:nvPicPr>
-              <p:cNvPr id="7" name=""/>
-              <p:cNvPicPr>
-                <a:picLocks noChangeAspect="1"/>
-              </p:cNvPicPr>
-              <p:nvPr/>
-            </p:nvPicPr>
-            <p:blipFill rotWithShape="1">
-              <a:blip r:embed="rId3"/>
-              <a:stretch>
-                <a:fillRect/>
-              </a:stretch>
-            </p:blipFill>
-            <p:spPr>
-              <a:xfrm>
-                <a:off x="-781" y="5937739"/>
-                <a:ext cx="12192000" cy="174171"/>
-              </a:xfrm>
-              <a:prstGeom prst="rect">
-                <a:avLst/>
-              </a:prstGeom>
-            </p:spPr>
-          </p:pic>
-        </p:grpSp>
-        <p:pic>
-          <p:nvPicPr>
-            <p:cNvPr id="9" name=""/>
-            <p:cNvPicPr>
-              <a:picLocks noChangeAspect="1"/>
-            </p:cNvPicPr>
-            <p:nvPr/>
-          </p:nvPicPr>
-          <p:blipFill rotWithShape="1">
-            <a:blip r:embed="rId4"/>
-            <a:stretch>
-              <a:fillRect/>
-            </a:stretch>
-          </p:blipFill>
-          <p:spPr>
-            <a:xfrm>
-              <a:off x="172245" y="3164976"/>
-              <a:ext cx="731520" cy="525779"/>
-            </a:xfrm>
-            <a:prstGeom prst="rect">
-              <a:avLst/>
-            </a:prstGeom>
-          </p:spPr>
-        </p:pic>
-      </p:grpSp>
+          <a:prstGeom prst="rect">
+            <a:avLst/>
+          </a:prstGeom>
+        </p:spPr>
+      </p:pic>
     </p:spTree>
   </p:cSld>
   <p:clrMapOvr>
     <a:masterClrMapping/>
   </p:clrMapOvr>
-  <mc:AlternateContent xmlns:mc="http://schemas.openxmlformats.org/markup-compatibility/2006">
-    <mc:Choice xmlns:p14="http://schemas.microsoft.com/office/powerpoint/2010/main" Requires="p14">
-      <p:transition xmlns:mc="http://schemas.openxmlformats.org/markup-compatibility/2006" xmlns:p14="http://schemas.microsoft.com/office/powerpoint/2010/main" mc:Ignorable="p14" p14:dur="500"/>
+  <mc:AlternateContent xmlns:mc="http://schemas.openxmlformats.org/markup-compatibility/2006" xmlns:p14="http://schemas.microsoft.com/office/powerpoint/2010/main">
+    <mc:Choice Requires="p14">
+      <p:transition/>
     </mc:Choice>
-    <mc:Fallback>
+    <mc:Fallback xmlns:dsp="http://schemas.microsoft.com/office/drawing/2008/diagram" xmlns:dgm="http://schemas.openxmlformats.org/drawingml/2006/diagram" xmlns:c="http://schemas.openxmlformats.org/drawingml/2006/chart" xmlns="">
       <p:transition/>
     </mc:Fallback>
   </mc:AlternateContent>
@@ -15403,7 +15255,7 @@
 </file>
 
 <file path=ppt/slides/slide28.xml><?xml version="1.0" encoding="utf-8"?>
-<p:sld xmlns:r="http://schemas.openxmlformats.org/officeDocument/2006/relationships" xmlns:c="http://schemas.openxmlformats.org/drawingml/2006/chart" xmlns:a="http://schemas.openxmlformats.org/drawingml/2006/main" xmlns:dgm="http://schemas.openxmlformats.org/drawingml/2006/diagram" xmlns:dsp="http://schemas.microsoft.com/office/drawing/2008/diagram" xmlns:p="http://schemas.openxmlformats.org/presentationml/2006/main">
+<p:sld xmlns:a="http://schemas.openxmlformats.org/drawingml/2006/main" xmlns:r="http://schemas.openxmlformats.org/officeDocument/2006/relationships" xmlns:p="http://schemas.openxmlformats.org/presentationml/2006/main">
   <p:cSld>
     <p:spTree>
       <p:nvGrpSpPr>
@@ -15419,103 +15271,46 @@
           <a:chExt cx="0" cy="0"/>
         </a:xfrm>
       </p:grpSpPr>
-      <p:grpSp>
-        <p:nvGrpSpPr>
-          <p:cNvPr id="8" name=""/>
-          <p:cNvGrpSpPr/>
+      <p:pic>
+        <p:nvPicPr>
+          <p:cNvPr id="2" name="그림 1">
+            <a:extLst>
+              <a:ext uri="{FF2B5EF4-FFF2-40B4-BE49-F238E27FC236}">
+                <a16:creationId xmlns:a16="http://schemas.microsoft.com/office/drawing/2014/main" id="{3E2A2C11-03ED-418E-B178-B45412BB99EA}"/>
+              </a:ext>
+            </a:extLst>
+          </p:cNvPr>
+          <p:cNvPicPr>
+            <a:picLocks noChangeAspect="1"/>
+          </p:cNvPicPr>
           <p:nvPr/>
-        </p:nvGrpSpPr>
-        <p:grpSpPr>
-          <a:xfrm rot="0">
-            <a:off x="0" y="805178"/>
-            <a:ext cx="12192000" cy="5247642"/>
-            <a:chOff x="0" y="805178"/>
-            <a:chExt cx="12192000" cy="5247642"/>
+        </p:nvPicPr>
+        <p:blipFill>
+          <a:blip r:embed="rId2"/>
+          <a:stretch>
+            <a:fillRect/>
+          </a:stretch>
+        </p:blipFill>
+        <p:spPr>
+          <a:xfrm>
+            <a:off x="0" y="63255"/>
+            <a:ext cx="12192000" cy="6731490"/>
           </a:xfrm>
-        </p:grpSpPr>
-        <p:pic>
-          <p:nvPicPr>
-            <p:cNvPr id="4" name=""/>
-            <p:cNvPicPr>
-              <a:picLocks noChangeAspect="1"/>
-            </p:cNvPicPr>
-            <p:nvPr/>
-          </p:nvPicPr>
-          <p:blipFill rotWithShape="1">
-            <a:blip r:embed="rId2"/>
-            <a:stretch>
-              <a:fillRect/>
-            </a:stretch>
-          </p:blipFill>
-          <p:spPr>
-            <a:xfrm>
-              <a:off x="0" y="805178"/>
-              <a:ext cx="12192000" cy="5247642"/>
-            </a:xfrm>
-            <a:prstGeom prst="rect">
-              <a:avLst/>
-            </a:prstGeom>
-          </p:spPr>
-        </p:pic>
-        <p:pic>
-          <p:nvPicPr>
-            <p:cNvPr id="6" name=""/>
-            <p:cNvPicPr>
-              <a:picLocks noChangeAspect="1"/>
-            </p:cNvPicPr>
-            <p:nvPr/>
-          </p:nvPicPr>
-          <p:blipFill rotWithShape="1">
-            <a:blip r:embed="rId3"/>
-            <a:stretch>
-              <a:fillRect/>
-            </a:stretch>
-          </p:blipFill>
-          <p:spPr>
-            <a:xfrm>
-              <a:off x="300823" y="3225936"/>
-              <a:ext cx="495300" cy="403860"/>
-            </a:xfrm>
-            <a:prstGeom prst="rect">
-              <a:avLst/>
-            </a:prstGeom>
-          </p:spPr>
-        </p:pic>
-        <p:pic>
-          <p:nvPicPr>
-            <p:cNvPr id="7" name=""/>
-            <p:cNvPicPr>
-              <a:picLocks noChangeAspect="1"/>
-            </p:cNvPicPr>
-            <p:nvPr/>
-          </p:nvPicPr>
-          <p:blipFill rotWithShape="1">
-            <a:blip r:embed="rId4"/>
-            <a:stretch>
-              <a:fillRect/>
-            </a:stretch>
-          </p:blipFill>
-          <p:spPr>
-            <a:xfrm>
-              <a:off x="347464" y="4864698"/>
-              <a:ext cx="464820" cy="373380"/>
-            </a:xfrm>
-            <a:prstGeom prst="rect">
-              <a:avLst/>
-            </a:prstGeom>
-          </p:spPr>
-        </p:pic>
-      </p:grpSp>
+          <a:prstGeom prst="rect">
+            <a:avLst/>
+          </a:prstGeom>
+        </p:spPr>
+      </p:pic>
     </p:spTree>
   </p:cSld>
   <p:clrMapOvr>
     <a:masterClrMapping/>
   </p:clrMapOvr>
-  <mc:AlternateContent xmlns:mc="http://schemas.openxmlformats.org/markup-compatibility/2006">
-    <mc:Choice xmlns:p14="http://schemas.microsoft.com/office/powerpoint/2010/main" Requires="p14">
-      <p:transition xmlns:mc="http://schemas.openxmlformats.org/markup-compatibility/2006" xmlns:p14="http://schemas.microsoft.com/office/powerpoint/2010/main" mc:Ignorable="p14" p14:dur="500"/>
+  <mc:AlternateContent xmlns:mc="http://schemas.openxmlformats.org/markup-compatibility/2006" xmlns:p14="http://schemas.microsoft.com/office/powerpoint/2010/main">
+    <mc:Choice Requires="p14">
+      <p:transition/>
     </mc:Choice>
-    <mc:Fallback>
+    <mc:Fallback xmlns:dsp="http://schemas.microsoft.com/office/drawing/2008/diagram" xmlns:dgm="http://schemas.openxmlformats.org/drawingml/2006/diagram" xmlns:c="http://schemas.openxmlformats.org/drawingml/2006/chart" xmlns="">
       <p:transition/>
     </mc:Fallback>
   </mc:AlternateContent>
@@ -15523,7 +15318,7 @@
 </file>
 
 <file path=ppt/slides/slide29.xml><?xml version="1.0" encoding="utf-8"?>
-<p:sld xmlns:r="http://schemas.openxmlformats.org/officeDocument/2006/relationships" xmlns:c="http://schemas.openxmlformats.org/drawingml/2006/chart" xmlns:a="http://schemas.openxmlformats.org/drawingml/2006/main" xmlns:dgm="http://schemas.openxmlformats.org/drawingml/2006/diagram" xmlns:dsp="http://schemas.microsoft.com/office/drawing/2008/diagram" xmlns:p="http://schemas.openxmlformats.org/presentationml/2006/main">
+<p:sld xmlns:a="http://schemas.openxmlformats.org/drawingml/2006/main" xmlns:r="http://schemas.openxmlformats.org/officeDocument/2006/relationships" xmlns:p="http://schemas.openxmlformats.org/presentationml/2006/main">
   <p:cSld>
     <p:spTree>
       <p:nvGrpSpPr>
@@ -15539,127 +15334,46 @@
           <a:chExt cx="0" cy="0"/>
         </a:xfrm>
       </p:grpSpPr>
-      <p:grpSp>
-        <p:nvGrpSpPr>
-          <p:cNvPr id="10" name=""/>
-          <p:cNvGrpSpPr/>
+      <p:pic>
+        <p:nvPicPr>
+          <p:cNvPr id="3" name="그림 2">
+            <a:extLst>
+              <a:ext uri="{FF2B5EF4-FFF2-40B4-BE49-F238E27FC236}">
+                <a16:creationId xmlns:a16="http://schemas.microsoft.com/office/drawing/2014/main" id="{0B4E97E7-71DF-4465-9A0F-0AE61F8EBC0B}"/>
+              </a:ext>
+            </a:extLst>
+          </p:cNvPr>
+          <p:cNvPicPr>
+            <a:picLocks noChangeAspect="1"/>
+          </p:cNvPicPr>
           <p:nvPr/>
-        </p:nvGrpSpPr>
-        <p:grpSpPr>
-          <a:xfrm rot="0">
-            <a:off x="-781" y="0"/>
-            <a:ext cx="12192000" cy="6858000"/>
-            <a:chOff x="-781" y="0"/>
-            <a:chExt cx="12192000" cy="6858000"/>
+        </p:nvPicPr>
+        <p:blipFill>
+          <a:blip r:embed="rId2"/>
+          <a:stretch>
+            <a:fillRect/>
+          </a:stretch>
+        </p:blipFill>
+        <p:spPr>
+          <a:xfrm>
+            <a:off x="123825" y="295275"/>
+            <a:ext cx="11944350" cy="6267450"/>
           </a:xfrm>
-        </p:grpSpPr>
-        <p:pic>
-          <p:nvPicPr>
-            <p:cNvPr id="4" name=""/>
-            <p:cNvPicPr>
-              <a:picLocks noChangeAspect="1"/>
-            </p:cNvPicPr>
-            <p:nvPr/>
-          </p:nvPicPr>
-          <p:blipFill rotWithShape="1">
-            <a:blip r:embed="rId2"/>
-            <a:stretch>
-              <a:fillRect/>
-            </a:stretch>
-          </p:blipFill>
-          <p:spPr>
-            <a:xfrm>
-              <a:off x="-780" y="0"/>
-              <a:ext cx="12192000" cy="5161733"/>
-            </a:xfrm>
-            <a:prstGeom prst="rect">
-              <a:avLst/>
-            </a:prstGeom>
-          </p:spPr>
-        </p:pic>
-        <p:pic>
-          <p:nvPicPr>
-            <p:cNvPr id="7" name=""/>
-            <p:cNvPicPr>
-              <a:picLocks noChangeAspect="1"/>
-            </p:cNvPicPr>
-            <p:nvPr/>
-          </p:nvPicPr>
-          <p:blipFill rotWithShape="1">
-            <a:blip r:embed="rId3"/>
-            <a:stretch>
-              <a:fillRect/>
-            </a:stretch>
-          </p:blipFill>
-          <p:spPr>
-            <a:xfrm>
-              <a:off x="-781" y="5147972"/>
-              <a:ext cx="12192000" cy="1710028"/>
-            </a:xfrm>
-            <a:prstGeom prst="rect">
-              <a:avLst/>
-            </a:prstGeom>
-          </p:spPr>
-        </p:pic>
-        <p:pic>
-          <p:nvPicPr>
-            <p:cNvPr id="8" name=""/>
-            <p:cNvPicPr>
-              <a:picLocks noChangeAspect="1"/>
-            </p:cNvPicPr>
-            <p:nvPr/>
-          </p:nvPicPr>
-          <p:blipFill rotWithShape="1">
-            <a:blip r:embed="rId4"/>
-            <a:stretch>
-              <a:fillRect/>
-            </a:stretch>
-          </p:blipFill>
-          <p:spPr>
-            <a:xfrm>
-              <a:off x="363625" y="898614"/>
-              <a:ext cx="495300" cy="434340"/>
-            </a:xfrm>
-            <a:prstGeom prst="rect">
-              <a:avLst/>
-            </a:prstGeom>
-          </p:spPr>
-        </p:pic>
-        <p:pic>
-          <p:nvPicPr>
-            <p:cNvPr id="9" name=""/>
-            <p:cNvPicPr>
-              <a:picLocks noChangeAspect="1"/>
-            </p:cNvPicPr>
-            <p:nvPr/>
-          </p:nvPicPr>
-          <p:blipFill rotWithShape="1">
-            <a:blip r:embed="rId5"/>
-            <a:stretch>
-              <a:fillRect/>
-            </a:stretch>
-          </p:blipFill>
-          <p:spPr>
-            <a:xfrm>
-              <a:off x="294123" y="4602016"/>
-              <a:ext cx="571500" cy="480059"/>
-            </a:xfrm>
-            <a:prstGeom prst="rect">
-              <a:avLst/>
-            </a:prstGeom>
-          </p:spPr>
-        </p:pic>
-      </p:grpSp>
+          <a:prstGeom prst="rect">
+            <a:avLst/>
+          </a:prstGeom>
+        </p:spPr>
+      </p:pic>
     </p:spTree>
   </p:cSld>
   <p:clrMapOvr>
     <a:masterClrMapping/>
   </p:clrMapOvr>
-  <mc:AlternateContent xmlns:mc="http://schemas.openxmlformats.org/markup-compatibility/2006">
-    <mc:Choice xmlns:p14="http://schemas.microsoft.com/office/powerpoint/2010/main" Requires="p14">
-      <p:transition xmlns:mc="http://schemas.openxmlformats.org/markup-compatibility/2006" xmlns:p14="http://schemas.microsoft.com/office/powerpoint/2010/main" mc:Ignorable="p14" p14:dur="500"/>
+  <mc:AlternateContent xmlns:mc="http://schemas.openxmlformats.org/markup-compatibility/2006" xmlns:p14="http://schemas.microsoft.com/office/powerpoint/2010/main">
+    <mc:Choice Requires="p14">
+      <p:transition/>
     </mc:Choice>
-    <mc:Fallback>
+    <mc:Fallback xmlns:dsp="http://schemas.microsoft.com/office/drawing/2008/diagram" xmlns:dgm="http://schemas.openxmlformats.org/drawingml/2006/diagram" xmlns:c="http://schemas.openxmlformats.org/drawingml/2006/chart" xmlns="">
       <p:transition/>
     </mc:Fallback>
   </mc:AlternateContent>
@@ -15738,7 +15452,7 @@
     <mc:Choice Requires="p14">
       <p:transition/>
     </mc:Choice>
-    <mc:Fallback xmlns:dsp="http://schemas.microsoft.com/office/drawing/2008/diagram" xmlns:dgm="http://schemas.openxmlformats.org/drawingml/2006/diagram" xmlns:c="http://schemas.openxmlformats.org/drawingml/2006/chart" xmlns="">
+    <mc:Fallback xmlns="" xmlns:c="http://schemas.openxmlformats.org/drawingml/2006/chart" xmlns:dgm="http://schemas.openxmlformats.org/drawingml/2006/diagram" xmlns:dsp="http://schemas.microsoft.com/office/drawing/2008/diagram">
       <p:transition/>
     </mc:Fallback>
   </mc:AlternateContent>
@@ -15746,199 +15460,7 @@
 </file>
 
 <file path=ppt/slides/slide30.xml><?xml version="1.0" encoding="utf-8"?>
-<p:sld xmlns:r="http://schemas.openxmlformats.org/officeDocument/2006/relationships" xmlns:c="http://schemas.openxmlformats.org/drawingml/2006/chart" xmlns:a="http://schemas.openxmlformats.org/drawingml/2006/main" xmlns:dgm="http://schemas.openxmlformats.org/drawingml/2006/diagram" xmlns:dsp="http://schemas.microsoft.com/office/drawing/2008/diagram" xmlns:p="http://schemas.openxmlformats.org/presentationml/2006/main">
-  <p:cSld>
-    <p:spTree>
-      <p:nvGrpSpPr>
-        <p:cNvPr id="1" name=""/>
-        <p:cNvGrpSpPr/>
-        <p:nvPr/>
-      </p:nvGrpSpPr>
-      <p:grpSpPr>
-        <a:xfrm>
-          <a:off x="0" y="0"/>
-          <a:ext cx="0" cy="0"/>
-          <a:chOff x="0" y="0"/>
-          <a:chExt cx="0" cy="0"/>
-        </a:xfrm>
-      </p:grpSpPr>
-      <p:grpSp>
-        <p:nvGrpSpPr>
-          <p:cNvPr id="10" name=""/>
-          <p:cNvGrpSpPr/>
-          <p:nvPr/>
-        </p:nvGrpSpPr>
-        <p:grpSpPr>
-          <a:xfrm rot="0">
-            <a:off x="0" y="1028521"/>
-            <a:ext cx="12192000" cy="4800958"/>
-            <a:chOff x="0" y="1028521"/>
-            <a:chExt cx="12192000" cy="4800958"/>
-          </a:xfrm>
-        </p:grpSpPr>
-        <p:pic>
-          <p:nvPicPr>
-            <p:cNvPr id="8" name=""/>
-            <p:cNvPicPr>
-              <a:picLocks noChangeAspect="1"/>
-            </p:cNvPicPr>
-            <p:nvPr/>
-          </p:nvPicPr>
-          <p:blipFill rotWithShape="1">
-            <a:blip r:embed="rId2"/>
-            <a:stretch>
-              <a:fillRect/>
-            </a:stretch>
-          </p:blipFill>
-          <p:spPr>
-            <a:xfrm>
-              <a:off x="0" y="1028521"/>
-              <a:ext cx="12192000" cy="4800957"/>
-            </a:xfrm>
-            <a:prstGeom prst="rect">
-              <a:avLst/>
-            </a:prstGeom>
-          </p:spPr>
-        </p:pic>
-        <p:pic>
-          <p:nvPicPr>
-            <p:cNvPr id="9" name=""/>
-            <p:cNvPicPr>
-              <a:picLocks noChangeAspect="1"/>
-            </p:cNvPicPr>
-            <p:nvPr/>
-          </p:nvPicPr>
-          <p:blipFill rotWithShape="1">
-            <a:blip r:embed="rId3"/>
-            <a:stretch>
-              <a:fillRect/>
-            </a:stretch>
-          </p:blipFill>
-          <p:spPr>
-            <a:xfrm>
-              <a:off x="304590" y="3187836"/>
-              <a:ext cx="571500" cy="480059"/>
-            </a:xfrm>
-            <a:prstGeom prst="rect">
-              <a:avLst/>
-            </a:prstGeom>
-          </p:spPr>
-        </p:pic>
-      </p:grpSp>
-    </p:spTree>
-  </p:cSld>
-  <p:clrMapOvr>
-    <a:masterClrMapping/>
-  </p:clrMapOvr>
-  <mc:AlternateContent xmlns:mc="http://schemas.openxmlformats.org/markup-compatibility/2006">
-    <mc:Choice xmlns:p14="http://schemas.microsoft.com/office/powerpoint/2010/main" Requires="p14">
-      <p:transition xmlns:mc="http://schemas.openxmlformats.org/markup-compatibility/2006" xmlns:p14="http://schemas.microsoft.com/office/powerpoint/2010/main" mc:Ignorable="p14" p14:dur="500"/>
-    </mc:Choice>
-    <mc:Fallback>
-      <p:transition/>
-    </mc:Fallback>
-  </mc:AlternateContent>
-</p:sld>
-</file>
-
-<file path=ppt/slides/slide31.xml><?xml version="1.0" encoding="utf-8"?>
-<p:sld xmlns:r="http://schemas.openxmlformats.org/officeDocument/2006/relationships" xmlns:c="http://schemas.openxmlformats.org/drawingml/2006/chart" xmlns:a="http://schemas.openxmlformats.org/drawingml/2006/main" xmlns:dgm="http://schemas.openxmlformats.org/drawingml/2006/diagram" xmlns:dsp="http://schemas.microsoft.com/office/drawing/2008/diagram" xmlns:p="http://schemas.openxmlformats.org/presentationml/2006/main">
-  <p:cSld>
-    <p:spTree>
-      <p:nvGrpSpPr>
-        <p:cNvPr id="1" name=""/>
-        <p:cNvGrpSpPr/>
-        <p:nvPr/>
-      </p:nvGrpSpPr>
-      <p:grpSpPr>
-        <a:xfrm>
-          <a:off x="0" y="0"/>
-          <a:ext cx="0" cy="0"/>
-          <a:chOff x="0" y="0"/>
-          <a:chExt cx="0" cy="0"/>
-        </a:xfrm>
-      </p:grpSpPr>
-      <p:grpSp>
-        <p:nvGrpSpPr>
-          <p:cNvPr id="6" name=""/>
-          <p:cNvGrpSpPr/>
-          <p:nvPr/>
-        </p:nvGrpSpPr>
-        <p:grpSpPr>
-          <a:xfrm rot="0">
-            <a:off x="-781" y="129454"/>
-            <a:ext cx="12192000" cy="6613408"/>
-            <a:chOff x="-781" y="129454"/>
-            <a:chExt cx="12192000" cy="6613408"/>
-          </a:xfrm>
-        </p:grpSpPr>
-        <p:pic>
-          <p:nvPicPr>
-            <p:cNvPr id="4" name=""/>
-            <p:cNvPicPr>
-              <a:picLocks noChangeAspect="1"/>
-            </p:cNvPicPr>
-            <p:nvPr/>
-          </p:nvPicPr>
-          <p:blipFill rotWithShape="1">
-            <a:blip r:embed="rId2"/>
-            <a:stretch>
-              <a:fillRect/>
-            </a:stretch>
-          </p:blipFill>
-          <p:spPr>
-            <a:xfrm>
-              <a:off x="-781" y="129454"/>
-              <a:ext cx="12192000" cy="5102307"/>
-            </a:xfrm>
-            <a:prstGeom prst="rect">
-              <a:avLst/>
-            </a:prstGeom>
-          </p:spPr>
-        </p:pic>
-        <p:pic>
-          <p:nvPicPr>
-            <p:cNvPr id="5" name=""/>
-            <p:cNvPicPr>
-              <a:picLocks noChangeAspect="1"/>
-            </p:cNvPicPr>
-            <p:nvPr/>
-          </p:nvPicPr>
-          <p:blipFill rotWithShape="1">
-            <a:blip r:embed="rId3"/>
-            <a:stretch>
-              <a:fillRect/>
-            </a:stretch>
-          </p:blipFill>
-          <p:spPr>
-            <a:xfrm>
-              <a:off x="-781" y="5222554"/>
-              <a:ext cx="12192000" cy="1520308"/>
-            </a:xfrm>
-            <a:prstGeom prst="rect">
-              <a:avLst/>
-            </a:prstGeom>
-          </p:spPr>
-        </p:pic>
-      </p:grpSp>
-    </p:spTree>
-  </p:cSld>
-  <p:clrMapOvr>
-    <a:masterClrMapping/>
-  </p:clrMapOvr>
-  <mc:AlternateContent xmlns:mc="http://schemas.openxmlformats.org/markup-compatibility/2006">
-    <mc:Choice xmlns:p14="http://schemas.microsoft.com/office/powerpoint/2010/main" Requires="p14">
-      <p:transition xmlns:mc="http://schemas.openxmlformats.org/markup-compatibility/2006" xmlns:p14="http://schemas.microsoft.com/office/powerpoint/2010/main" mc:Ignorable="p14" p14:dur="500"/>
-    </mc:Choice>
-    <mc:Fallback>
-      <p:transition/>
-    </mc:Fallback>
-  </mc:AlternateContent>
-</p:sld>
-</file>
-
-<file path=ppt/slides/slide32.xml><?xml version="1.0" encoding="utf-8"?>
-<p:sld xmlns:r="http://schemas.openxmlformats.org/officeDocument/2006/relationships" xmlns:c="http://schemas.openxmlformats.org/drawingml/2006/chart" xmlns:a="http://schemas.openxmlformats.org/drawingml/2006/main" xmlns:dgm="http://schemas.openxmlformats.org/drawingml/2006/diagram" xmlns:dsp="http://schemas.microsoft.com/office/drawing/2008/diagram" xmlns:p="http://schemas.openxmlformats.org/presentationml/2006/main">
+<p:sld xmlns:a="http://schemas.openxmlformats.org/drawingml/2006/main" xmlns:r="http://schemas.openxmlformats.org/officeDocument/2006/relationships" xmlns:p="http://schemas.openxmlformats.org/presentationml/2006/main">
   <p:cSld>
     <p:spTree>
       <p:nvGrpSpPr>
@@ -15956,13 +15478,19 @@
       </p:grpSpPr>
       <p:pic>
         <p:nvPicPr>
-          <p:cNvPr id="4" name=""/>
+          <p:cNvPr id="2" name="그림 1">
+            <a:extLst>
+              <a:ext uri="{FF2B5EF4-FFF2-40B4-BE49-F238E27FC236}">
+                <a16:creationId xmlns:a16="http://schemas.microsoft.com/office/drawing/2014/main" id="{F8123E1E-C5F3-4ECC-93A8-AD161884FD29}"/>
+              </a:ext>
+            </a:extLst>
+          </p:cNvPr>
           <p:cNvPicPr>
             <a:picLocks noChangeAspect="1"/>
           </p:cNvPicPr>
           <p:nvPr/>
         </p:nvPicPr>
-        <p:blipFill rotWithShape="1">
+        <p:blipFill>
           <a:blip r:embed="rId2"/>
           <a:stretch>
             <a:fillRect/>
@@ -15970,8 +15498,8 @@
         </p:blipFill>
         <p:spPr>
           <a:xfrm>
-            <a:off x="0" y="790860"/>
-            <a:ext cx="12192000" cy="5276280"/>
+            <a:off x="0" y="1129311"/>
+            <a:ext cx="12192000" cy="4599377"/>
           </a:xfrm>
           <a:prstGeom prst="rect">
             <a:avLst/>
@@ -15983,211 +15511,19 @@
   <p:clrMapOvr>
     <a:masterClrMapping/>
   </p:clrMapOvr>
-  <mc:AlternateContent xmlns:mc="http://schemas.openxmlformats.org/markup-compatibility/2006">
-    <mc:Choice xmlns:p14="http://schemas.microsoft.com/office/powerpoint/2010/main" Requires="p14">
-      <p:transition xmlns:mc="http://schemas.openxmlformats.org/markup-compatibility/2006" xmlns:p14="http://schemas.microsoft.com/office/powerpoint/2010/main" mc:Ignorable="p14" p14:dur="500"/>
+  <mc:AlternateContent xmlns:mc="http://schemas.openxmlformats.org/markup-compatibility/2006" xmlns:p14="http://schemas.microsoft.com/office/powerpoint/2010/main">
+    <mc:Choice Requires="p14">
+      <p:transition/>
     </mc:Choice>
-    <mc:Fallback>
+    <mc:Fallback xmlns:dsp="http://schemas.microsoft.com/office/drawing/2008/diagram" xmlns:dgm="http://schemas.openxmlformats.org/drawingml/2006/diagram" xmlns:c="http://schemas.openxmlformats.org/drawingml/2006/chart" xmlns="">
       <p:transition/>
     </mc:Fallback>
   </mc:AlternateContent>
 </p:sld>
 </file>
 
-<file path=ppt/slides/slide33.xml><?xml version="1.0" encoding="utf-8"?>
-<p:sld xmlns:r="http://schemas.openxmlformats.org/officeDocument/2006/relationships" xmlns:c="http://schemas.openxmlformats.org/drawingml/2006/chart" xmlns:a="http://schemas.openxmlformats.org/drawingml/2006/main" xmlns:dgm="http://schemas.openxmlformats.org/drawingml/2006/diagram" xmlns:dsp="http://schemas.microsoft.com/office/drawing/2008/diagram" xmlns:p="http://schemas.openxmlformats.org/presentationml/2006/main">
-  <p:cSld>
-    <p:spTree>
-      <p:nvGrpSpPr>
-        <p:cNvPr id="1" name=""/>
-        <p:cNvGrpSpPr/>
-        <p:nvPr/>
-      </p:nvGrpSpPr>
-      <p:grpSpPr>
-        <a:xfrm>
-          <a:off x="0" y="0"/>
-          <a:ext cx="0" cy="0"/>
-          <a:chOff x="0" y="0"/>
-          <a:chExt cx="0" cy="0"/>
-        </a:xfrm>
-      </p:grpSpPr>
-      <p:grpSp>
-        <p:nvGrpSpPr>
-          <p:cNvPr id="6" name=""/>
-          <p:cNvGrpSpPr/>
-          <p:nvPr/>
-        </p:nvGrpSpPr>
-        <p:grpSpPr>
-          <a:xfrm rot="0">
-            <a:off x="-781" y="795985"/>
-            <a:ext cx="12192781" cy="5422998"/>
-            <a:chOff x="-781" y="795985"/>
-            <a:chExt cx="12192781" cy="5422998"/>
-          </a:xfrm>
-        </p:grpSpPr>
-        <p:pic>
-          <p:nvPicPr>
-            <p:cNvPr id="4" name=""/>
-            <p:cNvPicPr>
-              <a:picLocks noChangeAspect="1"/>
-            </p:cNvPicPr>
-            <p:nvPr/>
-          </p:nvPicPr>
-          <p:blipFill rotWithShape="1">
-            <a:blip r:embed="rId2"/>
-            <a:stretch>
-              <a:fillRect/>
-            </a:stretch>
-          </p:blipFill>
-          <p:spPr>
-            <a:xfrm>
-              <a:off x="0" y="795985"/>
-              <a:ext cx="12192000" cy="5266028"/>
-            </a:xfrm>
-            <a:prstGeom prst="rect">
-              <a:avLst/>
-            </a:prstGeom>
-          </p:spPr>
-        </p:pic>
-        <p:pic>
-          <p:nvPicPr>
-            <p:cNvPr id="5" name=""/>
-            <p:cNvPicPr>
-              <a:picLocks noChangeAspect="1"/>
-            </p:cNvPicPr>
-            <p:nvPr/>
-          </p:nvPicPr>
-          <p:blipFill rotWithShape="1">
-            <a:blip r:embed="rId3"/>
-            <a:stretch>
-              <a:fillRect/>
-            </a:stretch>
-          </p:blipFill>
-          <p:spPr>
-            <a:xfrm>
-              <a:off x="-781" y="6040005"/>
-              <a:ext cx="12192000" cy="178978"/>
-            </a:xfrm>
-            <a:prstGeom prst="rect">
-              <a:avLst/>
-            </a:prstGeom>
-          </p:spPr>
-        </p:pic>
-      </p:grpSp>
-    </p:spTree>
-  </p:cSld>
-  <p:clrMapOvr>
-    <a:masterClrMapping/>
-  </p:clrMapOvr>
-  <mc:AlternateContent xmlns:mc="http://schemas.openxmlformats.org/markup-compatibility/2006">
-    <mc:Choice xmlns:p14="http://schemas.microsoft.com/office/powerpoint/2010/main" Requires="p14">
-      <p:transition xmlns:mc="http://schemas.openxmlformats.org/markup-compatibility/2006" xmlns:p14="http://schemas.microsoft.com/office/powerpoint/2010/main" mc:Ignorable="p14" p14:dur="500"/>
-    </mc:Choice>
-    <mc:Fallback>
-      <p:transition/>
-    </mc:Fallback>
-  </mc:AlternateContent>
-</p:sld>
-</file>
-
-<file path=ppt/slides/slide34.xml><?xml version="1.0" encoding="utf-8"?>
-<p:sld xmlns:r="http://schemas.openxmlformats.org/officeDocument/2006/relationships" xmlns:c="http://schemas.openxmlformats.org/drawingml/2006/chart" xmlns:a="http://schemas.openxmlformats.org/drawingml/2006/main" xmlns:dgm="http://schemas.openxmlformats.org/drawingml/2006/diagram" xmlns:dsp="http://schemas.microsoft.com/office/drawing/2008/diagram" xmlns:p="http://schemas.openxmlformats.org/presentationml/2006/main">
-  <p:cSld>
-    <p:spTree>
-      <p:nvGrpSpPr>
-        <p:cNvPr id="1" name=""/>
-        <p:cNvGrpSpPr/>
-        <p:nvPr/>
-      </p:nvGrpSpPr>
-      <p:grpSpPr>
-        <a:xfrm>
-          <a:off x="0" y="0"/>
-          <a:ext cx="0" cy="0"/>
-          <a:chOff x="0" y="0"/>
-          <a:chExt cx="0" cy="0"/>
-        </a:xfrm>
-      </p:grpSpPr>
-      <p:grpSp>
-        <p:nvGrpSpPr>
-          <p:cNvPr id="8" name=""/>
-          <p:cNvGrpSpPr/>
-          <p:nvPr/>
-        </p:nvGrpSpPr>
-        <p:grpSpPr>
-          <a:xfrm rot="0">
-            <a:off x="-781" y="506700"/>
-            <a:ext cx="12192000" cy="5705481"/>
-            <a:chOff x="-780" y="506700"/>
-            <a:chExt cx="12192000" cy="5705481"/>
-          </a:xfrm>
-        </p:grpSpPr>
-        <p:pic>
-          <p:nvPicPr>
-            <p:cNvPr id="4" name=""/>
-            <p:cNvPicPr>
-              <a:picLocks noChangeAspect="1"/>
-            </p:cNvPicPr>
-            <p:nvPr/>
-          </p:nvPicPr>
-          <p:blipFill rotWithShape="1">
-            <a:blip r:embed="rId2"/>
-            <a:stretch>
-              <a:fillRect/>
-            </a:stretch>
-          </p:blipFill>
-          <p:spPr>
-            <a:xfrm>
-              <a:off x="-780" y="506700"/>
-              <a:ext cx="12192000" cy="5279380"/>
-            </a:xfrm>
-            <a:prstGeom prst="rect">
-              <a:avLst/>
-            </a:prstGeom>
-          </p:spPr>
-        </p:pic>
-        <p:pic>
-          <p:nvPicPr>
-            <p:cNvPr id="7" name=""/>
-            <p:cNvPicPr>
-              <a:picLocks noChangeAspect="1"/>
-            </p:cNvPicPr>
-            <p:nvPr/>
-          </p:nvPicPr>
-          <p:blipFill rotWithShape="1">
-            <a:blip r:embed="rId3"/>
-            <a:stretch>
-              <a:fillRect/>
-            </a:stretch>
-          </p:blipFill>
-          <p:spPr>
-            <a:xfrm>
-              <a:off x="-780" y="5753728"/>
-              <a:ext cx="12192000" cy="458453"/>
-            </a:xfrm>
-            <a:prstGeom prst="rect">
-              <a:avLst/>
-            </a:prstGeom>
-          </p:spPr>
-        </p:pic>
-      </p:grpSp>
-    </p:spTree>
-  </p:cSld>
-  <p:clrMapOvr>
-    <a:masterClrMapping/>
-  </p:clrMapOvr>
-  <mc:AlternateContent xmlns:mc="http://schemas.openxmlformats.org/markup-compatibility/2006">
-    <mc:Choice xmlns:p14="http://schemas.microsoft.com/office/powerpoint/2010/main" Requires="p14">
-      <p:transition xmlns:mc="http://schemas.openxmlformats.org/markup-compatibility/2006" xmlns:p14="http://schemas.microsoft.com/office/powerpoint/2010/main" mc:Ignorable="p14" p14:dur="500"/>
-    </mc:Choice>
-    <mc:Fallback>
-      <p:transition/>
-    </mc:Fallback>
-  </mc:AlternateContent>
-</p:sld>
-</file>
-
-<file path=ppt/slides/slide35.xml><?xml version="1.0" encoding="utf-8"?>
-<p:sld xmlns:r="http://schemas.openxmlformats.org/officeDocument/2006/relationships" xmlns:c="http://schemas.openxmlformats.org/drawingml/2006/chart" xmlns:a="http://schemas.openxmlformats.org/drawingml/2006/main" xmlns:dgm="http://schemas.openxmlformats.org/drawingml/2006/diagram" xmlns:dsp="http://schemas.microsoft.com/office/drawing/2008/diagram" xmlns:p="http://schemas.openxmlformats.org/presentationml/2006/main">
+<file path=ppt/slides/slide31.xml><?xml version="1.0" encoding="utf-8"?>
+<p:sld xmlns:a="http://schemas.openxmlformats.org/drawingml/2006/main" xmlns:r="http://schemas.openxmlformats.org/officeDocument/2006/relationships" xmlns:p="http://schemas.openxmlformats.org/presentationml/2006/main">
   <p:cSld>
     <p:spTree>
       <p:nvGrpSpPr>
@@ -16205,13 +15541,19 @@
       </p:grpSpPr>
       <p:pic>
         <p:nvPicPr>
-          <p:cNvPr id="4" name=""/>
+          <p:cNvPr id="2" name="그림 1">
+            <a:extLst>
+              <a:ext uri="{FF2B5EF4-FFF2-40B4-BE49-F238E27FC236}">
+                <a16:creationId xmlns:a16="http://schemas.microsoft.com/office/drawing/2014/main" id="{A2F962CC-54ED-4CA8-A567-D9FECA60AD57}"/>
+              </a:ext>
+            </a:extLst>
+          </p:cNvPr>
           <p:cNvPicPr>
             <a:picLocks noChangeAspect="1"/>
           </p:cNvPicPr>
           <p:nvPr/>
         </p:nvPicPr>
-        <p:blipFill rotWithShape="1">
+        <p:blipFill>
           <a:blip r:embed="rId2"/>
           <a:stretch>
             <a:fillRect/>
@@ -16219,32 +15561,8 @@
         </p:blipFill>
         <p:spPr>
           <a:xfrm>
-            <a:off x="0" y="1071450"/>
-            <a:ext cx="12192000" cy="4715098"/>
-          </a:xfrm>
-          <a:prstGeom prst="rect">
-            <a:avLst/>
-          </a:prstGeom>
-        </p:spPr>
-      </p:pic>
-      <p:pic>
-        <p:nvPicPr>
-          <p:cNvPr id="5" name=""/>
-          <p:cNvPicPr>
-            <a:picLocks noChangeAspect="1"/>
-          </p:cNvPicPr>
-          <p:nvPr/>
-        </p:nvPicPr>
-        <p:blipFill rotWithShape="1">
-          <a:blip r:embed="rId3"/>
-          <a:stretch>
-            <a:fillRect/>
-          </a:stretch>
-        </p:blipFill>
-        <p:spPr>
-          <a:xfrm>
-            <a:off x="164583" y="3214506"/>
-            <a:ext cx="830580" cy="426720"/>
+            <a:off x="0" y="453712"/>
+            <a:ext cx="12192000" cy="5950576"/>
           </a:xfrm>
           <a:prstGeom prst="rect">
             <a:avLst/>
@@ -16256,19 +15574,19 @@
   <p:clrMapOvr>
     <a:masterClrMapping/>
   </p:clrMapOvr>
-  <mc:AlternateContent xmlns:mc="http://schemas.openxmlformats.org/markup-compatibility/2006">
-    <mc:Choice xmlns:p14="http://schemas.microsoft.com/office/powerpoint/2010/main" Requires="p14">
-      <p:transition xmlns:mc="http://schemas.openxmlformats.org/markup-compatibility/2006" xmlns:p14="http://schemas.microsoft.com/office/powerpoint/2010/main" mc:Ignorable="p14" p14:dur="500"/>
+  <mc:AlternateContent xmlns:mc="http://schemas.openxmlformats.org/markup-compatibility/2006" xmlns:p14="http://schemas.microsoft.com/office/powerpoint/2010/main">
+    <mc:Choice Requires="p14">
+      <p:transition/>
     </mc:Choice>
-    <mc:Fallback>
+    <mc:Fallback xmlns:dsp="http://schemas.microsoft.com/office/drawing/2008/diagram" xmlns:dgm="http://schemas.openxmlformats.org/drawingml/2006/diagram" xmlns:c="http://schemas.openxmlformats.org/drawingml/2006/chart" xmlns="">
       <p:transition/>
     </mc:Fallback>
   </mc:AlternateContent>
 </p:sld>
 </file>
 
-<file path=ppt/slides/slide36.xml><?xml version="1.0" encoding="utf-8"?>
-<p:sld xmlns:r="http://schemas.openxmlformats.org/officeDocument/2006/relationships" xmlns:c="http://schemas.openxmlformats.org/drawingml/2006/chart" xmlns:a="http://schemas.openxmlformats.org/drawingml/2006/main" xmlns:dgm="http://schemas.openxmlformats.org/drawingml/2006/diagram" xmlns:dsp="http://schemas.microsoft.com/office/drawing/2008/diagram" xmlns:p="http://schemas.openxmlformats.org/presentationml/2006/main">
+<file path=ppt/slides/slide32.xml><?xml version="1.0" encoding="utf-8"?>
+<p:sld xmlns:a="http://schemas.openxmlformats.org/drawingml/2006/main" xmlns:r="http://schemas.openxmlformats.org/officeDocument/2006/relationships" xmlns:p="http://schemas.openxmlformats.org/presentationml/2006/main">
   <p:cSld>
     <p:spTree>
       <p:nvGrpSpPr>
@@ -16286,13 +15604,19 @@
       </p:grpSpPr>
       <p:pic>
         <p:nvPicPr>
-          <p:cNvPr id="4" name=""/>
+          <p:cNvPr id="2" name="그림 1">
+            <a:extLst>
+              <a:ext uri="{FF2B5EF4-FFF2-40B4-BE49-F238E27FC236}">
+                <a16:creationId xmlns:a16="http://schemas.microsoft.com/office/drawing/2014/main" id="{2B124E6B-4D0E-4B40-AA25-2B2C50306FD5}"/>
+              </a:ext>
+            </a:extLst>
+          </p:cNvPr>
           <p:cNvPicPr>
             <a:picLocks noChangeAspect="1"/>
           </p:cNvPicPr>
           <p:nvPr/>
         </p:nvPicPr>
-        <p:blipFill rotWithShape="1">
+        <p:blipFill>
           <a:blip r:embed="rId2"/>
           <a:stretch>
             <a:fillRect/>
@@ -16300,32 +15624,8 @@
         </p:blipFill>
         <p:spPr>
           <a:xfrm>
-            <a:off x="0" y="776541"/>
-            <a:ext cx="12192000" cy="5304916"/>
-          </a:xfrm>
-          <a:prstGeom prst="rect">
-            <a:avLst/>
-          </a:prstGeom>
-        </p:spPr>
-      </p:pic>
-      <p:pic>
-        <p:nvPicPr>
-          <p:cNvPr id="5" name=""/>
-          <p:cNvPicPr>
-            <a:picLocks noChangeAspect="1"/>
-          </p:cNvPicPr>
-          <p:nvPr/>
-        </p:nvPicPr>
-        <p:blipFill rotWithShape="1">
-          <a:blip r:embed="rId3"/>
-          <a:stretch>
-            <a:fillRect/>
-          </a:stretch>
-        </p:blipFill>
-        <p:spPr>
-          <a:xfrm>
-            <a:off x="195985" y="3214506"/>
-            <a:ext cx="830580" cy="426720"/>
+            <a:off x="0" y="854609"/>
+            <a:ext cx="12192000" cy="5148781"/>
           </a:xfrm>
           <a:prstGeom prst="rect">
             <a:avLst/>
@@ -16337,19 +15637,19 @@
   <p:clrMapOvr>
     <a:masterClrMapping/>
   </p:clrMapOvr>
-  <mc:AlternateContent xmlns:mc="http://schemas.openxmlformats.org/markup-compatibility/2006">
-    <mc:Choice xmlns:p14="http://schemas.microsoft.com/office/powerpoint/2010/main" Requires="p14">
-      <p:transition xmlns:mc="http://schemas.openxmlformats.org/markup-compatibility/2006" xmlns:p14="http://schemas.microsoft.com/office/powerpoint/2010/main" mc:Ignorable="p14" p14:dur="500"/>
+  <mc:AlternateContent xmlns:mc="http://schemas.openxmlformats.org/markup-compatibility/2006" xmlns:p14="http://schemas.microsoft.com/office/powerpoint/2010/main">
+    <mc:Choice Requires="p14">
+      <p:transition/>
     </mc:Choice>
-    <mc:Fallback>
+    <mc:Fallback xmlns:dsp="http://schemas.microsoft.com/office/drawing/2008/diagram" xmlns:dgm="http://schemas.openxmlformats.org/drawingml/2006/diagram" xmlns:c="http://schemas.openxmlformats.org/drawingml/2006/chart" xmlns="">
       <p:transition/>
     </mc:Fallback>
   </mc:AlternateContent>
 </p:sld>
 </file>
 
-<file path=ppt/slides/slide37.xml><?xml version="1.0" encoding="utf-8"?>
-<p:sld xmlns:r="http://schemas.openxmlformats.org/officeDocument/2006/relationships" xmlns:c="http://schemas.openxmlformats.org/drawingml/2006/chart" xmlns:a="http://schemas.openxmlformats.org/drawingml/2006/main" xmlns:dgm="http://schemas.openxmlformats.org/drawingml/2006/diagram" xmlns:dsp="http://schemas.microsoft.com/office/drawing/2008/diagram" xmlns:p="http://schemas.openxmlformats.org/presentationml/2006/main">
+<file path=ppt/slides/slide33.xml><?xml version="1.0" encoding="utf-8"?>
+<p:sld xmlns:a="http://schemas.openxmlformats.org/drawingml/2006/main" xmlns:r="http://schemas.openxmlformats.org/officeDocument/2006/relationships" xmlns:p="http://schemas.openxmlformats.org/presentationml/2006/main">
   <p:cSld>
     <p:spTree>
       <p:nvGrpSpPr>
@@ -16367,13 +15667,19 @@
       </p:grpSpPr>
       <p:pic>
         <p:nvPicPr>
-          <p:cNvPr id="4" name=""/>
+          <p:cNvPr id="2" name="그림 1">
+            <a:extLst>
+              <a:ext uri="{FF2B5EF4-FFF2-40B4-BE49-F238E27FC236}">
+                <a16:creationId xmlns:a16="http://schemas.microsoft.com/office/drawing/2014/main" id="{C2E1EAFD-8771-4322-8F93-EB4B17466E4E}"/>
+              </a:ext>
+            </a:extLst>
+          </p:cNvPr>
           <p:cNvPicPr>
             <a:picLocks noChangeAspect="1"/>
           </p:cNvPicPr>
           <p:nvPr/>
         </p:nvPicPr>
-        <p:blipFill rotWithShape="1">
+        <p:blipFill>
           <a:blip r:embed="rId2"/>
           <a:stretch>
             <a:fillRect/>
@@ -16381,32 +15687,8 @@
         </p:blipFill>
         <p:spPr>
           <a:xfrm>
-            <a:off x="0" y="1049986"/>
-            <a:ext cx="12192000" cy="4758028"/>
-          </a:xfrm>
-          <a:prstGeom prst="rect">
-            <a:avLst/>
-          </a:prstGeom>
-        </p:spPr>
-      </p:pic>
-      <p:pic>
-        <p:nvPicPr>
-          <p:cNvPr id="5" name=""/>
-          <p:cNvPicPr>
-            <a:picLocks noChangeAspect="1"/>
-          </p:cNvPicPr>
-          <p:nvPr/>
-        </p:nvPicPr>
-        <p:blipFill rotWithShape="1">
-          <a:blip r:embed="rId3"/>
-          <a:stretch>
-            <a:fillRect/>
-          </a:stretch>
-        </p:blipFill>
-        <p:spPr>
-          <a:xfrm>
-            <a:off x="179782" y="3252606"/>
-            <a:ext cx="883919" cy="350520"/>
+            <a:off x="0" y="726649"/>
+            <a:ext cx="12192000" cy="5404701"/>
           </a:xfrm>
           <a:prstGeom prst="rect">
             <a:avLst/>
@@ -16418,19 +15700,19 @@
   <p:clrMapOvr>
     <a:masterClrMapping/>
   </p:clrMapOvr>
-  <mc:AlternateContent xmlns:mc="http://schemas.openxmlformats.org/markup-compatibility/2006">
-    <mc:Choice xmlns:p14="http://schemas.microsoft.com/office/powerpoint/2010/main" Requires="p14">
-      <p:transition xmlns:mc="http://schemas.openxmlformats.org/markup-compatibility/2006" xmlns:p14="http://schemas.microsoft.com/office/powerpoint/2010/main" mc:Ignorable="p14" p14:dur="500"/>
+  <mc:AlternateContent xmlns:mc="http://schemas.openxmlformats.org/markup-compatibility/2006" xmlns:p14="http://schemas.microsoft.com/office/powerpoint/2010/main">
+    <mc:Choice Requires="p14">
+      <p:transition/>
     </mc:Choice>
-    <mc:Fallback>
+    <mc:Fallback xmlns:dsp="http://schemas.microsoft.com/office/drawing/2008/diagram" xmlns:dgm="http://schemas.openxmlformats.org/drawingml/2006/diagram" xmlns:c="http://schemas.openxmlformats.org/drawingml/2006/chart" xmlns="">
       <p:transition/>
     </mc:Fallback>
   </mc:AlternateContent>
 </p:sld>
 </file>
 
-<file path=ppt/slides/slide38.xml><?xml version="1.0" encoding="utf-8"?>
-<p:sld xmlns:r="http://schemas.openxmlformats.org/officeDocument/2006/relationships" xmlns:c="http://schemas.openxmlformats.org/drawingml/2006/chart" xmlns:a="http://schemas.openxmlformats.org/drawingml/2006/main" xmlns:dgm="http://schemas.openxmlformats.org/drawingml/2006/diagram" xmlns:dsp="http://schemas.microsoft.com/office/drawing/2008/diagram" xmlns:p="http://schemas.openxmlformats.org/presentationml/2006/main">
+<file path=ppt/slides/slide34.xml><?xml version="1.0" encoding="utf-8"?>
+<p:sld xmlns:a="http://schemas.openxmlformats.org/drawingml/2006/main" xmlns:r="http://schemas.openxmlformats.org/officeDocument/2006/relationships" xmlns:p="http://schemas.openxmlformats.org/presentationml/2006/main">
   <p:cSld>
     <p:spTree>
       <p:nvGrpSpPr>
@@ -16448,7 +15730,70 @@
       </p:grpSpPr>
       <p:pic>
         <p:nvPicPr>
-          <p:cNvPr id="4" name=""/>
+          <p:cNvPr id="3" name="그림 2">
+            <a:extLst>
+              <a:ext uri="{FF2B5EF4-FFF2-40B4-BE49-F238E27FC236}">
+                <a16:creationId xmlns:a16="http://schemas.microsoft.com/office/drawing/2014/main" id="{2424BF82-99C7-4891-A1CD-236A62E94BFB}"/>
+              </a:ext>
+            </a:extLst>
+          </p:cNvPr>
+          <p:cNvPicPr>
+            <a:picLocks noChangeAspect="1"/>
+          </p:cNvPicPr>
+          <p:nvPr/>
+        </p:nvPicPr>
+        <p:blipFill>
+          <a:blip r:embed="rId2"/>
+          <a:stretch>
+            <a:fillRect/>
+          </a:stretch>
+        </p:blipFill>
+        <p:spPr>
+          <a:xfrm>
+            <a:off x="0" y="855221"/>
+            <a:ext cx="12192000" cy="5147558"/>
+          </a:xfrm>
+          <a:prstGeom prst="rect">
+            <a:avLst/>
+          </a:prstGeom>
+        </p:spPr>
+      </p:pic>
+    </p:spTree>
+  </p:cSld>
+  <p:clrMapOvr>
+    <a:masterClrMapping/>
+  </p:clrMapOvr>
+  <mc:AlternateContent xmlns:mc="http://schemas.openxmlformats.org/markup-compatibility/2006" xmlns:p14="http://schemas.microsoft.com/office/powerpoint/2010/main">
+    <mc:Choice Requires="p14">
+      <p:transition/>
+    </mc:Choice>
+    <mc:Fallback xmlns:dsp="http://schemas.microsoft.com/office/drawing/2008/diagram" xmlns:dgm="http://schemas.openxmlformats.org/drawingml/2006/diagram" xmlns:c="http://schemas.openxmlformats.org/drawingml/2006/chart" xmlns="">
+      <p:transition/>
+    </mc:Fallback>
+  </mc:AlternateContent>
+</p:sld>
+</file>
+
+<file path=ppt/slides/slide35.xml><?xml version="1.0" encoding="utf-8"?>
+<p:sld xmlns:a="http://schemas.openxmlformats.org/drawingml/2006/main" xmlns:r="http://schemas.openxmlformats.org/officeDocument/2006/relationships" xmlns:p="http://schemas.openxmlformats.org/presentationml/2006/main">
+  <p:cSld>
+    <p:spTree>
+      <p:nvGrpSpPr>
+        <p:cNvPr id="1" name=""/>
+        <p:cNvGrpSpPr/>
+        <p:nvPr/>
+      </p:nvGrpSpPr>
+      <p:grpSpPr>
+        <a:xfrm>
+          <a:off x="0" y="0"/>
+          <a:ext cx="0" cy="0"/>
+          <a:chOff x="0" y="0"/>
+          <a:chExt cx="0" cy="0"/>
+        </a:xfrm>
+      </p:grpSpPr>
+      <p:pic>
+        <p:nvPicPr>
+          <p:cNvPr id="5" name="그림 4"/>
           <p:cNvPicPr>
             <a:picLocks noChangeAspect="1"/>
           </p:cNvPicPr>
@@ -16462,8 +15807,8 @@
         </p:blipFill>
         <p:spPr>
           <a:xfrm>
-            <a:off x="0" y="1822718"/>
-            <a:ext cx="12192000" cy="3212563"/>
+            <a:off x="164583" y="3214506"/>
+            <a:ext cx="830580" cy="426720"/>
           </a:xfrm>
           <a:prstGeom prst="rect">
             <a:avLst/>
@@ -16472,13 +15817,19 @@
       </p:pic>
       <p:pic>
         <p:nvPicPr>
-          <p:cNvPr id="5" name=""/>
+          <p:cNvPr id="2" name="그림 1">
+            <a:extLst>
+              <a:ext uri="{FF2B5EF4-FFF2-40B4-BE49-F238E27FC236}">
+                <a16:creationId xmlns:a16="http://schemas.microsoft.com/office/drawing/2014/main" id="{AC8DC3FE-4B6F-4850-A46C-E925417DA151}"/>
+              </a:ext>
+            </a:extLst>
+          </p:cNvPr>
           <p:cNvPicPr>
             <a:picLocks noChangeAspect="1"/>
           </p:cNvPicPr>
           <p:nvPr/>
         </p:nvPicPr>
-        <p:blipFill rotWithShape="1">
+        <p:blipFill>
           <a:blip r:embed="rId3"/>
           <a:stretch>
             <a:fillRect/>
@@ -16486,8 +15837,8 @@
         </p:blipFill>
         <p:spPr>
           <a:xfrm>
-            <a:off x="158848" y="3077346"/>
-            <a:ext cx="883919" cy="350520"/>
+            <a:off x="0" y="584984"/>
+            <a:ext cx="12192000" cy="5688031"/>
           </a:xfrm>
           <a:prstGeom prst="rect">
             <a:avLst/>
@@ -16499,11 +15850,224 @@
   <p:clrMapOvr>
     <a:masterClrMapping/>
   </p:clrMapOvr>
-  <mc:AlternateContent xmlns:mc="http://schemas.openxmlformats.org/markup-compatibility/2006">
-    <mc:Choice xmlns:p14="http://schemas.microsoft.com/office/powerpoint/2010/main" Requires="p14">
-      <p:transition xmlns:mc="http://schemas.openxmlformats.org/markup-compatibility/2006" xmlns:p14="http://schemas.microsoft.com/office/powerpoint/2010/main" mc:Ignorable="p14" p14:dur="500"/>
+  <mc:AlternateContent xmlns:mc="http://schemas.openxmlformats.org/markup-compatibility/2006" xmlns:p14="http://schemas.microsoft.com/office/powerpoint/2010/main">
+    <mc:Choice Requires="p14">
+      <p:transition/>
     </mc:Choice>
-    <mc:Fallback>
+    <mc:Fallback xmlns:dsp="http://schemas.microsoft.com/office/drawing/2008/diagram" xmlns:dgm="http://schemas.openxmlformats.org/drawingml/2006/diagram" xmlns:c="http://schemas.openxmlformats.org/drawingml/2006/chart" xmlns="">
+      <p:transition/>
+    </mc:Fallback>
+  </mc:AlternateContent>
+</p:sld>
+</file>
+
+<file path=ppt/slides/slide36.xml><?xml version="1.0" encoding="utf-8"?>
+<p:sld xmlns:a="http://schemas.openxmlformats.org/drawingml/2006/main" xmlns:r="http://schemas.openxmlformats.org/officeDocument/2006/relationships" xmlns:p="http://schemas.openxmlformats.org/presentationml/2006/main">
+  <p:cSld>
+    <p:spTree>
+      <p:nvGrpSpPr>
+        <p:cNvPr id="1" name=""/>
+        <p:cNvGrpSpPr/>
+        <p:nvPr/>
+      </p:nvGrpSpPr>
+      <p:grpSpPr>
+        <a:xfrm>
+          <a:off x="0" y="0"/>
+          <a:ext cx="0" cy="0"/>
+          <a:chOff x="0" y="0"/>
+          <a:chExt cx="0" cy="0"/>
+        </a:xfrm>
+      </p:grpSpPr>
+      <p:pic>
+        <p:nvPicPr>
+          <p:cNvPr id="2" name="그림 1">
+            <a:extLst>
+              <a:ext uri="{FF2B5EF4-FFF2-40B4-BE49-F238E27FC236}">
+                <a16:creationId xmlns:a16="http://schemas.microsoft.com/office/drawing/2014/main" id="{3AFF6E23-5282-46C1-B3FC-50EFAB860109}"/>
+              </a:ext>
+            </a:extLst>
+          </p:cNvPr>
+          <p:cNvPicPr>
+            <a:picLocks noChangeAspect="1"/>
+          </p:cNvPicPr>
+          <p:nvPr/>
+        </p:nvPicPr>
+        <p:blipFill>
+          <a:blip r:embed="rId2"/>
+          <a:stretch>
+            <a:fillRect/>
+          </a:stretch>
+        </p:blipFill>
+        <p:spPr>
+          <a:xfrm>
+            <a:off x="0" y="1726053"/>
+            <a:ext cx="12192000" cy="3405894"/>
+          </a:xfrm>
+          <a:prstGeom prst="rect">
+            <a:avLst/>
+          </a:prstGeom>
+        </p:spPr>
+      </p:pic>
+    </p:spTree>
+  </p:cSld>
+  <p:clrMapOvr>
+    <a:masterClrMapping/>
+  </p:clrMapOvr>
+  <mc:AlternateContent xmlns:mc="http://schemas.openxmlformats.org/markup-compatibility/2006" xmlns:p14="http://schemas.microsoft.com/office/powerpoint/2010/main">
+    <mc:Choice Requires="p14">
+      <p:transition/>
+    </mc:Choice>
+    <mc:Fallback xmlns:dsp="http://schemas.microsoft.com/office/drawing/2008/diagram" xmlns:dgm="http://schemas.openxmlformats.org/drawingml/2006/diagram" xmlns:c="http://schemas.openxmlformats.org/drawingml/2006/chart" xmlns="">
+      <p:transition/>
+    </mc:Fallback>
+  </mc:AlternateContent>
+</p:sld>
+</file>
+
+<file path=ppt/slides/slide37.xml><?xml version="1.0" encoding="utf-8"?>
+<p:sld xmlns:a="http://schemas.openxmlformats.org/drawingml/2006/main" xmlns:r="http://schemas.openxmlformats.org/officeDocument/2006/relationships" xmlns:p="http://schemas.openxmlformats.org/presentationml/2006/main">
+  <p:cSld>
+    <p:spTree>
+      <p:nvGrpSpPr>
+        <p:cNvPr id="1" name=""/>
+        <p:cNvGrpSpPr/>
+        <p:nvPr/>
+      </p:nvGrpSpPr>
+      <p:grpSpPr>
+        <a:xfrm>
+          <a:off x="0" y="0"/>
+          <a:ext cx="0" cy="0"/>
+          <a:chOff x="0" y="0"/>
+          <a:chExt cx="0" cy="0"/>
+        </a:xfrm>
+      </p:grpSpPr>
+      <p:pic>
+        <p:nvPicPr>
+          <p:cNvPr id="5" name="그림 4"/>
+          <p:cNvPicPr>
+            <a:picLocks noChangeAspect="1"/>
+          </p:cNvPicPr>
+          <p:nvPr/>
+        </p:nvPicPr>
+        <p:blipFill rotWithShape="1">
+          <a:blip r:embed="rId2"/>
+          <a:stretch>
+            <a:fillRect/>
+          </a:stretch>
+        </p:blipFill>
+        <p:spPr>
+          <a:xfrm>
+            <a:off x="179782" y="3252606"/>
+            <a:ext cx="883919" cy="350520"/>
+          </a:xfrm>
+          <a:prstGeom prst="rect">
+            <a:avLst/>
+          </a:prstGeom>
+        </p:spPr>
+      </p:pic>
+      <p:pic>
+        <p:nvPicPr>
+          <p:cNvPr id="2" name="그림 1">
+            <a:extLst>
+              <a:ext uri="{FF2B5EF4-FFF2-40B4-BE49-F238E27FC236}">
+                <a16:creationId xmlns:a16="http://schemas.microsoft.com/office/drawing/2014/main" id="{C62FE66D-42AC-42AE-949B-7982ACCF6B7C}"/>
+              </a:ext>
+            </a:extLst>
+          </p:cNvPr>
+          <p:cNvPicPr>
+            <a:picLocks noChangeAspect="1"/>
+          </p:cNvPicPr>
+          <p:nvPr/>
+        </p:nvPicPr>
+        <p:blipFill>
+          <a:blip r:embed="rId3"/>
+          <a:stretch>
+            <a:fillRect/>
+          </a:stretch>
+        </p:blipFill>
+        <p:spPr>
+          <a:xfrm>
+            <a:off x="0" y="2126368"/>
+            <a:ext cx="12192000" cy="2605263"/>
+          </a:xfrm>
+          <a:prstGeom prst="rect">
+            <a:avLst/>
+          </a:prstGeom>
+        </p:spPr>
+      </p:pic>
+    </p:spTree>
+  </p:cSld>
+  <p:clrMapOvr>
+    <a:masterClrMapping/>
+  </p:clrMapOvr>
+  <mc:AlternateContent xmlns:mc="http://schemas.openxmlformats.org/markup-compatibility/2006" xmlns:p14="http://schemas.microsoft.com/office/powerpoint/2010/main">
+    <mc:Choice Requires="p14">
+      <p:transition/>
+    </mc:Choice>
+    <mc:Fallback xmlns:dsp="http://schemas.microsoft.com/office/drawing/2008/diagram" xmlns:dgm="http://schemas.openxmlformats.org/drawingml/2006/diagram" xmlns:c="http://schemas.openxmlformats.org/drawingml/2006/chart" xmlns="">
+      <p:transition/>
+    </mc:Fallback>
+  </mc:AlternateContent>
+</p:sld>
+</file>
+
+<file path=ppt/slides/slide38.xml><?xml version="1.0" encoding="utf-8"?>
+<p:sld xmlns:a="http://schemas.openxmlformats.org/drawingml/2006/main" xmlns:r="http://schemas.openxmlformats.org/officeDocument/2006/relationships" xmlns:p="http://schemas.openxmlformats.org/presentationml/2006/main">
+  <p:cSld>
+    <p:spTree>
+      <p:nvGrpSpPr>
+        <p:cNvPr id="1" name=""/>
+        <p:cNvGrpSpPr/>
+        <p:nvPr/>
+      </p:nvGrpSpPr>
+      <p:grpSpPr>
+        <a:xfrm>
+          <a:off x="0" y="0"/>
+          <a:ext cx="0" cy="0"/>
+          <a:chOff x="0" y="0"/>
+          <a:chExt cx="0" cy="0"/>
+        </a:xfrm>
+      </p:grpSpPr>
+      <p:pic>
+        <p:nvPicPr>
+          <p:cNvPr id="2" name="그림 1">
+            <a:extLst>
+              <a:ext uri="{FF2B5EF4-FFF2-40B4-BE49-F238E27FC236}">
+                <a16:creationId xmlns:a16="http://schemas.microsoft.com/office/drawing/2014/main" id="{D3C03749-A8C5-46A6-BF8F-E08474D5BBC4}"/>
+              </a:ext>
+            </a:extLst>
+          </p:cNvPr>
+          <p:cNvPicPr>
+            <a:picLocks noChangeAspect="1"/>
+          </p:cNvPicPr>
+          <p:nvPr/>
+        </p:nvPicPr>
+        <p:blipFill>
+          <a:blip r:embed="rId2"/>
+          <a:stretch>
+            <a:fillRect/>
+          </a:stretch>
+        </p:blipFill>
+        <p:spPr>
+          <a:xfrm>
+            <a:off x="0" y="774290"/>
+            <a:ext cx="12192000" cy="5309419"/>
+          </a:xfrm>
+          <a:prstGeom prst="rect">
+            <a:avLst/>
+          </a:prstGeom>
+        </p:spPr>
+      </p:pic>
+    </p:spTree>
+  </p:cSld>
+  <p:clrMapOvr>
+    <a:masterClrMapping/>
+  </p:clrMapOvr>
+  <mc:AlternateContent xmlns:mc="http://schemas.openxmlformats.org/markup-compatibility/2006" xmlns:p14="http://schemas.microsoft.com/office/powerpoint/2010/main">
+    <mc:Choice Requires="p14">
+      <p:transition/>
+    </mc:Choice>
+    <mc:Fallback xmlns:dsp="http://schemas.microsoft.com/office/drawing/2008/diagram" xmlns:dgm="http://schemas.openxmlformats.org/drawingml/2006/diagram" xmlns:c="http://schemas.openxmlformats.org/drawingml/2006/chart" xmlns="">
       <p:transition/>
     </mc:Fallback>
   </mc:AlternateContent>
@@ -16511,13 +16075,14 @@
 </file>
 
 <file path=ppt/slides/slide39.xml><?xml version="1.0" encoding="utf-8"?>
-<p:sld xmlns:r="http://schemas.openxmlformats.org/officeDocument/2006/relationships" xmlns:c="http://schemas.openxmlformats.org/drawingml/2006/chart" xmlns:a="http://schemas.openxmlformats.org/drawingml/2006/main" xmlns:dgm="http://schemas.openxmlformats.org/drawingml/2006/diagram" xmlns:dsp="http://schemas.microsoft.com/office/drawing/2008/diagram" xmlns:p="http://schemas.openxmlformats.org/presentationml/2006/main">
+<p:sld xmlns:a="http://schemas.openxmlformats.org/drawingml/2006/main" xmlns:r="http://schemas.openxmlformats.org/officeDocument/2006/relationships" xmlns:p="http://schemas.openxmlformats.org/presentationml/2006/main">
   <p:cSld>
     <p:bg>
-      <p:bgPr shadeToTitle="0">
+      <p:bgPr>
         <a:solidFill>
           <a:srgbClr val="303038"/>
         </a:solidFill>
+        <a:effectLst/>
       </p:bgPr>
     </p:bg>
     <p:spTree>
@@ -16564,16 +16129,11 @@
             <a:r>
               <a:rPr lang="ko-KR" altLang="en-US" sz="2800" b="1">
                 <a:solidFill>
-                  <a:srgbClr val="15eeff"/>
+                  <a:srgbClr val="15EEFF"/>
                 </a:solidFill>
               </a:rPr>
               <a:t>화면정의</a:t>
             </a:r>
-            <a:endParaRPr lang="ko-KR" altLang="en-US" sz="2800" b="1">
-              <a:solidFill>
-                <a:srgbClr val="15eeff"/>
-              </a:solidFill>
-            </a:endParaRPr>
           </a:p>
         </p:txBody>
       </p:sp>
@@ -16616,15 +16176,6 @@
               </a:rPr>
               <a:t>멀티플렉스 영화관 관리 시스템</a:t>
             </a:r>
-            <a:endParaRPr lang="ko-KR" altLang="en-US" sz="1700" b="1" i="1">
-              <a:solidFill>
-                <a:prstClr val="white">
-                  <a:lumMod val="95000"/>
-                </a:prstClr>
-              </a:solidFill>
-              <a:latin typeface="KoPub돋움체 Bold"/>
-              <a:ea typeface="KoPub돋움체 Bold"/>
-            </a:endParaRPr>
           </a:p>
         </p:txBody>
       </p:sp>
@@ -16633,11 +16184,11 @@
   <p:clrMapOvr>
     <a:masterClrMapping/>
   </p:clrMapOvr>
-  <mc:AlternateContent xmlns:mc="http://schemas.openxmlformats.org/markup-compatibility/2006">
-    <mc:Choice xmlns:p14="http://schemas.microsoft.com/office/powerpoint/2010/main" Requires="p14">
-      <p:transition xmlns:mc="http://schemas.openxmlformats.org/markup-compatibility/2006" xmlns:p14="http://schemas.microsoft.com/office/powerpoint/2010/main" mc:Ignorable="p14" p14:dur="500"/>
+  <mc:AlternateContent xmlns:mc="http://schemas.openxmlformats.org/markup-compatibility/2006" xmlns:p14="http://schemas.microsoft.com/office/powerpoint/2010/main">
+    <mc:Choice Requires="p14">
+      <p:transition/>
     </mc:Choice>
-    <mc:Fallback>
+    <mc:Fallback xmlns:dsp="http://schemas.microsoft.com/office/drawing/2008/diagram" xmlns:dgm="http://schemas.openxmlformats.org/drawingml/2006/diagram" xmlns:c="http://schemas.openxmlformats.org/drawingml/2006/chart" xmlns="">
       <p:transition/>
     </mc:Fallback>
   </mc:AlternateContent>
@@ -17717,10 +17268,40 @@
     <mc:Choice Requires="p14">
       <p:transition/>
     </mc:Choice>
-    <mc:Fallback xmlns:dsp="http://schemas.microsoft.com/office/drawing/2008/diagram" xmlns:dgm="http://schemas.openxmlformats.org/drawingml/2006/diagram" xmlns:c="http://schemas.openxmlformats.org/drawingml/2006/chart" xmlns="">
+    <mc:Fallback xmlns="" xmlns:c="http://schemas.openxmlformats.org/drawingml/2006/chart" xmlns:dgm="http://schemas.openxmlformats.org/drawingml/2006/diagram" xmlns:dsp="http://schemas.microsoft.com/office/drawing/2008/diagram">
       <p:transition/>
     </mc:Fallback>
   </mc:AlternateContent>
+</p:sld>
+</file>
+
+<file path=ppt/slides/slide40.xml><?xml version="1.0" encoding="utf-8"?>
+<p:sld xmlns:a="http://schemas.openxmlformats.org/drawingml/2006/main" xmlns:r="http://schemas.openxmlformats.org/officeDocument/2006/relationships" xmlns:p="http://schemas.openxmlformats.org/presentationml/2006/main">
+  <p:cSld>
+    <p:spTree>
+      <p:nvGrpSpPr>
+        <p:cNvPr id="1" name=""/>
+        <p:cNvGrpSpPr/>
+        <p:nvPr/>
+      </p:nvGrpSpPr>
+      <p:grpSpPr>
+        <a:xfrm>
+          <a:off x="0" y="0"/>
+          <a:ext cx="0" cy="0"/>
+          <a:chOff x="0" y="0"/>
+          <a:chExt cx="0" cy="0"/>
+        </a:xfrm>
+      </p:grpSpPr>
+    </p:spTree>
+    <p:extLst>
+      <p:ext uri="{BB962C8B-B14F-4D97-AF65-F5344CB8AC3E}">
+        <p14:creationId xmlns:p14="http://schemas.microsoft.com/office/powerpoint/2010/main" val="4278071074"/>
+      </p:ext>
+    </p:extLst>
+  </p:cSld>
+  <p:clrMapOvr>
+    <a:masterClrMapping/>
+  </p:clrMapOvr>
 </p:sld>
 </file>
 
@@ -18430,6 +18011,26 @@
                   </a:srgbClr>
                 </a:solidFill>
               </a:rPr>
+              <a:t>등록</a:t>
+            </a:r>
+            <a:r>
+              <a:rPr lang="en-US" altLang="ko-KR" sz="1400" dirty="0">
+                <a:solidFill>
+                  <a:srgbClr val="E7E6E6">
+                    <a:lumMod val="90000"/>
+                  </a:srgbClr>
+                </a:solidFill>
+              </a:rPr>
+              <a:t>, </a:t>
+            </a:r>
+            <a:r>
+              <a:rPr lang="ko-KR" altLang="en-US" sz="1400" dirty="0">
+                <a:solidFill>
+                  <a:srgbClr val="E7E6E6">
+                    <a:lumMod val="90000"/>
+                  </a:srgbClr>
+                </a:solidFill>
+              </a:rPr>
               <a:t>수정</a:t>
             </a:r>
             <a:r>
@@ -18554,7 +18155,7 @@
     <mc:Choice Requires="p14">
       <p:transition/>
     </mc:Choice>
-    <mc:Fallback xmlns:dsp="http://schemas.microsoft.com/office/drawing/2008/diagram" xmlns:dgm="http://schemas.openxmlformats.org/drawingml/2006/diagram" xmlns:c="http://schemas.openxmlformats.org/drawingml/2006/chart" xmlns="">
+    <mc:Fallback xmlns="" xmlns:c="http://schemas.openxmlformats.org/drawingml/2006/chart" xmlns:dgm="http://schemas.openxmlformats.org/drawingml/2006/diagram" xmlns:dsp="http://schemas.microsoft.com/office/drawing/2008/diagram">
       <p:transition/>
     </mc:Fallback>
   </mc:AlternateContent>
@@ -19392,7 +18993,7 @@
     <mc:Choice Requires="p14">
       <p:transition/>
     </mc:Choice>
-    <mc:Fallback xmlns:dsp="http://schemas.microsoft.com/office/drawing/2008/diagram" xmlns:dgm="http://schemas.openxmlformats.org/drawingml/2006/diagram" xmlns:c="http://schemas.openxmlformats.org/drawingml/2006/chart" xmlns="">
+    <mc:Fallback xmlns="" xmlns:c="http://schemas.openxmlformats.org/drawingml/2006/chart" xmlns:dgm="http://schemas.openxmlformats.org/drawingml/2006/diagram" xmlns:dsp="http://schemas.microsoft.com/office/drawing/2008/diagram">
       <p:transition/>
     </mc:Fallback>
   </mc:AlternateContent>
@@ -20373,7 +19974,7 @@
     <mc:Choice Requires="p14">
       <p:transition/>
     </mc:Choice>
-    <mc:Fallback xmlns:dsp="http://schemas.microsoft.com/office/drawing/2008/diagram" xmlns:dgm="http://schemas.openxmlformats.org/drawingml/2006/diagram" xmlns:c="http://schemas.openxmlformats.org/drawingml/2006/chart" xmlns="">
+    <mc:Fallback xmlns="" xmlns:c="http://schemas.openxmlformats.org/drawingml/2006/chart" xmlns:dgm="http://schemas.openxmlformats.org/drawingml/2006/diagram" xmlns:dsp="http://schemas.microsoft.com/office/drawing/2008/diagram">
       <p:transition/>
     </mc:Fallback>
   </mc:AlternateContent>
@@ -20452,7 +20053,7 @@
     <mc:Choice Requires="p14">
       <p:transition/>
     </mc:Choice>
-    <mc:Fallback xmlns:dsp="http://schemas.microsoft.com/office/drawing/2008/diagram" xmlns:dgm="http://schemas.openxmlformats.org/drawingml/2006/diagram" xmlns:c="http://schemas.openxmlformats.org/drawingml/2006/chart" xmlns="">
+    <mc:Fallback xmlns="" xmlns:c="http://schemas.openxmlformats.org/drawingml/2006/chart" xmlns:dgm="http://schemas.openxmlformats.org/drawingml/2006/diagram" xmlns:dsp="http://schemas.microsoft.com/office/drawing/2008/diagram">
       <p:transition/>
     </mc:Fallback>
   </mc:AlternateContent>
@@ -20825,7 +20426,7 @@
     <mc:Choice Requires="p14">
       <p:transition/>
     </mc:Choice>
-    <mc:Fallback xmlns:dsp="http://schemas.microsoft.com/office/drawing/2008/diagram" xmlns:dgm="http://schemas.openxmlformats.org/drawingml/2006/diagram" xmlns:c="http://schemas.openxmlformats.org/drawingml/2006/chart" xmlns="">
+    <mc:Fallback xmlns="" xmlns:c="http://schemas.openxmlformats.org/drawingml/2006/chart" xmlns:dgm="http://schemas.openxmlformats.org/drawingml/2006/diagram" xmlns:dsp="http://schemas.microsoft.com/office/drawing/2008/diagram">
       <p:transition/>
     </mc:Fallback>
   </mc:AlternateContent>
@@ -20833,49 +20434,49 @@
 </file>
 
 <file path=ppt/theme/theme1.xml><?xml version="1.0" encoding="utf-8"?>
-<a:theme xmlns:r="http://schemas.openxmlformats.org/officeDocument/2006/relationships" xmlns:c="http://schemas.openxmlformats.org/drawingml/2006/chart" xmlns:dgm="http://schemas.openxmlformats.org/drawingml/2006/diagram" xmlns:dsp="http://schemas.microsoft.com/office/drawing/2008/diagram" xmlns:a="http://schemas.openxmlformats.org/drawingml/2006/main" xmlns:pic="http://schemas.openxmlformats.org/drawingml/2006/picture" xmlns:wp="http://schemas.openxmlformats.org/drawingml/2006/wordprocessingDrawing" xmlns:xdr="http://schemas.openxmlformats.org/drawingml/2006/spreadsheetDrawing" xmlns:p="http://schemas.openxmlformats.org/presentationml/2006/main" name="1_Office 테마">
+<a:theme xmlns:a="http://schemas.openxmlformats.org/drawingml/2006/main" name="1_Office 테마">
   <a:themeElements>
     <a:clrScheme name="Office">
       <a:dk1>
         <a:sysClr val="windowText" lastClr="000000"/>
       </a:dk1>
       <a:lt1>
-        <a:sysClr val="window" lastClr="ffffff"/>
+        <a:sysClr val="window" lastClr="FFFFFF"/>
       </a:lt1>
       <a:dk2>
-        <a:srgbClr val="44546a"/>
+        <a:srgbClr val="44546A"/>
       </a:dk2>
       <a:lt2>
-        <a:srgbClr val="e7e6e6"/>
+        <a:srgbClr val="E7E6E6"/>
       </a:lt2>
       <a:accent1>
-        <a:srgbClr val="5b9bd5"/>
+        <a:srgbClr val="5B9BD5"/>
       </a:accent1>
       <a:accent2>
-        <a:srgbClr val="ed7d31"/>
+        <a:srgbClr val="ED7D31"/>
       </a:accent2>
       <a:accent3>
-        <a:srgbClr val="a5a5a5"/>
+        <a:srgbClr val="A5A5A5"/>
       </a:accent3>
       <a:accent4>
-        <a:srgbClr val="ffc000"/>
+        <a:srgbClr val="FFC000"/>
       </a:accent4>
       <a:accent5>
-        <a:srgbClr val="4472c4"/>
+        <a:srgbClr val="4472C4"/>
       </a:accent5>
       <a:accent6>
-        <a:srgbClr val="70ad47"/>
+        <a:srgbClr val="70AD47"/>
       </a:accent6>
       <a:hlink>
-        <a:srgbClr val="0563c1"/>
+        <a:srgbClr val="0563C1"/>
       </a:hlink>
       <a:folHlink>
-        <a:srgbClr val="954f72"/>
+        <a:srgbClr val="954F72"/>
       </a:folHlink>
     </a:clrScheme>
     <a:fontScheme name="Office">
       <a:majorFont>
-        <a:latin typeface="맑은 고딕" panose="2147483647"/>
+        <a:latin typeface="맑은 고딕" panose="21474836470000000000"/>
         <a:ea typeface=""/>
         <a:cs typeface=""/>
         <a:font script="Jpan" typeface="MS PGothic"/>
@@ -20910,7 +20511,7 @@
         <a:font script="Geor" typeface="Sylfaen"/>
       </a:majorFont>
       <a:minorFont>
-        <a:latin typeface="맑은 고딕" panose="2147483647"/>
+        <a:latin typeface="맑은 고딕" panose="21474836470000000000"/>
         <a:ea typeface=""/>
         <a:cs typeface=""/>
         <a:font script="Jpan" typeface="MS PGothic"/>
@@ -21083,5 +20684,7 @@
       </a:bgFillStyleLst>
     </a:fmtScheme>
   </a:themeElements>
+  <a:objectDefaults/>
+  <a:extraClrSchemeLst/>
 </a:theme>
 </file>
--- a/개발문서/2조 개요, 요구사항, 메뉴구조도.pptx
+++ b/개발문서/2조 개요, 요구사항, 메뉴구조도.pptx
@@ -4,13 +4,16 @@
   <p:sldMasterIdLst>
     <p:sldMasterId id="2147483693" r:id="rId1"/>
   </p:sldMasterIdLst>
+  <p:notesMasterIdLst>
+    <p:notesMasterId r:id="rId53"/>
+  </p:notesMasterIdLst>
   <p:sldIdLst>
     <p:sldId id="256" r:id="rId2"/>
     <p:sldId id="257" r:id="rId3"/>
     <p:sldId id="294" r:id="rId4"/>
     <p:sldId id="297" r:id="rId5"/>
     <p:sldId id="300" r:id="rId6"/>
-    <p:sldId id="299" r:id="rId7"/>
+    <p:sldId id="309" r:id="rId7"/>
     <p:sldId id="296" r:id="rId8"/>
     <p:sldId id="295" r:id="rId9"/>
     <p:sldId id="301" r:id="rId10"/>
@@ -62,8 +65,8 @@
   <p:embeddedFontLst>
     <p:embeddedFont>
       <p:font typeface="맑은 고딕" panose="020B0503020000020004" pitchFamily="50" charset="-127"/>
-      <p:regular r:id="rId53"/>
-      <p:bold r:id="rId54"/>
+      <p:regular r:id="rId54"/>
+      <p:bold r:id="rId55"/>
     </p:embeddedFont>
   </p:embeddedFontLst>
   <p:defaultTextStyle>
@@ -178,6 +181,464 @@
     </p:ext>
   </p:extLst>
 </p:presentation>
+</file>
+
+<file path=ppt/notesMasters/notesMaster1.xml><?xml version="1.0" encoding="utf-8"?>
+<p:notesMaster xmlns:a="http://schemas.openxmlformats.org/drawingml/2006/main" xmlns:r="http://schemas.openxmlformats.org/officeDocument/2006/relationships" xmlns:p="http://schemas.openxmlformats.org/presentationml/2006/main">
+  <p:cSld>
+    <p:bg>
+      <p:bgRef idx="1001">
+        <a:schemeClr val="bg1"/>
+      </p:bgRef>
+    </p:bg>
+    <p:spTree>
+      <p:nvGrpSpPr>
+        <p:cNvPr id="1" name=""/>
+        <p:cNvGrpSpPr/>
+        <p:nvPr/>
+      </p:nvGrpSpPr>
+      <p:grpSpPr>
+        <a:xfrm>
+          <a:off x="0" y="0"/>
+          <a:ext cx="0" cy="0"/>
+          <a:chOff x="0" y="0"/>
+          <a:chExt cx="0" cy="0"/>
+        </a:xfrm>
+      </p:grpSpPr>
+      <p:sp>
+        <p:nvSpPr>
+          <p:cNvPr id="2" name="머리글 개체 틀 1"/>
+          <p:cNvSpPr>
+            <a:spLocks noGrp="1"/>
+          </p:cNvSpPr>
+          <p:nvPr>
+            <p:ph type="hdr" sz="quarter"/>
+          </p:nvPr>
+        </p:nvSpPr>
+        <p:spPr>
+          <a:xfrm>
+            <a:off x="0" y="0"/>
+            <a:ext cx="2971800" cy="458788"/>
+          </a:xfrm>
+          <a:prstGeom prst="rect">
+            <a:avLst/>
+          </a:prstGeom>
+        </p:spPr>
+        <p:txBody>
+          <a:bodyPr vert="horz" lIns="91440" tIns="45720" rIns="91440" bIns="45720" rtlCol="0"/>
+          <a:lstStyle>
+            <a:lvl1pPr algn="l">
+              <a:defRPr sz="1200"/>
+            </a:lvl1pPr>
+          </a:lstStyle>
+          <a:p>
+            <a:endParaRPr lang="ko-KR" altLang="en-US"/>
+          </a:p>
+        </p:txBody>
+      </p:sp>
+      <p:sp>
+        <p:nvSpPr>
+          <p:cNvPr id="3" name="날짜 개체 틀 2"/>
+          <p:cNvSpPr>
+            <a:spLocks noGrp="1"/>
+          </p:cNvSpPr>
+          <p:nvPr>
+            <p:ph type="dt" idx="1"/>
+          </p:nvPr>
+        </p:nvSpPr>
+        <p:spPr>
+          <a:xfrm>
+            <a:off x="3884613" y="0"/>
+            <a:ext cx="2971800" cy="458788"/>
+          </a:xfrm>
+          <a:prstGeom prst="rect">
+            <a:avLst/>
+          </a:prstGeom>
+        </p:spPr>
+        <p:txBody>
+          <a:bodyPr vert="horz" lIns="91440" tIns="45720" rIns="91440" bIns="45720" rtlCol="0"/>
+          <a:lstStyle>
+            <a:lvl1pPr algn="r">
+              <a:defRPr sz="1200"/>
+            </a:lvl1pPr>
+          </a:lstStyle>
+          <a:p>
+            <a:fld id="{BB8D7A32-3FBA-4CC2-AFC2-F0B3987AD6EA}" type="datetimeFigureOut">
+              <a:rPr lang="ko-KR" altLang="en-US" smtClean="0"/>
+              <a:t>2020-01-30</a:t>
+            </a:fld>
+            <a:endParaRPr lang="ko-KR" altLang="en-US"/>
+          </a:p>
+        </p:txBody>
+      </p:sp>
+      <p:sp>
+        <p:nvSpPr>
+          <p:cNvPr id="4" name="슬라이드 이미지 개체 틀 3"/>
+          <p:cNvSpPr>
+            <a:spLocks noGrp="1" noRot="1" noChangeAspect="1"/>
+          </p:cNvSpPr>
+          <p:nvPr>
+            <p:ph type="sldImg" idx="2"/>
+          </p:nvPr>
+        </p:nvSpPr>
+        <p:spPr>
+          <a:xfrm>
+            <a:off x="685800" y="1143000"/>
+            <a:ext cx="5486400" cy="3086100"/>
+          </a:xfrm>
+          <a:prstGeom prst="rect">
+            <a:avLst/>
+          </a:prstGeom>
+          <a:noFill/>
+          <a:ln w="12700">
+            <a:solidFill>
+              <a:prstClr val="black"/>
+            </a:solidFill>
+          </a:ln>
+        </p:spPr>
+        <p:txBody>
+          <a:bodyPr vert="horz" lIns="91440" tIns="45720" rIns="91440" bIns="45720" rtlCol="0" anchor="ctr"/>
+          <a:lstStyle/>
+          <a:p>
+            <a:endParaRPr lang="ko-KR" altLang="en-US"/>
+          </a:p>
+        </p:txBody>
+      </p:sp>
+      <p:sp>
+        <p:nvSpPr>
+          <p:cNvPr id="5" name="슬라이드 노트 개체 틀 4"/>
+          <p:cNvSpPr>
+            <a:spLocks noGrp="1"/>
+          </p:cNvSpPr>
+          <p:nvPr>
+            <p:ph type="body" sz="quarter" idx="3"/>
+          </p:nvPr>
+        </p:nvSpPr>
+        <p:spPr>
+          <a:xfrm>
+            <a:off x="685800" y="4400550"/>
+            <a:ext cx="5486400" cy="3600450"/>
+          </a:xfrm>
+          <a:prstGeom prst="rect">
+            <a:avLst/>
+          </a:prstGeom>
+        </p:spPr>
+        <p:txBody>
+          <a:bodyPr vert="horz" lIns="91440" tIns="45720" rIns="91440" bIns="45720" rtlCol="0"/>
+          <a:lstStyle/>
+          <a:p>
+            <a:pPr lvl="0"/>
+            <a:r>
+              <a:rPr lang="ko-KR" altLang="en-US"/>
+              <a:t>마스터 텍스트 스타일을 편집하려면 클릭</a:t>
+            </a:r>
+          </a:p>
+          <a:p>
+            <a:pPr lvl="1"/>
+            <a:r>
+              <a:rPr lang="ko-KR" altLang="en-US"/>
+              <a:t>두 번째 수준</a:t>
+            </a:r>
+          </a:p>
+          <a:p>
+            <a:pPr lvl="2"/>
+            <a:r>
+              <a:rPr lang="ko-KR" altLang="en-US"/>
+              <a:t>세 번째 수준</a:t>
+            </a:r>
+          </a:p>
+          <a:p>
+            <a:pPr lvl="3"/>
+            <a:r>
+              <a:rPr lang="ko-KR" altLang="en-US"/>
+              <a:t>네 번째 수준</a:t>
+            </a:r>
+          </a:p>
+          <a:p>
+            <a:pPr lvl="4"/>
+            <a:r>
+              <a:rPr lang="ko-KR" altLang="en-US"/>
+              <a:t>다섯 번째 수준</a:t>
+            </a:r>
+          </a:p>
+        </p:txBody>
+      </p:sp>
+      <p:sp>
+        <p:nvSpPr>
+          <p:cNvPr id="6" name="바닥글 개체 틀 5"/>
+          <p:cNvSpPr>
+            <a:spLocks noGrp="1"/>
+          </p:cNvSpPr>
+          <p:nvPr>
+            <p:ph type="ftr" sz="quarter" idx="4"/>
+          </p:nvPr>
+        </p:nvSpPr>
+        <p:spPr>
+          <a:xfrm>
+            <a:off x="0" y="8685213"/>
+            <a:ext cx="2971800" cy="458787"/>
+          </a:xfrm>
+          <a:prstGeom prst="rect">
+            <a:avLst/>
+          </a:prstGeom>
+        </p:spPr>
+        <p:txBody>
+          <a:bodyPr vert="horz" lIns="91440" tIns="45720" rIns="91440" bIns="45720" rtlCol="0" anchor="b"/>
+          <a:lstStyle>
+            <a:lvl1pPr algn="l">
+              <a:defRPr sz="1200"/>
+            </a:lvl1pPr>
+          </a:lstStyle>
+          <a:p>
+            <a:endParaRPr lang="ko-KR" altLang="en-US"/>
+          </a:p>
+        </p:txBody>
+      </p:sp>
+      <p:sp>
+        <p:nvSpPr>
+          <p:cNvPr id="7" name="슬라이드 번호 개체 틀 6"/>
+          <p:cNvSpPr>
+            <a:spLocks noGrp="1"/>
+          </p:cNvSpPr>
+          <p:nvPr>
+            <p:ph type="sldNum" sz="quarter" idx="5"/>
+          </p:nvPr>
+        </p:nvSpPr>
+        <p:spPr>
+          <a:xfrm>
+            <a:off x="3884613" y="8685213"/>
+            <a:ext cx="2971800" cy="458787"/>
+          </a:xfrm>
+          <a:prstGeom prst="rect">
+            <a:avLst/>
+          </a:prstGeom>
+        </p:spPr>
+        <p:txBody>
+          <a:bodyPr vert="horz" lIns="91440" tIns="45720" rIns="91440" bIns="45720" rtlCol="0" anchor="b"/>
+          <a:lstStyle>
+            <a:lvl1pPr algn="r">
+              <a:defRPr sz="1200"/>
+            </a:lvl1pPr>
+          </a:lstStyle>
+          <a:p>
+            <a:fld id="{626BCBE2-BCE0-4009-857A-6FDF1F195BDB}" type="slidenum">
+              <a:rPr lang="ko-KR" altLang="en-US" smtClean="0"/>
+              <a:t>‹#›</a:t>
+            </a:fld>
+            <a:endParaRPr lang="ko-KR" altLang="en-US"/>
+          </a:p>
+        </p:txBody>
+      </p:sp>
+    </p:spTree>
+    <p:extLst>
+      <p:ext uri="{BB962C8B-B14F-4D97-AF65-F5344CB8AC3E}">
+        <p14:creationId xmlns:p14="http://schemas.microsoft.com/office/powerpoint/2010/main" val="1018459811"/>
+      </p:ext>
+    </p:extLst>
+  </p:cSld>
+  <p:clrMap bg1="lt1" tx1="dk1" bg2="lt2" tx2="dk2" accent1="accent1" accent2="accent2" accent3="accent3" accent4="accent4" accent5="accent5" accent6="accent6" hlink="hlink" folHlink="folHlink"/>
+  <p:notesStyle>
+    <a:lvl1pPr marL="0" algn="l" defTabSz="914400" rtl="0" eaLnBrk="1" latinLnBrk="1" hangingPunct="1">
+      <a:defRPr sz="1200" kern="1200">
+        <a:solidFill>
+          <a:schemeClr val="tx1"/>
+        </a:solidFill>
+        <a:latin typeface="+mn-lt"/>
+        <a:ea typeface="+mn-ea"/>
+        <a:cs typeface="+mn-cs"/>
+      </a:defRPr>
+    </a:lvl1pPr>
+    <a:lvl2pPr marL="457200" algn="l" defTabSz="914400" rtl="0" eaLnBrk="1" latinLnBrk="1" hangingPunct="1">
+      <a:defRPr sz="1200" kern="1200">
+        <a:solidFill>
+          <a:schemeClr val="tx1"/>
+        </a:solidFill>
+        <a:latin typeface="+mn-lt"/>
+        <a:ea typeface="+mn-ea"/>
+        <a:cs typeface="+mn-cs"/>
+      </a:defRPr>
+    </a:lvl2pPr>
+    <a:lvl3pPr marL="914400" algn="l" defTabSz="914400" rtl="0" eaLnBrk="1" latinLnBrk="1" hangingPunct="1">
+      <a:defRPr sz="1200" kern="1200">
+        <a:solidFill>
+          <a:schemeClr val="tx1"/>
+        </a:solidFill>
+        <a:latin typeface="+mn-lt"/>
+        <a:ea typeface="+mn-ea"/>
+        <a:cs typeface="+mn-cs"/>
+      </a:defRPr>
+    </a:lvl3pPr>
+    <a:lvl4pPr marL="1371600" algn="l" defTabSz="914400" rtl="0" eaLnBrk="1" latinLnBrk="1" hangingPunct="1">
+      <a:defRPr sz="1200" kern="1200">
+        <a:solidFill>
+          <a:schemeClr val="tx1"/>
+        </a:solidFill>
+        <a:latin typeface="+mn-lt"/>
+        <a:ea typeface="+mn-ea"/>
+        <a:cs typeface="+mn-cs"/>
+      </a:defRPr>
+    </a:lvl4pPr>
+    <a:lvl5pPr marL="1828800" algn="l" defTabSz="914400" rtl="0" eaLnBrk="1" latinLnBrk="1" hangingPunct="1">
+      <a:defRPr sz="1200" kern="1200">
+        <a:solidFill>
+          <a:schemeClr val="tx1"/>
+        </a:solidFill>
+        <a:latin typeface="+mn-lt"/>
+        <a:ea typeface="+mn-ea"/>
+        <a:cs typeface="+mn-cs"/>
+      </a:defRPr>
+    </a:lvl5pPr>
+    <a:lvl6pPr marL="2286000" algn="l" defTabSz="914400" rtl="0" eaLnBrk="1" latinLnBrk="1" hangingPunct="1">
+      <a:defRPr sz="1200" kern="1200">
+        <a:solidFill>
+          <a:schemeClr val="tx1"/>
+        </a:solidFill>
+        <a:latin typeface="+mn-lt"/>
+        <a:ea typeface="+mn-ea"/>
+        <a:cs typeface="+mn-cs"/>
+      </a:defRPr>
+    </a:lvl6pPr>
+    <a:lvl7pPr marL="2743200" algn="l" defTabSz="914400" rtl="0" eaLnBrk="1" latinLnBrk="1" hangingPunct="1">
+      <a:defRPr sz="1200" kern="1200">
+        <a:solidFill>
+          <a:schemeClr val="tx1"/>
+        </a:solidFill>
+        <a:latin typeface="+mn-lt"/>
+        <a:ea typeface="+mn-ea"/>
+        <a:cs typeface="+mn-cs"/>
+      </a:defRPr>
+    </a:lvl7pPr>
+    <a:lvl8pPr marL="3200400" algn="l" defTabSz="914400" rtl="0" eaLnBrk="1" latinLnBrk="1" hangingPunct="1">
+      <a:defRPr sz="1200" kern="1200">
+        <a:solidFill>
+          <a:schemeClr val="tx1"/>
+        </a:solidFill>
+        <a:latin typeface="+mn-lt"/>
+        <a:ea typeface="+mn-ea"/>
+        <a:cs typeface="+mn-cs"/>
+      </a:defRPr>
+    </a:lvl8pPr>
+    <a:lvl9pPr marL="3657600" algn="l" defTabSz="914400" rtl="0" eaLnBrk="1" latinLnBrk="1" hangingPunct="1">
+      <a:defRPr sz="1200" kern="1200">
+        <a:solidFill>
+          <a:schemeClr val="tx1"/>
+        </a:solidFill>
+        <a:latin typeface="+mn-lt"/>
+        <a:ea typeface="+mn-ea"/>
+        <a:cs typeface="+mn-cs"/>
+      </a:defRPr>
+    </a:lvl9pPr>
+  </p:notesStyle>
+</p:notesMaster>
+</file>
+
+<file path=ppt/notesSlides/notesSlide1.xml><?xml version="1.0" encoding="utf-8"?>
+<p:notes xmlns:a="http://schemas.openxmlformats.org/drawingml/2006/main" xmlns:r="http://schemas.openxmlformats.org/officeDocument/2006/relationships" xmlns:p="http://schemas.openxmlformats.org/presentationml/2006/main" showMasterSp="0" showMasterPhAnim="0">
+  <p:cSld>
+    <p:spTree>
+      <p:nvGrpSpPr>
+        <p:cNvPr id="1" name="Shape 50"/>
+        <p:cNvGrpSpPr/>
+        <p:nvPr/>
+      </p:nvGrpSpPr>
+      <p:grpSpPr>
+        <a:xfrm>
+          <a:off x="0" y="0"/>
+          <a:ext cx="0" cy="0"/>
+          <a:chOff x="0" y="0"/>
+          <a:chExt cx="0" cy="0"/>
+        </a:xfrm>
+      </p:grpSpPr>
+      <p:sp>
+        <p:nvSpPr>
+          <p:cNvPr id="51" name="Google Shape;51;p:notes"/>
+          <p:cNvSpPr>
+            <a:spLocks noGrp="1" noRot="1" noChangeAspect="1"/>
+          </p:cNvSpPr>
+          <p:nvPr>
+            <p:ph type="sldImg" idx="2"/>
+          </p:nvPr>
+        </p:nvSpPr>
+        <p:spPr>
+          <a:xfrm>
+            <a:off x="381000" y="685800"/>
+            <a:ext cx="6096000" cy="3429000"/>
+          </a:xfrm>
+          <a:custGeom>
+            <a:avLst/>
+            <a:gdLst/>
+            <a:ahLst/>
+            <a:cxnLst/>
+            <a:rect l="l" t="t" r="r" b="b"/>
+            <a:pathLst>
+              <a:path w="120000" h="120000" extrusionOk="0">
+                <a:moveTo>
+                  <a:pt x="0" y="0"/>
+                </a:moveTo>
+                <a:lnTo>
+                  <a:pt x="120000" y="0"/>
+                </a:lnTo>
+                <a:lnTo>
+                  <a:pt x="120000" y="120000"/>
+                </a:lnTo>
+                <a:lnTo>
+                  <a:pt x="0" y="120000"/>
+                </a:lnTo>
+                <a:close/>
+              </a:path>
+            </a:pathLst>
+          </a:custGeom>
+        </p:spPr>
+      </p:sp>
+      <p:sp>
+        <p:nvSpPr>
+          <p:cNvPr id="52" name="Google Shape;52;p:notes"/>
+          <p:cNvSpPr txBox="1">
+            <a:spLocks noGrp="1"/>
+          </p:cNvSpPr>
+          <p:nvPr>
+            <p:ph type="body" idx="1"/>
+          </p:nvPr>
+        </p:nvSpPr>
+        <p:spPr>
+          <a:xfrm>
+            <a:off x="685800" y="4343400"/>
+            <a:ext cx="5486400" cy="4114800"/>
+          </a:xfrm>
+          <a:prstGeom prst="rect">
+            <a:avLst/>
+          </a:prstGeom>
+        </p:spPr>
+        <p:txBody>
+          <a:bodyPr spcFirstLastPara="1" wrap="square" lIns="91425" tIns="91425" rIns="91425" bIns="91425" anchor="t" anchorCtr="0">
+            <a:noAutofit/>
+          </a:bodyPr>
+          <a:lstStyle/>
+          <a:p>
+            <a:pPr marL="0" lvl="0" indent="0" algn="l" rtl="0">
+              <a:spcBef>
+                <a:spcPts val="0"/>
+              </a:spcBef>
+              <a:spcAft>
+                <a:spcPts val="0"/>
+              </a:spcAft>
+              <a:buNone/>
+            </a:pPr>
+            <a:endParaRPr/>
+          </a:p>
+        </p:txBody>
+      </p:sp>
+    </p:spTree>
+    <p:extLst>
+      <p:ext uri="{BB962C8B-B14F-4D97-AF65-F5344CB8AC3E}">
+        <p14:creationId xmlns:p14="http://schemas.microsoft.com/office/powerpoint/2010/main" val="1315277146"/>
+      </p:ext>
+    </p:extLst>
+  </p:cSld>
+  <p:clrMapOvr>
+    <a:masterClrMapping/>
+  </p:clrMapOvr>
+</p:notes>
 </file>
 
 <file path=ppt/slideLayouts/slideLayout1.xml><?xml version="1.0" encoding="utf-8"?>
@@ -3592,7 +4053,7 @@
     <mc:Choice Requires="p14">
       <p:transition/>
     </mc:Choice>
-    <mc:Fallback xmlns:dsp="http://schemas.microsoft.com/office/drawing/2008/diagram" xmlns:dgm="http://schemas.openxmlformats.org/drawingml/2006/diagram" xmlns:c="http://schemas.openxmlformats.org/drawingml/2006/chart" xmlns="">
+    <mc:Fallback xmlns="" xmlns:c="http://schemas.openxmlformats.org/drawingml/2006/chart" xmlns:dgm="http://schemas.openxmlformats.org/drawingml/2006/diagram" xmlns:dsp="http://schemas.microsoft.com/office/drawing/2008/diagram">
       <p:transition/>
     </mc:Fallback>
   </mc:AlternateContent>
@@ -4512,7 +4973,7 @@
     <mc:Choice Requires="p14">
       <p:transition/>
     </mc:Choice>
-    <mc:Fallback xmlns:dsp="http://schemas.microsoft.com/office/drawing/2008/diagram" xmlns:dgm="http://schemas.openxmlformats.org/drawingml/2006/diagram" xmlns:c="http://schemas.openxmlformats.org/drawingml/2006/chart" xmlns="">
+    <mc:Fallback xmlns="" xmlns:c="http://schemas.openxmlformats.org/drawingml/2006/chart" xmlns:dgm="http://schemas.openxmlformats.org/drawingml/2006/diagram" xmlns:dsp="http://schemas.microsoft.com/office/drawing/2008/diagram">
       <p:transition/>
     </mc:Fallback>
   </mc:AlternateContent>
@@ -4643,7 +5104,7 @@
     <mc:Choice Requires="p14">
       <p:transition/>
     </mc:Choice>
-    <mc:Fallback xmlns="" xmlns:c="http://schemas.openxmlformats.org/drawingml/2006/chart" xmlns:dgm="http://schemas.openxmlformats.org/drawingml/2006/diagram" xmlns:dsp="http://schemas.microsoft.com/office/drawing/2008/diagram">
+    <mc:Fallback xmlns:dsp="http://schemas.microsoft.com/office/drawing/2008/diagram" xmlns:dgm="http://schemas.openxmlformats.org/drawingml/2006/diagram" xmlns:c="http://schemas.openxmlformats.org/drawingml/2006/chart" xmlns="">
       <p:transition/>
     </mc:Fallback>
   </mc:AlternateContent>
@@ -4719,7 +5180,7 @@
     <mc:Choice Requires="p14">
       <p:transition/>
     </mc:Choice>
-    <mc:Fallback xmlns:dsp="http://schemas.microsoft.com/office/drawing/2008/diagram" xmlns:dgm="http://schemas.openxmlformats.org/drawingml/2006/diagram" xmlns:c="http://schemas.openxmlformats.org/drawingml/2006/chart" xmlns="">
+    <mc:Fallback xmlns="" xmlns:c="http://schemas.openxmlformats.org/drawingml/2006/chart" xmlns:dgm="http://schemas.openxmlformats.org/drawingml/2006/diagram" xmlns:dsp="http://schemas.microsoft.com/office/drawing/2008/diagram">
       <p:transition/>
     </mc:Fallback>
   </mc:AlternateContent>
@@ -4795,7 +5256,7 @@
     <mc:Choice Requires="p14">
       <p:transition/>
     </mc:Choice>
-    <mc:Fallback xmlns:dsp="http://schemas.microsoft.com/office/drawing/2008/diagram" xmlns:dgm="http://schemas.openxmlformats.org/drawingml/2006/diagram" xmlns:c="http://schemas.openxmlformats.org/drawingml/2006/chart" xmlns="">
+    <mc:Fallback xmlns="" xmlns:c="http://schemas.openxmlformats.org/drawingml/2006/chart" xmlns:dgm="http://schemas.openxmlformats.org/drawingml/2006/diagram" xmlns:dsp="http://schemas.microsoft.com/office/drawing/2008/diagram">
       <p:transition/>
     </mc:Fallback>
   </mc:AlternateContent>
@@ -4871,7 +5332,7 @@
     <mc:Choice Requires="p14">
       <p:transition/>
     </mc:Choice>
-    <mc:Fallback xmlns:dsp="http://schemas.microsoft.com/office/drawing/2008/diagram" xmlns:dgm="http://schemas.openxmlformats.org/drawingml/2006/diagram" xmlns:c="http://schemas.openxmlformats.org/drawingml/2006/chart" xmlns="">
+    <mc:Fallback xmlns="" xmlns:c="http://schemas.openxmlformats.org/drawingml/2006/chart" xmlns:dgm="http://schemas.openxmlformats.org/drawingml/2006/diagram" xmlns:dsp="http://schemas.microsoft.com/office/drawing/2008/diagram">
       <p:transition/>
     </mc:Fallback>
   </mc:AlternateContent>
@@ -4950,7 +5411,7 @@
     <mc:Choice Requires="p14">
       <p:transition/>
     </mc:Choice>
-    <mc:Fallback xmlns:dsp="http://schemas.microsoft.com/office/drawing/2008/diagram" xmlns:dgm="http://schemas.openxmlformats.org/drawingml/2006/diagram" xmlns:c="http://schemas.openxmlformats.org/drawingml/2006/chart" xmlns="">
+    <mc:Fallback xmlns="" xmlns:c="http://schemas.openxmlformats.org/drawingml/2006/chart" xmlns:dgm="http://schemas.openxmlformats.org/drawingml/2006/diagram" xmlns:dsp="http://schemas.microsoft.com/office/drawing/2008/diagram">
       <p:transition/>
     </mc:Fallback>
   </mc:AlternateContent>
@@ -6035,7 +6496,7 @@
     <mc:Choice Requires="p14">
       <p:transition/>
     </mc:Choice>
-    <mc:Fallback xmlns:dsp="http://schemas.microsoft.com/office/drawing/2008/diagram" xmlns:dgm="http://schemas.openxmlformats.org/drawingml/2006/diagram" xmlns:c="http://schemas.openxmlformats.org/drawingml/2006/chart" xmlns="">
+    <mc:Fallback xmlns="" xmlns:c="http://schemas.openxmlformats.org/drawingml/2006/chart" xmlns:dgm="http://schemas.openxmlformats.org/drawingml/2006/diagram" xmlns:dsp="http://schemas.microsoft.com/office/drawing/2008/diagram">
       <p:transition/>
     </mc:Fallback>
   </mc:AlternateContent>
@@ -6892,7 +7353,7 @@
     <mc:Choice Requires="p14">
       <p:transition/>
     </mc:Choice>
-    <mc:Fallback xmlns:dsp="http://schemas.microsoft.com/office/drawing/2008/diagram" xmlns:dgm="http://schemas.openxmlformats.org/drawingml/2006/diagram" xmlns:c="http://schemas.openxmlformats.org/drawingml/2006/chart" xmlns="">
+    <mc:Fallback xmlns="" xmlns:c="http://schemas.openxmlformats.org/drawingml/2006/chart" xmlns:dgm="http://schemas.openxmlformats.org/drawingml/2006/diagram" xmlns:dsp="http://schemas.microsoft.com/office/drawing/2008/diagram">
       <p:transition/>
     </mc:Fallback>
   </mc:AlternateContent>
@@ -7730,7 +8191,7 @@
     <mc:Choice Requires="p14">
       <p:transition/>
     </mc:Choice>
-    <mc:Fallback xmlns:dsp="http://schemas.microsoft.com/office/drawing/2008/diagram" xmlns:dgm="http://schemas.openxmlformats.org/drawingml/2006/diagram" xmlns:c="http://schemas.openxmlformats.org/drawingml/2006/chart" xmlns="">
+    <mc:Fallback xmlns="" xmlns:c="http://schemas.openxmlformats.org/drawingml/2006/chart" xmlns:dgm="http://schemas.openxmlformats.org/drawingml/2006/diagram" xmlns:dsp="http://schemas.microsoft.com/office/drawing/2008/diagram">
       <p:transition/>
     </mc:Fallback>
   </mc:AlternateContent>
@@ -8711,7 +9172,7 @@
     <mc:Choice Requires="p14">
       <p:transition/>
     </mc:Choice>
-    <mc:Fallback xmlns:dsp="http://schemas.microsoft.com/office/drawing/2008/diagram" xmlns:dgm="http://schemas.openxmlformats.org/drawingml/2006/diagram" xmlns:c="http://schemas.openxmlformats.org/drawingml/2006/chart" xmlns="">
+    <mc:Fallback xmlns="" xmlns:c="http://schemas.openxmlformats.org/drawingml/2006/chart" xmlns:dgm="http://schemas.openxmlformats.org/drawingml/2006/diagram" xmlns:dsp="http://schemas.microsoft.com/office/drawing/2008/diagram">
       <p:transition/>
     </mc:Fallback>
   </mc:AlternateContent>
@@ -8952,7 +9413,7 @@
     <mc:Choice Requires="p14">
       <p:transition/>
     </mc:Choice>
-    <mc:Fallback xmlns:dsp="http://schemas.microsoft.com/office/drawing/2008/diagram" xmlns:dgm="http://schemas.openxmlformats.org/drawingml/2006/diagram" xmlns:c="http://schemas.openxmlformats.org/drawingml/2006/chart" xmlns="">
+    <mc:Fallback xmlns="" xmlns:c="http://schemas.openxmlformats.org/drawingml/2006/chart" xmlns:dgm="http://schemas.openxmlformats.org/drawingml/2006/diagram" xmlns:dsp="http://schemas.microsoft.com/office/drawing/2008/diagram">
       <p:transition/>
     </mc:Fallback>
   </mc:AlternateContent>
@@ -9031,7 +9492,7 @@
     <mc:Choice Requires="p14">
       <p:transition/>
     </mc:Choice>
-    <mc:Fallback xmlns:dsp="http://schemas.microsoft.com/office/drawing/2008/diagram" xmlns:dgm="http://schemas.openxmlformats.org/drawingml/2006/diagram" xmlns:c="http://schemas.openxmlformats.org/drawingml/2006/chart" xmlns="">
+    <mc:Fallback xmlns="" xmlns:c="http://schemas.openxmlformats.org/drawingml/2006/chart" xmlns:dgm="http://schemas.openxmlformats.org/drawingml/2006/diagram" xmlns:dsp="http://schemas.microsoft.com/office/drawing/2008/diagram">
       <p:transition/>
     </mc:Fallback>
   </mc:AlternateContent>
@@ -9404,7 +9865,7 @@
     <mc:Choice Requires="p14">
       <p:transition/>
     </mc:Choice>
-    <mc:Fallback xmlns:dsp="http://schemas.microsoft.com/office/drawing/2008/diagram" xmlns:dgm="http://schemas.openxmlformats.org/drawingml/2006/diagram" xmlns:c="http://schemas.openxmlformats.org/drawingml/2006/chart" xmlns="">
+    <mc:Fallback xmlns="" xmlns:c="http://schemas.openxmlformats.org/drawingml/2006/chart" xmlns:dgm="http://schemas.openxmlformats.org/drawingml/2006/diagram" xmlns:dsp="http://schemas.microsoft.com/office/drawing/2008/diagram">
       <p:transition/>
     </mc:Fallback>
   </mc:AlternateContent>
@@ -10785,7 +11246,7 @@
     <mc:Choice Requires="p14">
       <p:transition/>
     </mc:Choice>
-    <mc:Fallback xmlns:dsp="http://schemas.microsoft.com/office/drawing/2008/diagram" xmlns:dgm="http://schemas.openxmlformats.org/drawingml/2006/diagram" xmlns:c="http://schemas.openxmlformats.org/drawingml/2006/chart" xmlns="">
+    <mc:Fallback xmlns="" xmlns:c="http://schemas.openxmlformats.org/drawingml/2006/chart" xmlns:dgm="http://schemas.openxmlformats.org/drawingml/2006/diagram" xmlns:dsp="http://schemas.microsoft.com/office/drawing/2008/diagram">
       <p:transition/>
     </mc:Fallback>
   </mc:AlternateContent>
@@ -11869,7 +12330,7 @@
     <mc:Choice Requires="p14">
       <p:transition/>
     </mc:Choice>
-    <mc:Fallback xmlns:dsp="http://schemas.microsoft.com/office/drawing/2008/diagram" xmlns:dgm="http://schemas.openxmlformats.org/drawingml/2006/diagram" xmlns:c="http://schemas.openxmlformats.org/drawingml/2006/chart" xmlns="">
+    <mc:Fallback xmlns="" xmlns:c="http://schemas.openxmlformats.org/drawingml/2006/chart" xmlns:dgm="http://schemas.openxmlformats.org/drawingml/2006/diagram" xmlns:dsp="http://schemas.microsoft.com/office/drawing/2008/diagram">
       <p:transition/>
     </mc:Fallback>
   </mc:AlternateContent>
@@ -12479,7 +12940,7 @@
     <mc:Choice Requires="p14">
       <p:transition/>
     </mc:Choice>
-    <mc:Fallback xmlns:dsp="http://schemas.microsoft.com/office/drawing/2008/diagram" xmlns:dgm="http://schemas.openxmlformats.org/drawingml/2006/diagram" xmlns:c="http://schemas.openxmlformats.org/drawingml/2006/chart" xmlns="">
+    <mc:Fallback xmlns="" xmlns:c="http://schemas.openxmlformats.org/drawingml/2006/chart" xmlns:dgm="http://schemas.openxmlformats.org/drawingml/2006/diagram" xmlns:dsp="http://schemas.microsoft.com/office/drawing/2008/diagram">
       <p:transition/>
     </mc:Fallback>
   </mc:AlternateContent>
@@ -13332,7 +13793,7 @@
     <mc:Choice Requires="p14">
       <p:transition/>
     </mc:Choice>
-    <mc:Fallback xmlns:dsp="http://schemas.microsoft.com/office/drawing/2008/diagram" xmlns:dgm="http://schemas.openxmlformats.org/drawingml/2006/diagram" xmlns:c="http://schemas.openxmlformats.org/drawingml/2006/chart" xmlns="">
+    <mc:Fallback xmlns="" xmlns:c="http://schemas.openxmlformats.org/drawingml/2006/chart" xmlns:dgm="http://schemas.openxmlformats.org/drawingml/2006/diagram" xmlns:dsp="http://schemas.microsoft.com/office/drawing/2008/diagram">
       <p:transition/>
     </mc:Fallback>
   </mc:AlternateContent>
@@ -14003,7 +14464,7 @@
     <mc:Choice Requires="p14">
       <p:transition/>
     </mc:Choice>
-    <mc:Fallback xmlns:dsp="http://schemas.microsoft.com/office/drawing/2008/diagram" xmlns:dgm="http://schemas.openxmlformats.org/drawingml/2006/diagram" xmlns:c="http://schemas.openxmlformats.org/drawingml/2006/chart" xmlns="">
+    <mc:Fallback xmlns="" xmlns:c="http://schemas.openxmlformats.org/drawingml/2006/chart" xmlns:dgm="http://schemas.openxmlformats.org/drawingml/2006/diagram" xmlns:dsp="http://schemas.microsoft.com/office/drawing/2008/diagram">
       <p:transition/>
     </mc:Fallback>
   </mc:AlternateContent>
@@ -14515,7 +14976,7 @@
     <mc:Choice Requires="p14">
       <p:transition/>
     </mc:Choice>
-    <mc:Fallback xmlns:dsp="http://schemas.microsoft.com/office/drawing/2008/diagram" xmlns:dgm="http://schemas.openxmlformats.org/drawingml/2006/diagram" xmlns:c="http://schemas.openxmlformats.org/drawingml/2006/chart" xmlns="">
+    <mc:Fallback xmlns="" xmlns:c="http://schemas.openxmlformats.org/drawingml/2006/chart" xmlns:dgm="http://schemas.openxmlformats.org/drawingml/2006/diagram" xmlns:dsp="http://schemas.microsoft.com/office/drawing/2008/diagram">
       <p:transition/>
     </mc:Fallback>
   </mc:AlternateContent>
@@ -15386,7 +15847,7 @@
     <mc:Choice Requires="p14">
       <p:transition/>
     </mc:Choice>
-    <mc:Fallback xmlns:dsp="http://schemas.microsoft.com/office/drawing/2008/diagram" xmlns:dgm="http://schemas.openxmlformats.org/drawingml/2006/diagram" xmlns:c="http://schemas.openxmlformats.org/drawingml/2006/chart" xmlns="">
+    <mc:Fallback xmlns="" xmlns:c="http://schemas.openxmlformats.org/drawingml/2006/chart" xmlns:dgm="http://schemas.openxmlformats.org/drawingml/2006/diagram" xmlns:dsp="http://schemas.microsoft.com/office/drawing/2008/diagram">
       <p:transition/>
     </mc:Fallback>
   </mc:AlternateContent>
@@ -16036,7 +16497,7 @@
     <mc:Choice Requires="p14">
       <p:transition/>
     </mc:Choice>
-    <mc:Fallback xmlns:dsp="http://schemas.microsoft.com/office/drawing/2008/diagram" xmlns:dgm="http://schemas.openxmlformats.org/drawingml/2006/diagram" xmlns:c="http://schemas.openxmlformats.org/drawingml/2006/chart" xmlns="">
+    <mc:Fallback xmlns="" xmlns:c="http://schemas.openxmlformats.org/drawingml/2006/chart" xmlns:dgm="http://schemas.openxmlformats.org/drawingml/2006/diagram" xmlns:dsp="http://schemas.microsoft.com/office/drawing/2008/diagram">
       <p:transition/>
     </mc:Fallback>
   </mc:AlternateContent>
@@ -16162,7 +16623,7 @@
     <mc:Choice Requires="p14">
       <p:transition/>
     </mc:Choice>
-    <mc:Fallback xmlns="" xmlns:c="http://schemas.openxmlformats.org/drawingml/2006/chart" xmlns:dgm="http://schemas.openxmlformats.org/drawingml/2006/diagram" xmlns:dsp="http://schemas.microsoft.com/office/drawing/2008/diagram">
+    <mc:Fallback xmlns:dsp="http://schemas.microsoft.com/office/drawing/2008/diagram" xmlns:dgm="http://schemas.openxmlformats.org/drawingml/2006/diagram" xmlns:c="http://schemas.openxmlformats.org/drawingml/2006/chart" xmlns="">
       <p:transition/>
     </mc:Fallback>
   </mc:AlternateContent>
@@ -17238,7 +17699,7 @@
     <mc:Choice Requires="p14">
       <p:transition/>
     </mc:Choice>
-    <mc:Fallback xmlns:dsp="http://schemas.microsoft.com/office/drawing/2008/diagram" xmlns:dgm="http://schemas.openxmlformats.org/drawingml/2006/diagram" xmlns:c="http://schemas.openxmlformats.org/drawingml/2006/chart" xmlns="">
+    <mc:Fallback xmlns="" xmlns:c="http://schemas.openxmlformats.org/drawingml/2006/chart" xmlns:dgm="http://schemas.openxmlformats.org/drawingml/2006/diagram" xmlns:dsp="http://schemas.microsoft.com/office/drawing/2008/diagram">
       <p:transition/>
     </mc:Fallback>
   </mc:AlternateContent>
@@ -18109,7 +18570,7 @@
     <mc:Choice Requires="p14">
       <p:transition/>
     </mc:Choice>
-    <mc:Fallback xmlns:dsp="http://schemas.microsoft.com/office/drawing/2008/diagram" xmlns:dgm="http://schemas.openxmlformats.org/drawingml/2006/diagram" xmlns:c="http://schemas.openxmlformats.org/drawingml/2006/chart" xmlns="">
+    <mc:Fallback xmlns="" xmlns:c="http://schemas.openxmlformats.org/drawingml/2006/chart" xmlns:dgm="http://schemas.openxmlformats.org/drawingml/2006/diagram" xmlns:dsp="http://schemas.microsoft.com/office/drawing/2008/diagram">
       <p:transition/>
     </mc:Fallback>
   </mc:AlternateContent>
@@ -19550,7 +20011,7 @@
     <mc:Choice Requires="p14">
       <p:transition/>
     </mc:Choice>
-    <mc:Fallback xmlns:dsp="http://schemas.microsoft.com/office/drawing/2008/diagram" xmlns:dgm="http://schemas.openxmlformats.org/drawingml/2006/diagram" xmlns:c="http://schemas.openxmlformats.org/drawingml/2006/chart" xmlns="">
+    <mc:Fallback xmlns="" xmlns:c="http://schemas.openxmlformats.org/drawingml/2006/chart" xmlns:dgm="http://schemas.openxmlformats.org/drawingml/2006/diagram" xmlns:dsp="http://schemas.microsoft.com/office/drawing/2008/diagram">
       <p:transition/>
     </mc:Fallback>
   </mc:AlternateContent>
@@ -20401,7 +20862,7 @@
     <mc:Choice Requires="p14">
       <p:transition/>
     </mc:Choice>
-    <mc:Fallback xmlns:dsp="http://schemas.microsoft.com/office/drawing/2008/diagram" xmlns:dgm="http://schemas.openxmlformats.org/drawingml/2006/diagram" xmlns:c="http://schemas.openxmlformats.org/drawingml/2006/chart" xmlns="">
+    <mc:Fallback xmlns="" xmlns:c="http://schemas.openxmlformats.org/drawingml/2006/chart" xmlns:dgm="http://schemas.openxmlformats.org/drawingml/2006/diagram" xmlns:dsp="http://schemas.microsoft.com/office/drawing/2008/diagram">
       <p:transition/>
     </mc:Fallback>
   </mc:AlternateContent>
@@ -20527,7 +20988,7 @@
     <mc:Choice Requires="p14">
       <p:transition/>
     </mc:Choice>
-    <mc:Fallback xmlns:dsp="http://schemas.microsoft.com/office/drawing/2008/diagram" xmlns:dgm="http://schemas.openxmlformats.org/drawingml/2006/diagram" xmlns:c="http://schemas.openxmlformats.org/drawingml/2006/chart" xmlns="">
+    <mc:Fallback xmlns="" xmlns:c="http://schemas.openxmlformats.org/drawingml/2006/chart" xmlns:dgm="http://schemas.openxmlformats.org/drawingml/2006/diagram" xmlns:dsp="http://schemas.microsoft.com/office/drawing/2008/diagram">
       <p:transition/>
     </mc:Fallback>
   </mc:AlternateContent>
@@ -20645,7 +21106,7 @@
     <mc:Choice Requires="p14">
       <p:transition/>
     </mc:Choice>
-    <mc:Fallback xmlns:dsp="http://schemas.microsoft.com/office/drawing/2008/diagram" xmlns:dgm="http://schemas.openxmlformats.org/drawingml/2006/diagram" xmlns:c="http://schemas.openxmlformats.org/drawingml/2006/chart" xmlns="">
+    <mc:Fallback xmlns="" xmlns:c="http://schemas.openxmlformats.org/drawingml/2006/chart" xmlns:dgm="http://schemas.openxmlformats.org/drawingml/2006/diagram" xmlns:dsp="http://schemas.microsoft.com/office/drawing/2008/diagram">
       <p:transition/>
     </mc:Fallback>
   </mc:AlternateContent>
@@ -20766,7 +21227,7 @@
     <mc:Choice Requires="p14">
       <p:transition/>
     </mc:Choice>
-    <mc:Fallback xmlns="" xmlns:c="http://schemas.openxmlformats.org/drawingml/2006/chart" xmlns:dgm="http://schemas.openxmlformats.org/drawingml/2006/diagram" xmlns:dsp="http://schemas.microsoft.com/office/drawing/2008/diagram">
+    <mc:Fallback xmlns:dsp="http://schemas.microsoft.com/office/drawing/2008/diagram" xmlns:dgm="http://schemas.openxmlformats.org/drawingml/2006/diagram" xmlns:c="http://schemas.openxmlformats.org/drawingml/2006/chart" xmlns="">
       <p:transition/>
     </mc:Fallback>
   </mc:AlternateContent>
@@ -20829,7 +21290,7 @@
     <mc:Choice Requires="p14">
       <p:transition/>
     </mc:Choice>
-    <mc:Fallback xmlns="" xmlns:c="http://schemas.openxmlformats.org/drawingml/2006/chart" xmlns:dgm="http://schemas.openxmlformats.org/drawingml/2006/diagram" xmlns:dsp="http://schemas.microsoft.com/office/drawing/2008/diagram">
+    <mc:Fallback xmlns:dsp="http://schemas.microsoft.com/office/drawing/2008/diagram" xmlns:dgm="http://schemas.openxmlformats.org/drawingml/2006/diagram" xmlns:c="http://schemas.openxmlformats.org/drawingml/2006/chart" xmlns="">
       <p:transition/>
     </mc:Fallback>
   </mc:AlternateContent>
@@ -20892,7 +21353,7 @@
     <mc:Choice Requires="p14">
       <p:transition/>
     </mc:Choice>
-    <mc:Fallback xmlns="" xmlns:c="http://schemas.openxmlformats.org/drawingml/2006/chart" xmlns:dgm="http://schemas.openxmlformats.org/drawingml/2006/diagram" xmlns:dsp="http://schemas.microsoft.com/office/drawing/2008/diagram">
+    <mc:Fallback xmlns:dsp="http://schemas.microsoft.com/office/drawing/2008/diagram" xmlns:dgm="http://schemas.openxmlformats.org/drawingml/2006/diagram" xmlns:c="http://schemas.openxmlformats.org/drawingml/2006/chart" xmlns="">
       <p:transition/>
     </mc:Fallback>
   </mc:AlternateContent>
@@ -20955,7 +21416,7 @@
     <mc:Choice Requires="p14">
       <p:transition/>
     </mc:Choice>
-    <mc:Fallback xmlns="" xmlns:c="http://schemas.openxmlformats.org/drawingml/2006/chart" xmlns:dgm="http://schemas.openxmlformats.org/drawingml/2006/diagram" xmlns:dsp="http://schemas.microsoft.com/office/drawing/2008/diagram">
+    <mc:Fallback xmlns:dsp="http://schemas.microsoft.com/office/drawing/2008/diagram" xmlns:dgm="http://schemas.openxmlformats.org/drawingml/2006/diagram" xmlns:c="http://schemas.openxmlformats.org/drawingml/2006/chart" xmlns="">
       <p:transition/>
     </mc:Fallback>
   </mc:AlternateContent>
@@ -21048,7 +21509,7 @@
     <mc:Choice Requires="p14">
       <p:transition/>
     </mc:Choice>
-    <mc:Fallback xmlns="" xmlns:c="http://schemas.openxmlformats.org/drawingml/2006/chart" xmlns:dgm="http://schemas.openxmlformats.org/drawingml/2006/diagram" xmlns:dsp="http://schemas.microsoft.com/office/drawing/2008/diagram">
+    <mc:Fallback xmlns:dsp="http://schemas.microsoft.com/office/drawing/2008/diagram" xmlns:dgm="http://schemas.openxmlformats.org/drawingml/2006/diagram" xmlns:c="http://schemas.openxmlformats.org/drawingml/2006/chart" xmlns="">
       <p:transition/>
     </mc:Fallback>
   </mc:AlternateContent>
@@ -21111,7 +21572,7 @@
     <mc:Choice Requires="p14">
       <p:transition/>
     </mc:Choice>
-    <mc:Fallback xmlns="" xmlns:c="http://schemas.openxmlformats.org/drawingml/2006/chart" xmlns:dgm="http://schemas.openxmlformats.org/drawingml/2006/diagram" xmlns:dsp="http://schemas.microsoft.com/office/drawing/2008/diagram">
+    <mc:Fallback xmlns:dsp="http://schemas.microsoft.com/office/drawing/2008/diagram" xmlns:dgm="http://schemas.openxmlformats.org/drawingml/2006/diagram" xmlns:c="http://schemas.openxmlformats.org/drawingml/2006/chart" xmlns="">
       <p:transition/>
     </mc:Fallback>
   </mc:AlternateContent>
@@ -21174,7 +21635,7 @@
     <mc:Choice Requires="p14">
       <p:transition/>
     </mc:Choice>
-    <mc:Fallback xmlns="" xmlns:c="http://schemas.openxmlformats.org/drawingml/2006/chart" xmlns:dgm="http://schemas.openxmlformats.org/drawingml/2006/diagram" xmlns:dsp="http://schemas.microsoft.com/office/drawing/2008/diagram">
+    <mc:Fallback xmlns:dsp="http://schemas.microsoft.com/office/drawing/2008/diagram" xmlns:dgm="http://schemas.openxmlformats.org/drawingml/2006/diagram" xmlns:c="http://schemas.openxmlformats.org/drawingml/2006/chart" xmlns="">
       <p:transition/>
     </mc:Fallback>
   </mc:AlternateContent>
@@ -21237,7 +21698,7 @@
     <mc:Choice Requires="p14">
       <p:transition/>
     </mc:Choice>
-    <mc:Fallback xmlns="" xmlns:c="http://schemas.openxmlformats.org/drawingml/2006/chart" xmlns:dgm="http://schemas.openxmlformats.org/drawingml/2006/diagram" xmlns:dsp="http://schemas.microsoft.com/office/drawing/2008/diagram">
+    <mc:Fallback xmlns:dsp="http://schemas.microsoft.com/office/drawing/2008/diagram" xmlns:dgm="http://schemas.openxmlformats.org/drawingml/2006/diagram" xmlns:c="http://schemas.openxmlformats.org/drawingml/2006/chart" xmlns="">
       <p:transition/>
     </mc:Fallback>
   </mc:AlternateContent>
@@ -21300,7 +21761,7 @@
     <mc:Choice Requires="p14">
       <p:transition/>
     </mc:Choice>
-    <mc:Fallback xmlns="" xmlns:c="http://schemas.openxmlformats.org/drawingml/2006/chart" xmlns:dgm="http://schemas.openxmlformats.org/drawingml/2006/diagram" xmlns:dsp="http://schemas.microsoft.com/office/drawing/2008/diagram">
+    <mc:Fallback xmlns:dsp="http://schemas.microsoft.com/office/drawing/2008/diagram" xmlns:dgm="http://schemas.openxmlformats.org/drawingml/2006/diagram" xmlns:c="http://schemas.openxmlformats.org/drawingml/2006/chart" xmlns="">
       <p:transition/>
     </mc:Fallback>
   </mc:AlternateContent>
@@ -21363,7 +21824,7 @@
     <mc:Choice Requires="p14">
       <p:transition/>
     </mc:Choice>
-    <mc:Fallback xmlns="" xmlns:c="http://schemas.openxmlformats.org/drawingml/2006/chart" xmlns:dgm="http://schemas.openxmlformats.org/drawingml/2006/diagram" xmlns:dsp="http://schemas.microsoft.com/office/drawing/2008/diagram">
+    <mc:Fallback xmlns:dsp="http://schemas.microsoft.com/office/drawing/2008/diagram" xmlns:dgm="http://schemas.openxmlformats.org/drawingml/2006/diagram" xmlns:c="http://schemas.openxmlformats.org/drawingml/2006/chart" xmlns="">
       <p:transition/>
     </mc:Fallback>
   </mc:AlternateContent>
@@ -21426,7 +21887,7 @@
     <mc:Choice Requires="p14">
       <p:transition/>
     </mc:Choice>
-    <mc:Fallback xmlns="" xmlns:c="http://schemas.openxmlformats.org/drawingml/2006/chart" xmlns:dgm="http://schemas.openxmlformats.org/drawingml/2006/diagram" xmlns:dsp="http://schemas.microsoft.com/office/drawing/2008/diagram">
+    <mc:Fallback xmlns:dsp="http://schemas.microsoft.com/office/drawing/2008/diagram" xmlns:dgm="http://schemas.openxmlformats.org/drawingml/2006/diagram" xmlns:c="http://schemas.openxmlformats.org/drawingml/2006/chart" xmlns="">
       <p:transition/>
     </mc:Fallback>
   </mc:AlternateContent>
@@ -21513,7 +21974,7 @@
     <mc:Choice Requires="p14">
       <p:transition/>
     </mc:Choice>
-    <mc:Fallback xmlns="" xmlns:c="http://schemas.openxmlformats.org/drawingml/2006/chart" xmlns:dgm="http://schemas.openxmlformats.org/drawingml/2006/diagram" xmlns:dsp="http://schemas.microsoft.com/office/drawing/2008/diagram">
+    <mc:Fallback xmlns:dsp="http://schemas.microsoft.com/office/drawing/2008/diagram" xmlns:dgm="http://schemas.openxmlformats.org/drawingml/2006/diagram" xmlns:c="http://schemas.openxmlformats.org/drawingml/2006/chart" xmlns="">
       <p:transition/>
     </mc:Fallback>
   </mc:AlternateContent>
@@ -21576,7 +22037,7 @@
     <mc:Choice Requires="p14">
       <p:transition/>
     </mc:Choice>
-    <mc:Fallback xmlns="" xmlns:c="http://schemas.openxmlformats.org/drawingml/2006/chart" xmlns:dgm="http://schemas.openxmlformats.org/drawingml/2006/diagram" xmlns:dsp="http://schemas.microsoft.com/office/drawing/2008/diagram">
+    <mc:Fallback xmlns:dsp="http://schemas.microsoft.com/office/drawing/2008/diagram" xmlns:dgm="http://schemas.openxmlformats.org/drawingml/2006/diagram" xmlns:c="http://schemas.openxmlformats.org/drawingml/2006/chart" xmlns="">
       <p:transition/>
     </mc:Fallback>
   </mc:AlternateContent>
@@ -21663,7 +22124,7 @@
     <mc:Choice Requires="p14">
       <p:transition/>
     </mc:Choice>
-    <mc:Fallback xmlns="" xmlns:c="http://schemas.openxmlformats.org/drawingml/2006/chart" xmlns:dgm="http://schemas.openxmlformats.org/drawingml/2006/diagram" xmlns:dsp="http://schemas.microsoft.com/office/drawing/2008/diagram">
+    <mc:Fallback xmlns:dsp="http://schemas.microsoft.com/office/drawing/2008/diagram" xmlns:dgm="http://schemas.openxmlformats.org/drawingml/2006/diagram" xmlns:c="http://schemas.openxmlformats.org/drawingml/2006/chart" xmlns="">
       <p:transition/>
     </mc:Fallback>
   </mc:AlternateContent>
@@ -21789,7 +22250,7 @@
     <mc:Choice Requires="p14">
       <p:transition/>
     </mc:Choice>
-    <mc:Fallback xmlns="" xmlns:c="http://schemas.openxmlformats.org/drawingml/2006/chart" xmlns:dgm="http://schemas.openxmlformats.org/drawingml/2006/diagram" xmlns:dsp="http://schemas.microsoft.com/office/drawing/2008/diagram">
+    <mc:Fallback xmlns:dsp="http://schemas.microsoft.com/office/drawing/2008/diagram" xmlns:dgm="http://schemas.openxmlformats.org/drawingml/2006/diagram" xmlns:c="http://schemas.openxmlformats.org/drawingml/2006/chart" xmlns="">
       <p:transition/>
     </mc:Fallback>
   </mc:AlternateContent>
@@ -21852,7 +22313,7 @@
     <mc:Choice Requires="p14">
       <p:transition/>
     </mc:Choice>
-    <mc:Fallback xmlns="" xmlns:c="http://schemas.openxmlformats.org/drawingml/2006/chart" xmlns:dgm="http://schemas.openxmlformats.org/drawingml/2006/diagram" xmlns:dsp="http://schemas.microsoft.com/office/drawing/2008/diagram">
+    <mc:Fallback xmlns:dsp="http://schemas.microsoft.com/office/drawing/2008/diagram" xmlns:dgm="http://schemas.openxmlformats.org/drawingml/2006/diagram" xmlns:c="http://schemas.openxmlformats.org/drawingml/2006/chart" xmlns="">
       <p:transition/>
     </mc:Fallback>
   </mc:AlternateContent>
@@ -22004,7 +22465,7 @@
     <mc:Choice Requires="p14">
       <p:transition/>
     </mc:Choice>
-    <mc:Fallback xmlns="" xmlns:c="http://schemas.openxmlformats.org/drawingml/2006/chart" xmlns:dgm="http://schemas.openxmlformats.org/drawingml/2006/diagram" xmlns:dsp="http://schemas.microsoft.com/office/drawing/2008/diagram">
+    <mc:Fallback xmlns:dsp="http://schemas.microsoft.com/office/drawing/2008/diagram" xmlns:dgm="http://schemas.openxmlformats.org/drawingml/2006/diagram" xmlns:c="http://schemas.openxmlformats.org/drawingml/2006/chart" xmlns="">
       <p:transition/>
     </mc:Fallback>
   </mc:AlternateContent>
@@ -22016,7 +22477,7 @@
   <p:cSld>
     <p:spTree>
       <p:nvGrpSpPr>
-        <p:cNvPr id="1" name=""/>
+        <p:cNvPr id="1" name="Shape 53"/>
         <p:cNvGrpSpPr/>
         <p:nvPr/>
       </p:nvGrpSpPr>
@@ -22028,10 +22489,584 @@
           <a:chExt cx="0" cy="0"/>
         </a:xfrm>
       </p:grpSpPr>
+      <p:sp>
+        <p:nvSpPr>
+          <p:cNvPr id="54" name="Google Shape;54;p13"/>
+          <p:cNvSpPr/>
+          <p:nvPr/>
+        </p:nvSpPr>
+        <p:spPr>
+          <a:xfrm>
+            <a:off x="8141233" y="705832"/>
+            <a:ext cx="3914400" cy="2526400"/>
+          </a:xfrm>
+          <a:prstGeom prst="roundRect">
+            <a:avLst>
+              <a:gd name="adj" fmla="val 16667"/>
+            </a:avLst>
+          </a:prstGeom>
+          <a:noFill/>
+          <a:ln w="9525" cap="flat" cmpd="sng">
+            <a:solidFill>
+              <a:schemeClr val="dk2"/>
+            </a:solidFill>
+            <a:prstDash val="solid"/>
+            <a:round/>
+            <a:headEnd type="none" w="sm" len="sm"/>
+            <a:tailEnd type="none" w="sm" len="sm"/>
+          </a:ln>
+        </p:spPr>
+        <p:txBody>
+          <a:bodyPr spcFirstLastPara="1" wrap="square" lIns="121900" tIns="121900" rIns="121900" bIns="121900" anchor="ctr" anchorCtr="0">
+            <a:noAutofit/>
+          </a:bodyPr>
+          <a:lstStyle/>
+          <a:p>
+            <a:endParaRPr sz="2400"/>
+          </a:p>
+        </p:txBody>
+      </p:sp>
+      <p:sp>
+        <p:nvSpPr>
+          <p:cNvPr id="55" name="Google Shape;55;p13"/>
+          <p:cNvSpPr/>
+          <p:nvPr/>
+        </p:nvSpPr>
+        <p:spPr>
+          <a:xfrm>
+            <a:off x="160500" y="692000"/>
+            <a:ext cx="7879200" cy="2526400"/>
+          </a:xfrm>
+          <a:prstGeom prst="roundRect">
+            <a:avLst>
+              <a:gd name="adj" fmla="val 16667"/>
+            </a:avLst>
+          </a:prstGeom>
+          <a:noFill/>
+          <a:ln w="9525" cap="flat" cmpd="sng">
+            <a:solidFill>
+              <a:schemeClr val="dk2"/>
+            </a:solidFill>
+            <a:prstDash val="solid"/>
+            <a:round/>
+            <a:headEnd type="none" w="sm" len="sm"/>
+            <a:tailEnd type="none" w="sm" len="sm"/>
+          </a:ln>
+        </p:spPr>
+        <p:txBody>
+          <a:bodyPr spcFirstLastPara="1" wrap="square" lIns="121900" tIns="121900" rIns="121900" bIns="121900" anchor="ctr" anchorCtr="0">
+            <a:noAutofit/>
+          </a:bodyPr>
+          <a:lstStyle/>
+          <a:p>
+            <a:endParaRPr sz="2400"/>
+          </a:p>
+        </p:txBody>
+      </p:sp>
+      <p:sp>
+        <p:nvSpPr>
+          <p:cNvPr id="56" name="Google Shape;56;p13"/>
+          <p:cNvSpPr txBox="1"/>
+          <p:nvPr/>
+        </p:nvSpPr>
+        <p:spPr>
+          <a:xfrm>
+            <a:off x="160500" y="160500"/>
+            <a:ext cx="1284000" cy="525200"/>
+          </a:xfrm>
+          <a:prstGeom prst="rect">
+            <a:avLst/>
+          </a:prstGeom>
+          <a:noFill/>
+          <a:ln>
+            <a:noFill/>
+          </a:ln>
+        </p:spPr>
+        <p:txBody>
+          <a:bodyPr spcFirstLastPara="1" wrap="square" lIns="121900" tIns="121900" rIns="121900" bIns="121900" anchor="t" anchorCtr="0">
+            <a:noAutofit/>
+          </a:bodyPr>
+          <a:lstStyle/>
+          <a:p>
+            <a:r>
+              <a:rPr lang="ko" altLang="en-US" b="1" dirty="0"/>
+              <a:t>개발언어</a:t>
+            </a:r>
+            <a:endParaRPr b="1" dirty="0"/>
+          </a:p>
+        </p:txBody>
+      </p:sp>
+      <p:pic>
+        <p:nvPicPr>
+          <p:cNvPr id="57" name="Google Shape;57;p13"/>
+          <p:cNvPicPr preferRelativeResize="0"/>
+          <p:nvPr/>
+        </p:nvPicPr>
+        <p:blipFill rotWithShape="1">
+          <a:blip r:embed="rId3">
+            <a:alphaModFix/>
+          </a:blip>
+          <a:srcRect l="7040" r="28778"/>
+          <a:stretch/>
+        </p:blipFill>
+        <p:spPr>
+          <a:xfrm>
+            <a:off x="321034" y="876501"/>
+            <a:ext cx="1634233" cy="2157433"/>
+          </a:xfrm>
+          <a:prstGeom prst="rect">
+            <a:avLst/>
+          </a:prstGeom>
+          <a:noFill/>
+          <a:ln>
+            <a:noFill/>
+          </a:ln>
+        </p:spPr>
+      </p:pic>
+      <p:pic>
+        <p:nvPicPr>
+          <p:cNvPr id="58" name="Google Shape;58;p13"/>
+          <p:cNvPicPr preferRelativeResize="0"/>
+          <p:nvPr/>
+        </p:nvPicPr>
+        <p:blipFill rotWithShape="1">
+          <a:blip r:embed="rId4">
+            <a:alphaModFix/>
+          </a:blip>
+          <a:srcRect l="21211" r="22850"/>
+          <a:stretch/>
+        </p:blipFill>
+        <p:spPr>
+          <a:xfrm>
+            <a:off x="1777167" y="1037800"/>
+            <a:ext cx="2189500" cy="1957200"/>
+          </a:xfrm>
+          <a:prstGeom prst="rect">
+            <a:avLst/>
+          </a:prstGeom>
+          <a:noFill/>
+          <a:ln>
+            <a:noFill/>
+          </a:ln>
+        </p:spPr>
+      </p:pic>
+      <p:pic>
+        <p:nvPicPr>
+          <p:cNvPr id="59" name="Google Shape;59;p13"/>
+          <p:cNvPicPr preferRelativeResize="0"/>
+          <p:nvPr/>
+        </p:nvPicPr>
+        <p:blipFill rotWithShape="1">
+          <a:blip r:embed="rId5">
+            <a:alphaModFix/>
+          </a:blip>
+          <a:srcRect l="19618" r="20769"/>
+          <a:stretch/>
+        </p:blipFill>
+        <p:spPr>
+          <a:xfrm>
+            <a:off x="6011667" y="1288767"/>
+            <a:ext cx="1718800" cy="1620933"/>
+          </a:xfrm>
+          <a:prstGeom prst="rect">
+            <a:avLst/>
+          </a:prstGeom>
+          <a:noFill/>
+          <a:ln>
+            <a:noFill/>
+          </a:ln>
+        </p:spPr>
+      </p:pic>
+      <p:sp>
+        <p:nvSpPr>
+          <p:cNvPr id="60" name="Google Shape;60;p13"/>
+          <p:cNvSpPr txBox="1"/>
+          <p:nvPr/>
+        </p:nvSpPr>
+        <p:spPr>
+          <a:xfrm>
+            <a:off x="8141233" y="160513"/>
+            <a:ext cx="2654228" cy="525200"/>
+          </a:xfrm>
+          <a:prstGeom prst="rect">
+            <a:avLst/>
+          </a:prstGeom>
+          <a:noFill/>
+          <a:ln>
+            <a:noFill/>
+          </a:ln>
+        </p:spPr>
+        <p:txBody>
+          <a:bodyPr spcFirstLastPara="1" wrap="square" lIns="121900" tIns="121900" rIns="121900" bIns="121900" anchor="t" anchorCtr="0">
+            <a:noAutofit/>
+          </a:bodyPr>
+          <a:lstStyle/>
+          <a:p>
+            <a:r>
+              <a:rPr lang="ko" altLang="en-US" b="1" dirty="0"/>
+              <a:t>데이터베이스</a:t>
+            </a:r>
+            <a:r>
+              <a:rPr lang="en-US" altLang="ko" b="1" dirty="0"/>
+              <a:t> &amp; </a:t>
+            </a:r>
+            <a:r>
+              <a:rPr lang="ko-KR" altLang="en-US" b="1" dirty="0"/>
+              <a:t>서버</a:t>
+            </a:r>
+            <a:r>
+              <a:rPr lang="en-US" altLang="ko" b="1" dirty="0"/>
+              <a:t> </a:t>
+            </a:r>
+            <a:endParaRPr b="1" dirty="0"/>
+          </a:p>
+        </p:txBody>
+      </p:sp>
+      <p:pic>
+        <p:nvPicPr>
+          <p:cNvPr id="61" name="Google Shape;61;p13"/>
+          <p:cNvPicPr preferRelativeResize="0"/>
+          <p:nvPr/>
+        </p:nvPicPr>
+        <p:blipFill rotWithShape="1">
+          <a:blip r:embed="rId6">
+            <a:alphaModFix/>
+          </a:blip>
+          <a:srcRect t="17808" b="12407"/>
+          <a:stretch/>
+        </p:blipFill>
+        <p:spPr>
+          <a:xfrm>
+            <a:off x="8507949" y="705833"/>
+            <a:ext cx="3180968" cy="1376233"/>
+          </a:xfrm>
+          <a:prstGeom prst="rect">
+            <a:avLst/>
+          </a:prstGeom>
+          <a:noFill/>
+          <a:ln>
+            <a:noFill/>
+          </a:ln>
+        </p:spPr>
+      </p:pic>
+      <p:pic>
+        <p:nvPicPr>
+          <p:cNvPr id="62" name="Google Shape;62;p13"/>
+          <p:cNvPicPr preferRelativeResize="0"/>
+          <p:nvPr/>
+        </p:nvPicPr>
+        <p:blipFill>
+          <a:blip r:embed="rId7">
+            <a:alphaModFix/>
+          </a:blip>
+          <a:stretch>
+            <a:fillRect/>
+          </a:stretch>
+        </p:blipFill>
+        <p:spPr>
+          <a:xfrm>
+            <a:off x="3966668" y="1123132"/>
+            <a:ext cx="1634233" cy="1786552"/>
+          </a:xfrm>
+          <a:prstGeom prst="rect">
+            <a:avLst/>
+          </a:prstGeom>
+          <a:noFill/>
+          <a:ln>
+            <a:noFill/>
+          </a:ln>
+        </p:spPr>
+      </p:pic>
+      <p:sp>
+        <p:nvSpPr>
+          <p:cNvPr id="63" name="Google Shape;63;p13"/>
+          <p:cNvSpPr txBox="1"/>
+          <p:nvPr/>
+        </p:nvSpPr>
+        <p:spPr>
+          <a:xfrm>
+            <a:off x="160500" y="3429000"/>
+            <a:ext cx="1718800" cy="525200"/>
+          </a:xfrm>
+          <a:prstGeom prst="rect">
+            <a:avLst/>
+          </a:prstGeom>
+          <a:noFill/>
+          <a:ln>
+            <a:noFill/>
+          </a:ln>
+        </p:spPr>
+        <p:txBody>
+          <a:bodyPr spcFirstLastPara="1" wrap="square" lIns="121900" tIns="121900" rIns="121900" bIns="121900" anchor="t" anchorCtr="0">
+            <a:noAutofit/>
+          </a:bodyPr>
+          <a:lstStyle/>
+          <a:p>
+            <a:r>
+              <a:rPr lang="ko" altLang="en-US" b="1" dirty="0"/>
+              <a:t>프레임워크</a:t>
+            </a:r>
+            <a:endParaRPr b="1" dirty="0"/>
+          </a:p>
+        </p:txBody>
+      </p:sp>
+      <p:sp>
+        <p:nvSpPr>
+          <p:cNvPr id="64" name="Google Shape;64;p13"/>
+          <p:cNvSpPr/>
+          <p:nvPr/>
+        </p:nvSpPr>
+        <p:spPr>
+          <a:xfrm>
+            <a:off x="160500" y="3954200"/>
+            <a:ext cx="6201600" cy="2157600"/>
+          </a:xfrm>
+          <a:prstGeom prst="roundRect">
+            <a:avLst>
+              <a:gd name="adj" fmla="val 16667"/>
+            </a:avLst>
+          </a:prstGeom>
+          <a:noFill/>
+          <a:ln w="9525" cap="flat" cmpd="sng">
+            <a:solidFill>
+              <a:schemeClr val="dk2"/>
+            </a:solidFill>
+            <a:prstDash val="solid"/>
+            <a:round/>
+            <a:headEnd type="none" w="sm" len="sm"/>
+            <a:tailEnd type="none" w="sm" len="sm"/>
+          </a:ln>
+        </p:spPr>
+        <p:txBody>
+          <a:bodyPr spcFirstLastPara="1" wrap="square" lIns="121900" tIns="121900" rIns="121900" bIns="121900" anchor="ctr" anchorCtr="0">
+            <a:noAutofit/>
+          </a:bodyPr>
+          <a:lstStyle/>
+          <a:p>
+            <a:endParaRPr sz="2400"/>
+          </a:p>
+        </p:txBody>
+      </p:sp>
+      <p:pic>
+        <p:nvPicPr>
+          <p:cNvPr id="65" name="Google Shape;65;p13"/>
+          <p:cNvPicPr preferRelativeResize="0"/>
+          <p:nvPr/>
+        </p:nvPicPr>
+        <p:blipFill>
+          <a:blip r:embed="rId8">
+            <a:alphaModFix/>
+          </a:blip>
+          <a:stretch>
+            <a:fillRect/>
+          </a:stretch>
+        </p:blipFill>
+        <p:spPr>
+          <a:xfrm>
+            <a:off x="321034" y="4164801"/>
+            <a:ext cx="3253900" cy="1708300"/>
+          </a:xfrm>
+          <a:prstGeom prst="rect">
+            <a:avLst/>
+          </a:prstGeom>
+          <a:noFill/>
+          <a:ln>
+            <a:noFill/>
+          </a:ln>
+        </p:spPr>
+      </p:pic>
+      <p:pic>
+        <p:nvPicPr>
+          <p:cNvPr id="66" name="Google Shape;66;p13"/>
+          <p:cNvPicPr preferRelativeResize="0"/>
+          <p:nvPr/>
+        </p:nvPicPr>
+        <p:blipFill>
+          <a:blip r:embed="rId9">
+            <a:alphaModFix/>
+          </a:blip>
+          <a:stretch>
+            <a:fillRect/>
+          </a:stretch>
+        </p:blipFill>
+        <p:spPr>
+          <a:xfrm>
+            <a:off x="3966667" y="4102800"/>
+            <a:ext cx="1957200" cy="1957200"/>
+          </a:xfrm>
+          <a:prstGeom prst="rect">
+            <a:avLst/>
+          </a:prstGeom>
+          <a:noFill/>
+          <a:ln>
+            <a:noFill/>
+          </a:ln>
+        </p:spPr>
+      </p:pic>
+      <p:sp>
+        <p:nvSpPr>
+          <p:cNvPr id="15" name="Google Shape;63;p13"/>
+          <p:cNvSpPr txBox="1"/>
+          <p:nvPr/>
+        </p:nvSpPr>
+        <p:spPr>
+          <a:xfrm>
+            <a:off x="6522634" y="3433548"/>
+            <a:ext cx="1701425" cy="525200"/>
+          </a:xfrm>
+          <a:prstGeom prst="rect">
+            <a:avLst/>
+          </a:prstGeom>
+          <a:noFill/>
+          <a:ln>
+            <a:noFill/>
+          </a:ln>
+        </p:spPr>
+        <p:txBody>
+          <a:bodyPr spcFirstLastPara="1" wrap="square" lIns="121900" tIns="121900" rIns="121900" bIns="121900" anchor="t" anchorCtr="0">
+            <a:noAutofit/>
+          </a:bodyPr>
+          <a:lstStyle/>
+          <a:p>
+            <a:r>
+              <a:rPr lang="ko-KR" altLang="en-US" b="1" dirty="0"/>
+              <a:t>형상 관리 툴</a:t>
+            </a:r>
+            <a:endParaRPr b="1" dirty="0"/>
+          </a:p>
+        </p:txBody>
+      </p:sp>
+      <p:sp>
+        <p:nvSpPr>
+          <p:cNvPr id="16" name="Google Shape;64;p13"/>
+          <p:cNvSpPr/>
+          <p:nvPr/>
+        </p:nvSpPr>
+        <p:spPr>
+          <a:xfrm>
+            <a:off x="6522633" y="3958748"/>
+            <a:ext cx="5414443" cy="2157600"/>
+          </a:xfrm>
+          <a:prstGeom prst="roundRect">
+            <a:avLst>
+              <a:gd name="adj" fmla="val 16667"/>
+            </a:avLst>
+          </a:prstGeom>
+          <a:noFill/>
+          <a:ln w="9525" cap="flat" cmpd="sng">
+            <a:solidFill>
+              <a:schemeClr val="dk2"/>
+            </a:solidFill>
+            <a:prstDash val="solid"/>
+            <a:round/>
+            <a:headEnd type="none" w="sm" len="sm"/>
+            <a:tailEnd type="none" w="sm" len="sm"/>
+          </a:ln>
+        </p:spPr>
+        <p:txBody>
+          <a:bodyPr spcFirstLastPara="1" wrap="square" lIns="121900" tIns="121900" rIns="121900" bIns="121900" anchor="ctr" anchorCtr="0">
+            <a:noAutofit/>
+          </a:bodyPr>
+          <a:lstStyle/>
+          <a:p>
+            <a:endParaRPr sz="2400"/>
+          </a:p>
+        </p:txBody>
+      </p:sp>
+      <p:pic>
+        <p:nvPicPr>
+          <p:cNvPr id="2" name="그림 1"/>
+          <p:cNvPicPr>
+            <a:picLocks noChangeAspect="1"/>
+          </p:cNvPicPr>
+          <p:nvPr/>
+        </p:nvPicPr>
+        <p:blipFill>
+          <a:blip r:embed="rId10">
+            <a:extLst>
+              <a:ext uri="{28A0092B-C50C-407E-A947-70E740481C1C}">
+                <a14:useLocalDpi xmlns:a14="http://schemas.microsoft.com/office/drawing/2010/main" val="0"/>
+              </a:ext>
+            </a:extLst>
+          </a:blip>
+          <a:stretch>
+            <a:fillRect/>
+          </a:stretch>
+        </p:blipFill>
+        <p:spPr>
+          <a:xfrm>
+            <a:off x="8618472" y="1705344"/>
+            <a:ext cx="2959923" cy="1479961"/>
+          </a:xfrm>
+          <a:prstGeom prst="rect">
+            <a:avLst/>
+          </a:prstGeom>
+        </p:spPr>
+      </p:pic>
+      <p:pic>
+        <p:nvPicPr>
+          <p:cNvPr id="3" name="그림 2"/>
+          <p:cNvPicPr>
+            <a:picLocks noChangeAspect="1"/>
+          </p:cNvPicPr>
+          <p:nvPr/>
+        </p:nvPicPr>
+        <p:blipFill>
+          <a:blip r:embed="rId11" cstate="print">
+            <a:extLst>
+              <a:ext uri="{28A0092B-C50C-407E-A947-70E740481C1C}">
+                <a14:useLocalDpi xmlns:a14="http://schemas.microsoft.com/office/drawing/2010/main" val="0"/>
+              </a:ext>
+            </a:extLst>
+          </a:blip>
+          <a:stretch>
+            <a:fillRect/>
+          </a:stretch>
+        </p:blipFill>
+        <p:spPr>
+          <a:xfrm>
+            <a:off x="7238147" y="4246369"/>
+            <a:ext cx="3983416" cy="583532"/>
+          </a:xfrm>
+          <a:prstGeom prst="rect">
+            <a:avLst/>
+          </a:prstGeom>
+        </p:spPr>
+      </p:pic>
+      <p:pic>
+        <p:nvPicPr>
+          <p:cNvPr id="4" name="그림 3"/>
+          <p:cNvPicPr>
+            <a:picLocks noChangeAspect="1"/>
+          </p:cNvPicPr>
+          <p:nvPr/>
+        </p:nvPicPr>
+        <p:blipFill>
+          <a:blip r:embed="rId12">
+            <a:extLst>
+              <a:ext uri="{28A0092B-C50C-407E-A947-70E740481C1C}">
+                <a14:useLocalDpi xmlns:a14="http://schemas.microsoft.com/office/drawing/2010/main" val="0"/>
+              </a:ext>
+            </a:extLst>
+          </a:blip>
+          <a:stretch>
+            <a:fillRect/>
+          </a:stretch>
+        </p:blipFill>
+        <p:spPr>
+          <a:xfrm>
+            <a:off x="7730468" y="5012933"/>
+            <a:ext cx="2790073" cy="1013601"/>
+          </a:xfrm>
+          <a:prstGeom prst="rect">
+            <a:avLst/>
+          </a:prstGeom>
+        </p:spPr>
+      </p:pic>
     </p:spTree>
     <p:extLst>
       <p:ext uri="{BB962C8B-B14F-4D97-AF65-F5344CB8AC3E}">
-        <p14:creationId xmlns:p14="http://schemas.microsoft.com/office/powerpoint/2010/main" val="3269920402"/>
+        <p14:creationId xmlns:p14="http://schemas.microsoft.com/office/powerpoint/2010/main" val="425909759"/>
       </p:ext>
     </p:extLst>
   </p:cSld>
@@ -22160,7 +23195,7 @@
     <mc:Choice Requires="p14">
       <p:transition/>
     </mc:Choice>
-    <mc:Fallback xmlns="" xmlns:c="http://schemas.openxmlformats.org/drawingml/2006/chart" xmlns:dgm="http://schemas.openxmlformats.org/drawingml/2006/diagram" xmlns:dsp="http://schemas.microsoft.com/office/drawing/2008/diagram">
+    <mc:Fallback xmlns:dsp="http://schemas.microsoft.com/office/drawing/2008/diagram" xmlns:dgm="http://schemas.openxmlformats.org/drawingml/2006/diagram" xmlns:c="http://schemas.openxmlformats.org/drawingml/2006/chart" xmlns="">
       <p:transition/>
     </mc:Fallback>
   </mc:AlternateContent>
@@ -22346,7 +23381,7 @@
     <mc:Choice Requires="p14">
       <p:transition/>
     </mc:Choice>
-    <mc:Fallback xmlns="" xmlns:c="http://schemas.openxmlformats.org/drawingml/2006/chart" xmlns:dgm="http://schemas.openxmlformats.org/drawingml/2006/diagram" xmlns:dsp="http://schemas.microsoft.com/office/drawing/2008/diagram">
+    <mc:Fallback xmlns:dsp="http://schemas.microsoft.com/office/drawing/2008/diagram" xmlns:dgm="http://schemas.openxmlformats.org/drawingml/2006/diagram" xmlns:c="http://schemas.openxmlformats.org/drawingml/2006/chart" xmlns="">
       <p:transition/>
     </mc:Fallback>
   </mc:AlternateContent>
@@ -22607,4 +23642,299 @@
   <a:objectDefaults/>
   <a:extraClrSchemeLst/>
 </a:theme>
+</file>
+
+<file path=ppt/theme/theme2.xml><?xml version="1.0" encoding="utf-8"?>
+<a:theme xmlns:a="http://schemas.openxmlformats.org/drawingml/2006/main" name="Office 테마">
+  <a:themeElements>
+    <a:clrScheme name="Office">
+      <a:dk1>
+        <a:sysClr val="windowText" lastClr="000000"/>
+      </a:dk1>
+      <a:lt1>
+        <a:sysClr val="window" lastClr="FFFFFF"/>
+      </a:lt1>
+      <a:dk2>
+        <a:srgbClr val="44546A"/>
+      </a:dk2>
+      <a:lt2>
+        <a:srgbClr val="E7E6E6"/>
+      </a:lt2>
+      <a:accent1>
+        <a:srgbClr val="4472C4"/>
+      </a:accent1>
+      <a:accent2>
+        <a:srgbClr val="ED7D31"/>
+      </a:accent2>
+      <a:accent3>
+        <a:srgbClr val="A5A5A5"/>
+      </a:accent3>
+      <a:accent4>
+        <a:srgbClr val="FFC000"/>
+      </a:accent4>
+      <a:accent5>
+        <a:srgbClr val="5B9BD5"/>
+      </a:accent5>
+      <a:accent6>
+        <a:srgbClr val="70AD47"/>
+      </a:accent6>
+      <a:hlink>
+        <a:srgbClr val="0563C1"/>
+      </a:hlink>
+      <a:folHlink>
+        <a:srgbClr val="954F72"/>
+      </a:folHlink>
+    </a:clrScheme>
+    <a:fontScheme name="Office">
+      <a:majorFont>
+        <a:latin typeface="맑은 고딕" panose="020F0302020204030204"/>
+        <a:ea typeface=""/>
+        <a:cs typeface=""/>
+        <a:font script="Jpan" typeface="游ゴシック Light"/>
+        <a:font script="Hang" typeface="맑은 고딕"/>
+        <a:font script="Hans" typeface="等线 Light"/>
+        <a:font script="Hant" typeface="新細明體"/>
+        <a:font script="Arab" typeface="Times New Roman"/>
+        <a:font script="Hebr" typeface="Times New Roman"/>
+        <a:font script="Thai" typeface="Angsana New"/>
+        <a:font script="Ethi" typeface="Nyala"/>
+        <a:font script="Beng" typeface="Vrinda"/>
+        <a:font script="Gujr" typeface="Shruti"/>
+        <a:font script="Khmr" typeface="MoolBoran"/>
+        <a:font script="Knda" typeface="Tunga"/>
+        <a:font script="Guru" typeface="Raavi"/>
+        <a:font script="Cans" typeface="Euphemia"/>
+        <a:font script="Cher" typeface="Plantagenet Cherokee"/>
+        <a:font script="Yiii" typeface="Microsoft Yi Baiti"/>
+        <a:font script="Tibt" typeface="Microsoft Himalaya"/>
+        <a:font script="Thaa" typeface="MV Boli"/>
+        <a:font script="Deva" typeface="Mangal"/>
+        <a:font script="Telu" typeface="Gautami"/>
+        <a:font script="Taml" typeface="Latha"/>
+        <a:font script="Syrc" typeface="Estrangelo Edessa"/>
+        <a:font script="Orya" typeface="Kalinga"/>
+        <a:font script="Mlym" typeface="Kartika"/>
+        <a:font script="Laoo" typeface="DokChampa"/>
+        <a:font script="Sinh" typeface="Iskoola Pota"/>
+        <a:font script="Mong" typeface="Mongolian Baiti"/>
+        <a:font script="Viet" typeface="Times New Roman"/>
+        <a:font script="Uigh" typeface="Microsoft Uighur"/>
+        <a:font script="Geor" typeface="Sylfaen"/>
+        <a:font script="Armn" typeface="Arial"/>
+        <a:font script="Bugi" typeface="Leelawadee UI"/>
+        <a:font script="Bopo" typeface="Microsoft JhengHei"/>
+        <a:font script="Java" typeface="Javanese Text"/>
+        <a:font script="Lisu" typeface="Segoe UI"/>
+        <a:font script="Mymr" typeface="Myanmar Text"/>
+        <a:font script="Nkoo" typeface="Ebrima"/>
+        <a:font script="Olck" typeface="Nirmala UI"/>
+        <a:font script="Osma" typeface="Ebrima"/>
+        <a:font script="Phag" typeface="Phagspa"/>
+        <a:font script="Syrn" typeface="Estrangelo Edessa"/>
+        <a:font script="Syrj" typeface="Estrangelo Edessa"/>
+        <a:font script="Syre" typeface="Estrangelo Edessa"/>
+        <a:font script="Sora" typeface="Nirmala UI"/>
+        <a:font script="Tale" typeface="Microsoft Tai Le"/>
+        <a:font script="Talu" typeface="Microsoft New Tai Lue"/>
+        <a:font script="Tfng" typeface="Ebrima"/>
+      </a:majorFont>
+      <a:minorFont>
+        <a:latin typeface="맑은 고딕" panose="020F0502020204030204"/>
+        <a:ea typeface=""/>
+        <a:cs typeface=""/>
+        <a:font script="Jpan" typeface="游ゴシック"/>
+        <a:font script="Hang" typeface="맑은 고딕"/>
+        <a:font script="Hans" typeface="等线"/>
+        <a:font script="Hant" typeface="新細明體"/>
+        <a:font script="Arab" typeface="Arial"/>
+        <a:font script="Hebr" typeface="Arial"/>
+        <a:font script="Thai" typeface="Cordia New"/>
+        <a:font script="Ethi" typeface="Nyala"/>
+        <a:font script="Beng" typeface="Vrinda"/>
+        <a:font script="Gujr" typeface="Shruti"/>
+        <a:font script="Khmr" typeface="DaunPenh"/>
+        <a:font script="Knda" typeface="Tunga"/>
+        <a:font script="Guru" typeface="Raavi"/>
+        <a:font script="Cans" typeface="Euphemia"/>
+        <a:font script="Cher" typeface="Plantagenet Cherokee"/>
+        <a:font script="Yiii" typeface="Microsoft Yi Baiti"/>
+        <a:font script="Tibt" typeface="Microsoft Himalaya"/>
+        <a:font script="Thaa" typeface="MV Boli"/>
+        <a:font script="Deva" typeface="Mangal"/>
+        <a:font script="Telu" typeface="Gautami"/>
+        <a:font script="Taml" typeface="Latha"/>
+        <a:font script="Syrc" typeface="Estrangelo Edessa"/>
+        <a:font script="Orya" typeface="Kalinga"/>
+        <a:font script="Mlym" typeface="Kartika"/>
+        <a:font script="Laoo" typeface="DokChampa"/>
+        <a:font script="Sinh" typeface="Iskoola Pota"/>
+        <a:font script="Mong" typeface="Mongolian Baiti"/>
+        <a:font script="Viet" typeface="Arial"/>
+        <a:font script="Uigh" typeface="Microsoft Uighur"/>
+        <a:font script="Geor" typeface="Sylfaen"/>
+        <a:font script="Armn" typeface="Arial"/>
+        <a:font script="Bugi" typeface="Leelawadee UI"/>
+        <a:font script="Bopo" typeface="Microsoft JhengHei"/>
+        <a:font script="Java" typeface="Javanese Text"/>
+        <a:font script="Lisu" typeface="Segoe UI"/>
+        <a:font script="Mymr" typeface="Myanmar Text"/>
+        <a:font script="Nkoo" typeface="Ebrima"/>
+        <a:font script="Olck" typeface="Nirmala UI"/>
+        <a:font script="Osma" typeface="Ebrima"/>
+        <a:font script="Phag" typeface="Phagspa"/>
+        <a:font script="Syrn" typeface="Estrangelo Edessa"/>
+        <a:font script="Syrj" typeface="Estrangelo Edessa"/>
+        <a:font script="Syre" typeface="Estrangelo Edessa"/>
+        <a:font script="Sora" typeface="Nirmala UI"/>
+        <a:font script="Tale" typeface="Microsoft Tai Le"/>
+        <a:font script="Talu" typeface="Microsoft New Tai Lue"/>
+        <a:font script="Tfng" typeface="Ebrima"/>
+      </a:minorFont>
+    </a:fontScheme>
+    <a:fmtScheme name="Office">
+      <a:fillStyleLst>
+        <a:solidFill>
+          <a:schemeClr val="phClr"/>
+        </a:solidFill>
+        <a:gradFill rotWithShape="1">
+          <a:gsLst>
+            <a:gs pos="0">
+              <a:schemeClr val="phClr">
+                <a:lumMod val="110000"/>
+                <a:satMod val="105000"/>
+                <a:tint val="67000"/>
+              </a:schemeClr>
+            </a:gs>
+            <a:gs pos="50000">
+              <a:schemeClr val="phClr">
+                <a:lumMod val="105000"/>
+                <a:satMod val="103000"/>
+                <a:tint val="73000"/>
+              </a:schemeClr>
+            </a:gs>
+            <a:gs pos="100000">
+              <a:schemeClr val="phClr">
+                <a:lumMod val="105000"/>
+                <a:satMod val="109000"/>
+                <a:tint val="81000"/>
+              </a:schemeClr>
+            </a:gs>
+          </a:gsLst>
+          <a:lin ang="5400000" scaled="0"/>
+        </a:gradFill>
+        <a:gradFill rotWithShape="1">
+          <a:gsLst>
+            <a:gs pos="0">
+              <a:schemeClr val="phClr">
+                <a:satMod val="103000"/>
+                <a:lumMod val="102000"/>
+                <a:tint val="94000"/>
+              </a:schemeClr>
+            </a:gs>
+            <a:gs pos="50000">
+              <a:schemeClr val="phClr">
+                <a:satMod val="110000"/>
+                <a:lumMod val="100000"/>
+                <a:shade val="100000"/>
+              </a:schemeClr>
+            </a:gs>
+            <a:gs pos="100000">
+              <a:schemeClr val="phClr">
+                <a:lumMod val="99000"/>
+                <a:satMod val="120000"/>
+                <a:shade val="78000"/>
+              </a:schemeClr>
+            </a:gs>
+          </a:gsLst>
+          <a:lin ang="5400000" scaled="0"/>
+        </a:gradFill>
+      </a:fillStyleLst>
+      <a:lnStyleLst>
+        <a:ln w="6350" cap="flat" cmpd="sng" algn="ctr">
+          <a:solidFill>
+            <a:schemeClr val="phClr"/>
+          </a:solidFill>
+          <a:prstDash val="solid"/>
+          <a:miter lim="800000"/>
+        </a:ln>
+        <a:ln w="12700" cap="flat" cmpd="sng" algn="ctr">
+          <a:solidFill>
+            <a:schemeClr val="phClr"/>
+          </a:solidFill>
+          <a:prstDash val="solid"/>
+          <a:miter lim="800000"/>
+        </a:ln>
+        <a:ln w="19050" cap="flat" cmpd="sng" algn="ctr">
+          <a:solidFill>
+            <a:schemeClr val="phClr"/>
+          </a:solidFill>
+          <a:prstDash val="solid"/>
+          <a:miter lim="800000"/>
+        </a:ln>
+      </a:lnStyleLst>
+      <a:effectStyleLst>
+        <a:effectStyle>
+          <a:effectLst/>
+        </a:effectStyle>
+        <a:effectStyle>
+          <a:effectLst/>
+        </a:effectStyle>
+        <a:effectStyle>
+          <a:effectLst>
+            <a:outerShdw blurRad="57150" dist="19050" dir="5400000" algn="ctr" rotWithShape="0">
+              <a:srgbClr val="000000">
+                <a:alpha val="63000"/>
+              </a:srgbClr>
+            </a:outerShdw>
+          </a:effectLst>
+        </a:effectStyle>
+      </a:effectStyleLst>
+      <a:bgFillStyleLst>
+        <a:solidFill>
+          <a:schemeClr val="phClr"/>
+        </a:solidFill>
+        <a:solidFill>
+          <a:schemeClr val="phClr">
+            <a:tint val="95000"/>
+            <a:satMod val="170000"/>
+          </a:schemeClr>
+        </a:solidFill>
+        <a:gradFill rotWithShape="1">
+          <a:gsLst>
+            <a:gs pos="0">
+              <a:schemeClr val="phClr">
+                <a:tint val="93000"/>
+                <a:satMod val="150000"/>
+                <a:shade val="98000"/>
+                <a:lumMod val="102000"/>
+              </a:schemeClr>
+            </a:gs>
+            <a:gs pos="50000">
+              <a:schemeClr val="phClr">
+                <a:tint val="98000"/>
+                <a:satMod val="130000"/>
+                <a:shade val="90000"/>
+                <a:lumMod val="103000"/>
+              </a:schemeClr>
+            </a:gs>
+            <a:gs pos="100000">
+              <a:schemeClr val="phClr">
+                <a:shade val="63000"/>
+                <a:satMod val="120000"/>
+              </a:schemeClr>
+            </a:gs>
+          </a:gsLst>
+          <a:lin ang="5400000" scaled="0"/>
+        </a:gradFill>
+      </a:bgFillStyleLst>
+    </a:fmtScheme>
+  </a:themeElements>
+  <a:objectDefaults/>
+  <a:extraClrSchemeLst/>
+  <a:extLst>
+    <a:ext uri="{05A4C25C-085E-4340-85A3-A5531E510DB2}">
+      <thm15:themeFamily xmlns:thm15="http://schemas.microsoft.com/office/thememl/2012/main" name="Office Theme" id="{62F939B6-93AF-4DB8-9C6B-D6C7DFDC589F}" vid="{4A3C46E8-61CC-4603-A589-7422A47A8E4A}"/>
+    </a:ext>
+  </a:extLst>
+</a:theme>
 </file>
--- a/개발문서/2조 개요, 요구사항, 메뉴구조도.pptx
+++ b/개발문서/2조 개요, 요구사항, 메뉴구조도.pptx
@@ -5,7 +5,7 @@
     <p:sldMasterId id="2147483693" r:id="rId1"/>
   </p:sldMasterIdLst>
   <p:notesMasterIdLst>
-    <p:notesMasterId r:id="rId53"/>
+    <p:notesMasterId r:id="rId56"/>
   </p:notesMasterIdLst>
   <p:sldIdLst>
     <p:sldId id="256" r:id="rId2"/>
@@ -18,7 +18,7 @@
     <p:sldId id="295" r:id="rId9"/>
     <p:sldId id="301" r:id="rId10"/>
     <p:sldId id="259" r:id="rId11"/>
-    <p:sldId id="306" r:id="rId12"/>
+    <p:sldId id="310" r:id="rId12"/>
     <p:sldId id="305" r:id="rId13"/>
     <p:sldId id="307" r:id="rId14"/>
     <p:sldId id="308" r:id="rId15"/>
@@ -58,15 +58,18 @@
     <p:sldId id="291" r:id="rId49"/>
     <p:sldId id="292" r:id="rId50"/>
     <p:sldId id="293" r:id="rId51"/>
-    <p:sldId id="304" r:id="rId52"/>
+    <p:sldId id="306" r:id="rId52"/>
+    <p:sldId id="311" r:id="rId53"/>
+    <p:sldId id="312" r:id="rId54"/>
+    <p:sldId id="304" r:id="rId55"/>
   </p:sldIdLst>
   <p:sldSz cx="12192000" cy="6858000"/>
   <p:notesSz cx="6858000" cy="9144000"/>
   <p:embeddedFontLst>
     <p:embeddedFont>
       <p:font typeface="맑은 고딕" panose="020B0503020000020004" pitchFamily="50" charset="-127"/>
-      <p:regular r:id="rId54"/>
-      <p:bold r:id="rId55"/>
+      <p:regular r:id="rId57"/>
+      <p:bold r:id="rId58"/>
     </p:embeddedFont>
   </p:embeddedFontLst>
   <p:defaultTextStyle>
@@ -4053,7 +4056,7 @@
     <mc:Choice Requires="p14">
       <p:transition/>
     </mc:Choice>
-    <mc:Fallback xmlns="" xmlns:c="http://schemas.openxmlformats.org/drawingml/2006/chart" xmlns:dgm="http://schemas.openxmlformats.org/drawingml/2006/diagram" xmlns:dsp="http://schemas.microsoft.com/office/drawing/2008/diagram">
+    <mc:Fallback xmlns:dsp="http://schemas.microsoft.com/office/drawing/2008/diagram" xmlns:dgm="http://schemas.openxmlformats.org/drawingml/2006/diagram" xmlns:c="http://schemas.openxmlformats.org/drawingml/2006/chart" xmlns="">
       <p:transition/>
     </mc:Fallback>
   </mc:AlternateContent>
@@ -4973,7 +4976,7 @@
     <mc:Choice Requires="p14">
       <p:transition/>
     </mc:Choice>
-    <mc:Fallback xmlns="" xmlns:c="http://schemas.openxmlformats.org/drawingml/2006/chart" xmlns:dgm="http://schemas.openxmlformats.org/drawingml/2006/diagram" xmlns:dsp="http://schemas.microsoft.com/office/drawing/2008/diagram">
+    <mc:Fallback xmlns:dsp="http://schemas.microsoft.com/office/drawing/2008/diagram" xmlns:dgm="http://schemas.openxmlformats.org/drawingml/2006/diagram" xmlns:c="http://schemas.openxmlformats.org/drawingml/2006/chart" xmlns="">
       <p:transition/>
     </mc:Fallback>
   </mc:AlternateContent>
@@ -5093,7 +5096,7 @@
     </p:spTree>
     <p:extLst>
       <p:ext uri="{BB962C8B-B14F-4D97-AF65-F5344CB8AC3E}">
-        <p14:creationId xmlns:p14="http://schemas.microsoft.com/office/powerpoint/2010/main" val="2712933641"/>
+        <p14:creationId xmlns:p14="http://schemas.microsoft.com/office/powerpoint/2010/main" val="1758369454"/>
       </p:ext>
     </p:extLst>
   </p:cSld>
@@ -5104,7 +5107,7 @@
     <mc:Choice Requires="p14">
       <p:transition/>
     </mc:Choice>
-    <mc:Fallback xmlns:dsp="http://schemas.microsoft.com/office/drawing/2008/diagram" xmlns:dgm="http://schemas.openxmlformats.org/drawingml/2006/diagram" xmlns:c="http://schemas.openxmlformats.org/drawingml/2006/chart" xmlns="">
+    <mc:Fallback xmlns="" xmlns:c="http://schemas.openxmlformats.org/drawingml/2006/chart" xmlns:dgm="http://schemas.openxmlformats.org/drawingml/2006/diagram" xmlns:dsp="http://schemas.microsoft.com/office/drawing/2008/diagram">
       <p:transition/>
     </mc:Fallback>
   </mc:AlternateContent>
@@ -5180,7 +5183,7 @@
     <mc:Choice Requires="p14">
       <p:transition/>
     </mc:Choice>
-    <mc:Fallback xmlns="" xmlns:c="http://schemas.openxmlformats.org/drawingml/2006/chart" xmlns:dgm="http://schemas.openxmlformats.org/drawingml/2006/diagram" xmlns:dsp="http://schemas.microsoft.com/office/drawing/2008/diagram">
+    <mc:Fallback xmlns:dsp="http://schemas.microsoft.com/office/drawing/2008/diagram" xmlns:dgm="http://schemas.openxmlformats.org/drawingml/2006/diagram" xmlns:c="http://schemas.openxmlformats.org/drawingml/2006/chart" xmlns="">
       <p:transition/>
     </mc:Fallback>
   </mc:AlternateContent>
@@ -5256,7 +5259,7 @@
     <mc:Choice Requires="p14">
       <p:transition/>
     </mc:Choice>
-    <mc:Fallback xmlns="" xmlns:c="http://schemas.openxmlformats.org/drawingml/2006/chart" xmlns:dgm="http://schemas.openxmlformats.org/drawingml/2006/diagram" xmlns:dsp="http://schemas.microsoft.com/office/drawing/2008/diagram">
+    <mc:Fallback xmlns:dsp="http://schemas.microsoft.com/office/drawing/2008/diagram" xmlns:dgm="http://schemas.openxmlformats.org/drawingml/2006/diagram" xmlns:c="http://schemas.openxmlformats.org/drawingml/2006/chart" xmlns="">
       <p:transition/>
     </mc:Fallback>
   </mc:AlternateContent>
@@ -5332,7 +5335,7 @@
     <mc:Choice Requires="p14">
       <p:transition/>
     </mc:Choice>
-    <mc:Fallback xmlns="" xmlns:c="http://schemas.openxmlformats.org/drawingml/2006/chart" xmlns:dgm="http://schemas.openxmlformats.org/drawingml/2006/diagram" xmlns:dsp="http://schemas.microsoft.com/office/drawing/2008/diagram">
+    <mc:Fallback xmlns:dsp="http://schemas.microsoft.com/office/drawing/2008/diagram" xmlns:dgm="http://schemas.openxmlformats.org/drawingml/2006/diagram" xmlns:c="http://schemas.openxmlformats.org/drawingml/2006/chart" xmlns="">
       <p:transition/>
     </mc:Fallback>
   </mc:AlternateContent>
@@ -5411,7 +5414,7 @@
     <mc:Choice Requires="p14">
       <p:transition/>
     </mc:Choice>
-    <mc:Fallback xmlns="" xmlns:c="http://schemas.openxmlformats.org/drawingml/2006/chart" xmlns:dgm="http://schemas.openxmlformats.org/drawingml/2006/diagram" xmlns:dsp="http://schemas.microsoft.com/office/drawing/2008/diagram">
+    <mc:Fallback xmlns:dsp="http://schemas.microsoft.com/office/drawing/2008/diagram" xmlns:dgm="http://schemas.openxmlformats.org/drawingml/2006/diagram" xmlns:c="http://schemas.openxmlformats.org/drawingml/2006/chart" xmlns="">
       <p:transition/>
     </mc:Fallback>
   </mc:AlternateContent>
@@ -6496,7 +6499,7 @@
     <mc:Choice Requires="p14">
       <p:transition/>
     </mc:Choice>
-    <mc:Fallback xmlns="" xmlns:c="http://schemas.openxmlformats.org/drawingml/2006/chart" xmlns:dgm="http://schemas.openxmlformats.org/drawingml/2006/diagram" xmlns:dsp="http://schemas.microsoft.com/office/drawing/2008/diagram">
+    <mc:Fallback xmlns:dsp="http://schemas.microsoft.com/office/drawing/2008/diagram" xmlns:dgm="http://schemas.openxmlformats.org/drawingml/2006/diagram" xmlns:c="http://schemas.openxmlformats.org/drawingml/2006/chart" xmlns="">
       <p:transition/>
     </mc:Fallback>
   </mc:AlternateContent>
@@ -7353,7 +7356,7 @@
     <mc:Choice Requires="p14">
       <p:transition/>
     </mc:Choice>
-    <mc:Fallback xmlns="" xmlns:c="http://schemas.openxmlformats.org/drawingml/2006/chart" xmlns:dgm="http://schemas.openxmlformats.org/drawingml/2006/diagram" xmlns:dsp="http://schemas.microsoft.com/office/drawing/2008/diagram">
+    <mc:Fallback xmlns:dsp="http://schemas.microsoft.com/office/drawing/2008/diagram" xmlns:dgm="http://schemas.openxmlformats.org/drawingml/2006/diagram" xmlns:c="http://schemas.openxmlformats.org/drawingml/2006/chart" xmlns="">
       <p:transition/>
     </mc:Fallback>
   </mc:AlternateContent>
@@ -8191,7 +8194,7 @@
     <mc:Choice Requires="p14">
       <p:transition/>
     </mc:Choice>
-    <mc:Fallback xmlns="" xmlns:c="http://schemas.openxmlformats.org/drawingml/2006/chart" xmlns:dgm="http://schemas.openxmlformats.org/drawingml/2006/diagram" xmlns:dsp="http://schemas.microsoft.com/office/drawing/2008/diagram">
+    <mc:Fallback xmlns:dsp="http://schemas.microsoft.com/office/drawing/2008/diagram" xmlns:dgm="http://schemas.openxmlformats.org/drawingml/2006/diagram" xmlns:c="http://schemas.openxmlformats.org/drawingml/2006/chart" xmlns="">
       <p:transition/>
     </mc:Fallback>
   </mc:AlternateContent>
@@ -9172,7 +9175,7 @@
     <mc:Choice Requires="p14">
       <p:transition/>
     </mc:Choice>
-    <mc:Fallback xmlns="" xmlns:c="http://schemas.openxmlformats.org/drawingml/2006/chart" xmlns:dgm="http://schemas.openxmlformats.org/drawingml/2006/diagram" xmlns:dsp="http://schemas.microsoft.com/office/drawing/2008/diagram">
+    <mc:Fallback xmlns:dsp="http://schemas.microsoft.com/office/drawing/2008/diagram" xmlns:dgm="http://schemas.openxmlformats.org/drawingml/2006/diagram" xmlns:c="http://schemas.openxmlformats.org/drawingml/2006/chart" xmlns="">
       <p:transition/>
     </mc:Fallback>
   </mc:AlternateContent>
@@ -9413,7 +9416,7 @@
     <mc:Choice Requires="p14">
       <p:transition/>
     </mc:Choice>
-    <mc:Fallback xmlns="" xmlns:c="http://schemas.openxmlformats.org/drawingml/2006/chart" xmlns:dgm="http://schemas.openxmlformats.org/drawingml/2006/diagram" xmlns:dsp="http://schemas.microsoft.com/office/drawing/2008/diagram">
+    <mc:Fallback xmlns:dsp="http://schemas.microsoft.com/office/drawing/2008/diagram" xmlns:dgm="http://schemas.openxmlformats.org/drawingml/2006/diagram" xmlns:c="http://schemas.openxmlformats.org/drawingml/2006/chart" xmlns="">
       <p:transition/>
     </mc:Fallback>
   </mc:AlternateContent>
@@ -9492,7 +9495,7 @@
     <mc:Choice Requires="p14">
       <p:transition/>
     </mc:Choice>
-    <mc:Fallback xmlns="" xmlns:c="http://schemas.openxmlformats.org/drawingml/2006/chart" xmlns:dgm="http://schemas.openxmlformats.org/drawingml/2006/diagram" xmlns:dsp="http://schemas.microsoft.com/office/drawing/2008/diagram">
+    <mc:Fallback xmlns:dsp="http://schemas.microsoft.com/office/drawing/2008/diagram" xmlns:dgm="http://schemas.openxmlformats.org/drawingml/2006/diagram" xmlns:c="http://schemas.openxmlformats.org/drawingml/2006/chart" xmlns="">
       <p:transition/>
     </mc:Fallback>
   </mc:AlternateContent>
@@ -9865,7 +9868,7 @@
     <mc:Choice Requires="p14">
       <p:transition/>
     </mc:Choice>
-    <mc:Fallback xmlns="" xmlns:c="http://schemas.openxmlformats.org/drawingml/2006/chart" xmlns:dgm="http://schemas.openxmlformats.org/drawingml/2006/diagram" xmlns:dsp="http://schemas.microsoft.com/office/drawing/2008/diagram">
+    <mc:Fallback xmlns:dsp="http://schemas.microsoft.com/office/drawing/2008/diagram" xmlns:dgm="http://schemas.openxmlformats.org/drawingml/2006/diagram" xmlns:c="http://schemas.openxmlformats.org/drawingml/2006/chart" xmlns="">
       <p:transition/>
     </mc:Fallback>
   </mc:AlternateContent>
@@ -11246,7 +11249,7 @@
     <mc:Choice Requires="p14">
       <p:transition/>
     </mc:Choice>
-    <mc:Fallback xmlns="" xmlns:c="http://schemas.openxmlformats.org/drawingml/2006/chart" xmlns:dgm="http://schemas.openxmlformats.org/drawingml/2006/diagram" xmlns:dsp="http://schemas.microsoft.com/office/drawing/2008/diagram">
+    <mc:Fallback xmlns:dsp="http://schemas.microsoft.com/office/drawing/2008/diagram" xmlns:dgm="http://schemas.openxmlformats.org/drawingml/2006/diagram" xmlns:c="http://schemas.openxmlformats.org/drawingml/2006/chart" xmlns="">
       <p:transition/>
     </mc:Fallback>
   </mc:AlternateContent>
@@ -12330,7 +12333,7 @@
     <mc:Choice Requires="p14">
       <p:transition/>
     </mc:Choice>
-    <mc:Fallback xmlns="" xmlns:c="http://schemas.openxmlformats.org/drawingml/2006/chart" xmlns:dgm="http://schemas.openxmlformats.org/drawingml/2006/diagram" xmlns:dsp="http://schemas.microsoft.com/office/drawing/2008/diagram">
+    <mc:Fallback xmlns:dsp="http://schemas.microsoft.com/office/drawing/2008/diagram" xmlns:dgm="http://schemas.openxmlformats.org/drawingml/2006/diagram" xmlns:c="http://schemas.openxmlformats.org/drawingml/2006/chart" xmlns="">
       <p:transition/>
     </mc:Fallback>
   </mc:AlternateContent>
@@ -12940,7 +12943,7 @@
     <mc:Choice Requires="p14">
       <p:transition/>
     </mc:Choice>
-    <mc:Fallback xmlns="" xmlns:c="http://schemas.openxmlformats.org/drawingml/2006/chart" xmlns:dgm="http://schemas.openxmlformats.org/drawingml/2006/diagram" xmlns:dsp="http://schemas.microsoft.com/office/drawing/2008/diagram">
+    <mc:Fallback xmlns:dsp="http://schemas.microsoft.com/office/drawing/2008/diagram" xmlns:dgm="http://schemas.openxmlformats.org/drawingml/2006/diagram" xmlns:c="http://schemas.openxmlformats.org/drawingml/2006/chart" xmlns="">
       <p:transition/>
     </mc:Fallback>
   </mc:AlternateContent>
@@ -13793,7 +13796,7 @@
     <mc:Choice Requires="p14">
       <p:transition/>
     </mc:Choice>
-    <mc:Fallback xmlns="" xmlns:c="http://schemas.openxmlformats.org/drawingml/2006/chart" xmlns:dgm="http://schemas.openxmlformats.org/drawingml/2006/diagram" xmlns:dsp="http://schemas.microsoft.com/office/drawing/2008/diagram">
+    <mc:Fallback xmlns:dsp="http://schemas.microsoft.com/office/drawing/2008/diagram" xmlns:dgm="http://schemas.openxmlformats.org/drawingml/2006/diagram" xmlns:c="http://schemas.openxmlformats.org/drawingml/2006/chart" xmlns="">
       <p:transition/>
     </mc:Fallback>
   </mc:AlternateContent>
@@ -14464,7 +14467,7 @@
     <mc:Choice Requires="p14">
       <p:transition/>
     </mc:Choice>
-    <mc:Fallback xmlns="" xmlns:c="http://schemas.openxmlformats.org/drawingml/2006/chart" xmlns:dgm="http://schemas.openxmlformats.org/drawingml/2006/diagram" xmlns:dsp="http://schemas.microsoft.com/office/drawing/2008/diagram">
+    <mc:Fallback xmlns:dsp="http://schemas.microsoft.com/office/drawing/2008/diagram" xmlns:dgm="http://schemas.openxmlformats.org/drawingml/2006/diagram" xmlns:c="http://schemas.openxmlformats.org/drawingml/2006/chart" xmlns="">
       <p:transition/>
     </mc:Fallback>
   </mc:AlternateContent>
@@ -14976,7 +14979,7 @@
     <mc:Choice Requires="p14">
       <p:transition/>
     </mc:Choice>
-    <mc:Fallback xmlns="" xmlns:c="http://schemas.openxmlformats.org/drawingml/2006/chart" xmlns:dgm="http://schemas.openxmlformats.org/drawingml/2006/diagram" xmlns:dsp="http://schemas.microsoft.com/office/drawing/2008/diagram">
+    <mc:Fallback xmlns:dsp="http://schemas.microsoft.com/office/drawing/2008/diagram" xmlns:dgm="http://schemas.openxmlformats.org/drawingml/2006/diagram" xmlns:c="http://schemas.openxmlformats.org/drawingml/2006/chart" xmlns="">
       <p:transition/>
     </mc:Fallback>
   </mc:AlternateContent>
@@ -15847,7 +15850,7 @@
     <mc:Choice Requires="p14">
       <p:transition/>
     </mc:Choice>
-    <mc:Fallback xmlns="" xmlns:c="http://schemas.openxmlformats.org/drawingml/2006/chart" xmlns:dgm="http://schemas.openxmlformats.org/drawingml/2006/diagram" xmlns:dsp="http://schemas.microsoft.com/office/drawing/2008/diagram">
+    <mc:Fallback xmlns:dsp="http://schemas.microsoft.com/office/drawing/2008/diagram" xmlns:dgm="http://schemas.openxmlformats.org/drawingml/2006/diagram" xmlns:c="http://schemas.openxmlformats.org/drawingml/2006/chart" xmlns="">
       <p:transition/>
     </mc:Fallback>
   </mc:AlternateContent>
@@ -16497,7 +16500,7 @@
     <mc:Choice Requires="p14">
       <p:transition/>
     </mc:Choice>
-    <mc:Fallback xmlns="" xmlns:c="http://schemas.openxmlformats.org/drawingml/2006/chart" xmlns:dgm="http://schemas.openxmlformats.org/drawingml/2006/diagram" xmlns:dsp="http://schemas.microsoft.com/office/drawing/2008/diagram">
+    <mc:Fallback xmlns:dsp="http://schemas.microsoft.com/office/drawing/2008/diagram" xmlns:dgm="http://schemas.openxmlformats.org/drawingml/2006/diagram" xmlns:c="http://schemas.openxmlformats.org/drawingml/2006/chart" xmlns="">
       <p:transition/>
     </mc:Fallback>
   </mc:AlternateContent>
@@ -16623,7 +16626,7 @@
     <mc:Choice Requires="p14">
       <p:transition/>
     </mc:Choice>
-    <mc:Fallback xmlns:dsp="http://schemas.microsoft.com/office/drawing/2008/diagram" xmlns:dgm="http://schemas.openxmlformats.org/drawingml/2006/diagram" xmlns:c="http://schemas.openxmlformats.org/drawingml/2006/chart" xmlns="">
+    <mc:Fallback xmlns="" xmlns:c="http://schemas.openxmlformats.org/drawingml/2006/chart" xmlns:dgm="http://schemas.openxmlformats.org/drawingml/2006/diagram" xmlns:dsp="http://schemas.microsoft.com/office/drawing/2008/diagram">
       <p:transition/>
     </mc:Fallback>
   </mc:AlternateContent>
@@ -17699,7 +17702,7 @@
     <mc:Choice Requires="p14">
       <p:transition/>
     </mc:Choice>
-    <mc:Fallback xmlns="" xmlns:c="http://schemas.openxmlformats.org/drawingml/2006/chart" xmlns:dgm="http://schemas.openxmlformats.org/drawingml/2006/diagram" xmlns:dsp="http://schemas.microsoft.com/office/drawing/2008/diagram">
+    <mc:Fallback xmlns:dsp="http://schemas.microsoft.com/office/drawing/2008/diagram" xmlns:dgm="http://schemas.openxmlformats.org/drawingml/2006/diagram" xmlns:c="http://schemas.openxmlformats.org/drawingml/2006/chart" xmlns="">
       <p:transition/>
     </mc:Fallback>
   </mc:AlternateContent>
@@ -18570,7 +18573,7 @@
     <mc:Choice Requires="p14">
       <p:transition/>
     </mc:Choice>
-    <mc:Fallback xmlns="" xmlns:c="http://schemas.openxmlformats.org/drawingml/2006/chart" xmlns:dgm="http://schemas.openxmlformats.org/drawingml/2006/diagram" xmlns:dsp="http://schemas.microsoft.com/office/drawing/2008/diagram">
+    <mc:Fallback xmlns:dsp="http://schemas.microsoft.com/office/drawing/2008/diagram" xmlns:dgm="http://schemas.openxmlformats.org/drawingml/2006/diagram" xmlns:c="http://schemas.openxmlformats.org/drawingml/2006/chart" xmlns="">
       <p:transition/>
     </mc:Fallback>
   </mc:AlternateContent>
@@ -20011,7 +20014,7 @@
     <mc:Choice Requires="p14">
       <p:transition/>
     </mc:Choice>
-    <mc:Fallback xmlns="" xmlns:c="http://schemas.openxmlformats.org/drawingml/2006/chart" xmlns:dgm="http://schemas.openxmlformats.org/drawingml/2006/diagram" xmlns:dsp="http://schemas.microsoft.com/office/drawing/2008/diagram">
+    <mc:Fallback xmlns:dsp="http://schemas.microsoft.com/office/drawing/2008/diagram" xmlns:dgm="http://schemas.openxmlformats.org/drawingml/2006/diagram" xmlns:c="http://schemas.openxmlformats.org/drawingml/2006/chart" xmlns="">
       <p:transition/>
     </mc:Fallback>
   </mc:AlternateContent>
@@ -20862,7 +20865,7 @@
     <mc:Choice Requires="p14">
       <p:transition/>
     </mc:Choice>
-    <mc:Fallback xmlns="" xmlns:c="http://schemas.openxmlformats.org/drawingml/2006/chart" xmlns:dgm="http://schemas.openxmlformats.org/drawingml/2006/diagram" xmlns:dsp="http://schemas.microsoft.com/office/drawing/2008/diagram">
+    <mc:Fallback xmlns:dsp="http://schemas.microsoft.com/office/drawing/2008/diagram" xmlns:dgm="http://schemas.openxmlformats.org/drawingml/2006/diagram" xmlns:c="http://schemas.openxmlformats.org/drawingml/2006/chart" xmlns="">
       <p:transition/>
     </mc:Fallback>
   </mc:AlternateContent>
@@ -20988,7 +20991,7 @@
     <mc:Choice Requires="p14">
       <p:transition/>
     </mc:Choice>
-    <mc:Fallback xmlns="" xmlns:c="http://schemas.openxmlformats.org/drawingml/2006/chart" xmlns:dgm="http://schemas.openxmlformats.org/drawingml/2006/diagram" xmlns:dsp="http://schemas.microsoft.com/office/drawing/2008/diagram">
+    <mc:Fallback xmlns:dsp="http://schemas.microsoft.com/office/drawing/2008/diagram" xmlns:dgm="http://schemas.openxmlformats.org/drawingml/2006/diagram" xmlns:c="http://schemas.openxmlformats.org/drawingml/2006/chart" xmlns="">
       <p:transition/>
     </mc:Fallback>
   </mc:AlternateContent>
@@ -21106,7 +21109,7 @@
     <mc:Choice Requires="p14">
       <p:transition/>
     </mc:Choice>
-    <mc:Fallback xmlns="" xmlns:c="http://schemas.openxmlformats.org/drawingml/2006/chart" xmlns:dgm="http://schemas.openxmlformats.org/drawingml/2006/diagram" xmlns:dsp="http://schemas.microsoft.com/office/drawing/2008/diagram">
+    <mc:Fallback xmlns:dsp="http://schemas.microsoft.com/office/drawing/2008/diagram" xmlns:dgm="http://schemas.openxmlformats.org/drawingml/2006/diagram" xmlns:c="http://schemas.openxmlformats.org/drawingml/2006/chart" xmlns="">
       <p:transition/>
     </mc:Fallback>
   </mc:AlternateContent>
@@ -21227,7 +21230,7 @@
     <mc:Choice Requires="p14">
       <p:transition/>
     </mc:Choice>
-    <mc:Fallback xmlns:dsp="http://schemas.microsoft.com/office/drawing/2008/diagram" xmlns:dgm="http://schemas.openxmlformats.org/drawingml/2006/diagram" xmlns:c="http://schemas.openxmlformats.org/drawingml/2006/chart" xmlns="">
+    <mc:Fallback xmlns="" xmlns:c="http://schemas.openxmlformats.org/drawingml/2006/chart" xmlns:dgm="http://schemas.openxmlformats.org/drawingml/2006/diagram" xmlns:dsp="http://schemas.microsoft.com/office/drawing/2008/diagram">
       <p:transition/>
     </mc:Fallback>
   </mc:AlternateContent>
@@ -21290,7 +21293,7 @@
     <mc:Choice Requires="p14">
       <p:transition/>
     </mc:Choice>
-    <mc:Fallback xmlns:dsp="http://schemas.microsoft.com/office/drawing/2008/diagram" xmlns:dgm="http://schemas.openxmlformats.org/drawingml/2006/diagram" xmlns:c="http://schemas.openxmlformats.org/drawingml/2006/chart" xmlns="">
+    <mc:Fallback xmlns="" xmlns:c="http://schemas.openxmlformats.org/drawingml/2006/chart" xmlns:dgm="http://schemas.openxmlformats.org/drawingml/2006/diagram" xmlns:dsp="http://schemas.microsoft.com/office/drawing/2008/diagram">
       <p:transition/>
     </mc:Fallback>
   </mc:AlternateContent>
@@ -21353,7 +21356,7 @@
     <mc:Choice Requires="p14">
       <p:transition/>
     </mc:Choice>
-    <mc:Fallback xmlns:dsp="http://schemas.microsoft.com/office/drawing/2008/diagram" xmlns:dgm="http://schemas.openxmlformats.org/drawingml/2006/diagram" xmlns:c="http://schemas.openxmlformats.org/drawingml/2006/chart" xmlns="">
+    <mc:Fallback xmlns="" xmlns:c="http://schemas.openxmlformats.org/drawingml/2006/chart" xmlns:dgm="http://schemas.openxmlformats.org/drawingml/2006/diagram" xmlns:dsp="http://schemas.microsoft.com/office/drawing/2008/diagram">
       <p:transition/>
     </mc:Fallback>
   </mc:AlternateContent>
@@ -21416,7 +21419,7 @@
     <mc:Choice Requires="p14">
       <p:transition/>
     </mc:Choice>
-    <mc:Fallback xmlns:dsp="http://schemas.microsoft.com/office/drawing/2008/diagram" xmlns:dgm="http://schemas.openxmlformats.org/drawingml/2006/diagram" xmlns:c="http://schemas.openxmlformats.org/drawingml/2006/chart" xmlns="">
+    <mc:Fallback xmlns="" xmlns:c="http://schemas.openxmlformats.org/drawingml/2006/chart" xmlns:dgm="http://schemas.openxmlformats.org/drawingml/2006/diagram" xmlns:dsp="http://schemas.microsoft.com/office/drawing/2008/diagram">
       <p:transition/>
     </mc:Fallback>
   </mc:AlternateContent>
@@ -21509,7 +21512,7 @@
     <mc:Choice Requires="p14">
       <p:transition/>
     </mc:Choice>
-    <mc:Fallback xmlns:dsp="http://schemas.microsoft.com/office/drawing/2008/diagram" xmlns:dgm="http://schemas.openxmlformats.org/drawingml/2006/diagram" xmlns:c="http://schemas.openxmlformats.org/drawingml/2006/chart" xmlns="">
+    <mc:Fallback xmlns="" xmlns:c="http://schemas.openxmlformats.org/drawingml/2006/chart" xmlns:dgm="http://schemas.openxmlformats.org/drawingml/2006/diagram" xmlns:dsp="http://schemas.microsoft.com/office/drawing/2008/diagram">
       <p:transition/>
     </mc:Fallback>
   </mc:AlternateContent>
@@ -21572,7 +21575,7 @@
     <mc:Choice Requires="p14">
       <p:transition/>
     </mc:Choice>
-    <mc:Fallback xmlns:dsp="http://schemas.microsoft.com/office/drawing/2008/diagram" xmlns:dgm="http://schemas.openxmlformats.org/drawingml/2006/diagram" xmlns:c="http://schemas.openxmlformats.org/drawingml/2006/chart" xmlns="">
+    <mc:Fallback xmlns="" xmlns:c="http://schemas.openxmlformats.org/drawingml/2006/chart" xmlns:dgm="http://schemas.openxmlformats.org/drawingml/2006/diagram" xmlns:dsp="http://schemas.microsoft.com/office/drawing/2008/diagram">
       <p:transition/>
     </mc:Fallback>
   </mc:AlternateContent>
@@ -21635,7 +21638,7 @@
     <mc:Choice Requires="p14">
       <p:transition/>
     </mc:Choice>
-    <mc:Fallback xmlns:dsp="http://schemas.microsoft.com/office/drawing/2008/diagram" xmlns:dgm="http://schemas.openxmlformats.org/drawingml/2006/diagram" xmlns:c="http://schemas.openxmlformats.org/drawingml/2006/chart" xmlns="">
+    <mc:Fallback xmlns="" xmlns:c="http://schemas.openxmlformats.org/drawingml/2006/chart" xmlns:dgm="http://schemas.openxmlformats.org/drawingml/2006/diagram" xmlns:dsp="http://schemas.microsoft.com/office/drawing/2008/diagram">
       <p:transition/>
     </mc:Fallback>
   </mc:AlternateContent>
@@ -21698,7 +21701,7 @@
     <mc:Choice Requires="p14">
       <p:transition/>
     </mc:Choice>
-    <mc:Fallback xmlns:dsp="http://schemas.microsoft.com/office/drawing/2008/diagram" xmlns:dgm="http://schemas.openxmlformats.org/drawingml/2006/diagram" xmlns:c="http://schemas.openxmlformats.org/drawingml/2006/chart" xmlns="">
+    <mc:Fallback xmlns="" xmlns:c="http://schemas.openxmlformats.org/drawingml/2006/chart" xmlns:dgm="http://schemas.openxmlformats.org/drawingml/2006/diagram" xmlns:dsp="http://schemas.microsoft.com/office/drawing/2008/diagram">
       <p:transition/>
     </mc:Fallback>
   </mc:AlternateContent>
@@ -21761,7 +21764,7 @@
     <mc:Choice Requires="p14">
       <p:transition/>
     </mc:Choice>
-    <mc:Fallback xmlns:dsp="http://schemas.microsoft.com/office/drawing/2008/diagram" xmlns:dgm="http://schemas.openxmlformats.org/drawingml/2006/diagram" xmlns:c="http://schemas.openxmlformats.org/drawingml/2006/chart" xmlns="">
+    <mc:Fallback xmlns="" xmlns:c="http://schemas.openxmlformats.org/drawingml/2006/chart" xmlns:dgm="http://schemas.openxmlformats.org/drawingml/2006/diagram" xmlns:dsp="http://schemas.microsoft.com/office/drawing/2008/diagram">
       <p:transition/>
     </mc:Fallback>
   </mc:AlternateContent>
@@ -21824,7 +21827,7 @@
     <mc:Choice Requires="p14">
       <p:transition/>
     </mc:Choice>
-    <mc:Fallback xmlns:dsp="http://schemas.microsoft.com/office/drawing/2008/diagram" xmlns:dgm="http://schemas.openxmlformats.org/drawingml/2006/diagram" xmlns:c="http://schemas.openxmlformats.org/drawingml/2006/chart" xmlns="">
+    <mc:Fallback xmlns="" xmlns:c="http://schemas.openxmlformats.org/drawingml/2006/chart" xmlns:dgm="http://schemas.openxmlformats.org/drawingml/2006/diagram" xmlns:dsp="http://schemas.microsoft.com/office/drawing/2008/diagram">
       <p:transition/>
     </mc:Fallback>
   </mc:AlternateContent>
@@ -21887,7 +21890,7 @@
     <mc:Choice Requires="p14">
       <p:transition/>
     </mc:Choice>
-    <mc:Fallback xmlns:dsp="http://schemas.microsoft.com/office/drawing/2008/diagram" xmlns:dgm="http://schemas.openxmlformats.org/drawingml/2006/diagram" xmlns:c="http://schemas.openxmlformats.org/drawingml/2006/chart" xmlns="">
+    <mc:Fallback xmlns="" xmlns:c="http://schemas.openxmlformats.org/drawingml/2006/chart" xmlns:dgm="http://schemas.openxmlformats.org/drawingml/2006/diagram" xmlns:dsp="http://schemas.microsoft.com/office/drawing/2008/diagram">
       <p:transition/>
     </mc:Fallback>
   </mc:AlternateContent>
@@ -21974,7 +21977,7 @@
     <mc:Choice Requires="p14">
       <p:transition/>
     </mc:Choice>
-    <mc:Fallback xmlns:dsp="http://schemas.microsoft.com/office/drawing/2008/diagram" xmlns:dgm="http://schemas.openxmlformats.org/drawingml/2006/diagram" xmlns:c="http://schemas.openxmlformats.org/drawingml/2006/chart" xmlns="">
+    <mc:Fallback xmlns="" xmlns:c="http://schemas.openxmlformats.org/drawingml/2006/chart" xmlns:dgm="http://schemas.openxmlformats.org/drawingml/2006/diagram" xmlns:dsp="http://schemas.microsoft.com/office/drawing/2008/diagram">
       <p:transition/>
     </mc:Fallback>
   </mc:AlternateContent>
@@ -22037,7 +22040,7 @@
     <mc:Choice Requires="p14">
       <p:transition/>
     </mc:Choice>
-    <mc:Fallback xmlns:dsp="http://schemas.microsoft.com/office/drawing/2008/diagram" xmlns:dgm="http://schemas.openxmlformats.org/drawingml/2006/diagram" xmlns:c="http://schemas.openxmlformats.org/drawingml/2006/chart" xmlns="">
+    <mc:Fallback xmlns="" xmlns:c="http://schemas.openxmlformats.org/drawingml/2006/chart" xmlns:dgm="http://schemas.openxmlformats.org/drawingml/2006/diagram" xmlns:dsp="http://schemas.microsoft.com/office/drawing/2008/diagram">
       <p:transition/>
     </mc:Fallback>
   </mc:AlternateContent>
@@ -22124,7 +22127,7 @@
     <mc:Choice Requires="p14">
       <p:transition/>
     </mc:Choice>
-    <mc:Fallback xmlns:dsp="http://schemas.microsoft.com/office/drawing/2008/diagram" xmlns:dgm="http://schemas.openxmlformats.org/drawingml/2006/diagram" xmlns:c="http://schemas.openxmlformats.org/drawingml/2006/chart" xmlns="">
+    <mc:Fallback xmlns="" xmlns:c="http://schemas.openxmlformats.org/drawingml/2006/chart" xmlns:dgm="http://schemas.openxmlformats.org/drawingml/2006/diagram" xmlns:dsp="http://schemas.microsoft.com/office/drawing/2008/diagram">
       <p:transition/>
     </mc:Fallback>
   </mc:AlternateContent>
@@ -22250,7 +22253,7 @@
     <mc:Choice Requires="p14">
       <p:transition/>
     </mc:Choice>
-    <mc:Fallback xmlns:dsp="http://schemas.microsoft.com/office/drawing/2008/diagram" xmlns:dgm="http://schemas.openxmlformats.org/drawingml/2006/diagram" xmlns:c="http://schemas.openxmlformats.org/drawingml/2006/chart" xmlns="">
+    <mc:Fallback xmlns="" xmlns:c="http://schemas.openxmlformats.org/drawingml/2006/chart" xmlns:dgm="http://schemas.openxmlformats.org/drawingml/2006/diagram" xmlns:dsp="http://schemas.microsoft.com/office/drawing/2008/diagram">
       <p:transition/>
     </mc:Fallback>
   </mc:AlternateContent>
@@ -22313,7 +22316,7 @@
     <mc:Choice Requires="p14">
       <p:transition/>
     </mc:Choice>
-    <mc:Fallback xmlns:dsp="http://schemas.microsoft.com/office/drawing/2008/diagram" xmlns:dgm="http://schemas.openxmlformats.org/drawingml/2006/diagram" xmlns:c="http://schemas.openxmlformats.org/drawingml/2006/chart" xmlns="">
+    <mc:Fallback xmlns="" xmlns:c="http://schemas.openxmlformats.org/drawingml/2006/chart" xmlns:dgm="http://schemas.openxmlformats.org/drawingml/2006/diagram" xmlns:dsp="http://schemas.microsoft.com/office/drawing/2008/diagram">
       <p:transition/>
     </mc:Fallback>
   </mc:AlternateContent>
@@ -22321,6 +22324,408 @@
 </file>
 
 <file path=ppt/slides/slide51.xml><?xml version="1.0" encoding="utf-8"?>
+<p:sld xmlns:a="http://schemas.openxmlformats.org/drawingml/2006/main" xmlns:r="http://schemas.openxmlformats.org/officeDocument/2006/relationships" xmlns:p="http://schemas.openxmlformats.org/presentationml/2006/main">
+  <p:cSld>
+    <p:bg>
+      <p:bgPr>
+        <a:solidFill>
+          <a:srgbClr val="303038"/>
+        </a:solidFill>
+        <a:effectLst/>
+      </p:bgPr>
+    </p:bg>
+    <p:spTree>
+      <p:nvGrpSpPr>
+        <p:cNvPr id="1" name=""/>
+        <p:cNvGrpSpPr/>
+        <p:nvPr/>
+      </p:nvGrpSpPr>
+      <p:grpSpPr>
+        <a:xfrm>
+          <a:off x="0" y="0"/>
+          <a:ext cx="0" cy="0"/>
+          <a:chOff x="0" y="0"/>
+          <a:chExt cx="0" cy="0"/>
+        </a:xfrm>
+      </p:grpSpPr>
+      <p:sp>
+        <p:nvSpPr>
+          <p:cNvPr id="57" name="직사각형 14">
+            <a:hlinkClick r:id="rId2" action="ppaction://hlinkpres?slideindex=1&amp;slidetitle="/>
+          </p:cNvPr>
+          <p:cNvSpPr/>
+          <p:nvPr/>
+        </p:nvSpPr>
+        <p:spPr>
+          <a:xfrm>
+            <a:off x="4712650" y="2917855"/>
+            <a:ext cx="2766700" cy="574966"/>
+          </a:xfrm>
+          <a:prstGeom prst="rect">
+            <a:avLst/>
+          </a:prstGeom>
+        </p:spPr>
+        <p:txBody>
+          <a:bodyPr wrap="square">
+            <a:spAutoFit/>
+          </a:bodyPr>
+          <a:lstStyle/>
+          <a:p>
+            <a:pPr algn="ctr">
+              <a:lnSpc>
+                <a:spcPct val="150000"/>
+              </a:lnSpc>
+              <a:defRPr/>
+            </a:pPr>
+            <a:r>
+              <a:rPr lang="ko-KR" altLang="en-US" sz="2400" b="1" dirty="0">
+                <a:solidFill>
+                  <a:srgbClr val="15EEFF"/>
+                </a:solidFill>
+              </a:rPr>
+              <a:t>클래스설계</a:t>
+            </a:r>
+            <a:endParaRPr lang="ko-KR" altLang="en-US" sz="2800" b="1" dirty="0">
+              <a:solidFill>
+                <a:srgbClr val="15EEFF"/>
+              </a:solidFill>
+            </a:endParaRPr>
+          </a:p>
+        </p:txBody>
+      </p:sp>
+      <p:sp>
+        <p:nvSpPr>
+          <p:cNvPr id="58" name="직사각형 14"/>
+          <p:cNvSpPr/>
+          <p:nvPr/>
+        </p:nvSpPr>
+        <p:spPr>
+          <a:xfrm>
+            <a:off x="8460336" y="179957"/>
+            <a:ext cx="3630182" cy="475363"/>
+          </a:xfrm>
+          <a:prstGeom prst="rect">
+            <a:avLst/>
+          </a:prstGeom>
+        </p:spPr>
+        <p:txBody>
+          <a:bodyPr wrap="square">
+            <a:spAutoFit/>
+          </a:bodyPr>
+          <a:lstStyle/>
+          <a:p>
+            <a:pPr algn="ctr">
+              <a:lnSpc>
+                <a:spcPct val="150000"/>
+              </a:lnSpc>
+              <a:defRPr/>
+            </a:pPr>
+            <a:r>
+              <a:rPr lang="ko-KR" altLang="en-US" sz="1700" b="1" i="1">
+                <a:solidFill>
+                  <a:prstClr val="white">
+                    <a:lumMod val="95000"/>
+                  </a:prstClr>
+                </a:solidFill>
+                <a:latin typeface="KoPub돋움체 Bold"/>
+                <a:ea typeface="KoPub돋움체 Bold"/>
+              </a:rPr>
+              <a:t>멀티플렉스 영화관 관리 시스템</a:t>
+            </a:r>
+          </a:p>
+        </p:txBody>
+      </p:sp>
+    </p:spTree>
+    <p:extLst>
+      <p:ext uri="{BB962C8B-B14F-4D97-AF65-F5344CB8AC3E}">
+        <p14:creationId xmlns:p14="http://schemas.microsoft.com/office/powerpoint/2010/main" val="2712933641"/>
+      </p:ext>
+    </p:extLst>
+  </p:cSld>
+  <p:clrMapOvr>
+    <a:masterClrMapping/>
+  </p:clrMapOvr>
+  <mc:AlternateContent xmlns:mc="http://schemas.openxmlformats.org/markup-compatibility/2006" xmlns:p14="http://schemas.microsoft.com/office/powerpoint/2010/main">
+    <mc:Choice Requires="p14">
+      <p:transition/>
+    </mc:Choice>
+    <mc:Fallback xmlns="" xmlns:c="http://schemas.openxmlformats.org/drawingml/2006/chart" xmlns:dgm="http://schemas.openxmlformats.org/drawingml/2006/diagram" xmlns:dsp="http://schemas.microsoft.com/office/drawing/2008/diagram">
+      <p:transition/>
+    </mc:Fallback>
+  </mc:AlternateContent>
+</p:sld>
+</file>
+
+<file path=ppt/slides/slide52.xml><?xml version="1.0" encoding="utf-8"?>
+<p:sld xmlns:a="http://schemas.openxmlformats.org/drawingml/2006/main" xmlns:r="http://schemas.openxmlformats.org/officeDocument/2006/relationships" xmlns:p="http://schemas.openxmlformats.org/presentationml/2006/main">
+  <p:cSld>
+    <p:bg>
+      <p:bgPr>
+        <a:solidFill>
+          <a:srgbClr val="303038"/>
+        </a:solidFill>
+        <a:effectLst/>
+      </p:bgPr>
+    </p:bg>
+    <p:spTree>
+      <p:nvGrpSpPr>
+        <p:cNvPr id="1" name=""/>
+        <p:cNvGrpSpPr/>
+        <p:nvPr/>
+      </p:nvGrpSpPr>
+      <p:grpSpPr>
+        <a:xfrm>
+          <a:off x="0" y="0"/>
+          <a:ext cx="0" cy="0"/>
+          <a:chOff x="0" y="0"/>
+          <a:chExt cx="0" cy="0"/>
+        </a:xfrm>
+      </p:grpSpPr>
+      <p:sp>
+        <p:nvSpPr>
+          <p:cNvPr id="57" name="직사각형 14">
+            <a:hlinkClick r:id="rId2" action="ppaction://hlinkpres?slideindex=1&amp;slidetitle="/>
+          </p:cNvPr>
+          <p:cNvSpPr/>
+          <p:nvPr/>
+        </p:nvSpPr>
+        <p:spPr>
+          <a:xfrm>
+            <a:off x="4712650" y="2917855"/>
+            <a:ext cx="2766700" cy="574966"/>
+          </a:xfrm>
+          <a:prstGeom prst="rect">
+            <a:avLst/>
+          </a:prstGeom>
+        </p:spPr>
+        <p:txBody>
+          <a:bodyPr wrap="square">
+            <a:spAutoFit/>
+          </a:bodyPr>
+          <a:lstStyle/>
+          <a:p>
+            <a:pPr algn="ctr">
+              <a:lnSpc>
+                <a:spcPct val="150000"/>
+              </a:lnSpc>
+              <a:defRPr/>
+            </a:pPr>
+            <a:r>
+              <a:rPr lang="en-US" altLang="ko-KR" sz="2400" b="1" dirty="0">
+                <a:solidFill>
+                  <a:srgbClr val="15EEFF"/>
+                </a:solidFill>
+              </a:rPr>
+              <a:t>DB</a:t>
+            </a:r>
+            <a:r>
+              <a:rPr lang="ko-KR" altLang="en-US" sz="2400" b="1" dirty="0">
+                <a:solidFill>
+                  <a:srgbClr val="15EEFF"/>
+                </a:solidFill>
+              </a:rPr>
+              <a:t>설계</a:t>
+            </a:r>
+          </a:p>
+        </p:txBody>
+      </p:sp>
+      <p:sp>
+        <p:nvSpPr>
+          <p:cNvPr id="58" name="직사각형 14"/>
+          <p:cNvSpPr/>
+          <p:nvPr/>
+        </p:nvSpPr>
+        <p:spPr>
+          <a:xfrm>
+            <a:off x="8460336" y="179957"/>
+            <a:ext cx="3630182" cy="475363"/>
+          </a:xfrm>
+          <a:prstGeom prst="rect">
+            <a:avLst/>
+          </a:prstGeom>
+        </p:spPr>
+        <p:txBody>
+          <a:bodyPr wrap="square">
+            <a:spAutoFit/>
+          </a:bodyPr>
+          <a:lstStyle/>
+          <a:p>
+            <a:pPr algn="ctr">
+              <a:lnSpc>
+                <a:spcPct val="150000"/>
+              </a:lnSpc>
+              <a:defRPr/>
+            </a:pPr>
+            <a:r>
+              <a:rPr lang="ko-KR" altLang="en-US" sz="1700" b="1" i="1">
+                <a:solidFill>
+                  <a:prstClr val="white">
+                    <a:lumMod val="95000"/>
+                  </a:prstClr>
+                </a:solidFill>
+                <a:latin typeface="KoPub돋움체 Bold"/>
+                <a:ea typeface="KoPub돋움체 Bold"/>
+              </a:rPr>
+              <a:t>멀티플렉스 영화관 관리 시스템</a:t>
+            </a:r>
+          </a:p>
+        </p:txBody>
+      </p:sp>
+    </p:spTree>
+    <p:extLst>
+      <p:ext uri="{BB962C8B-B14F-4D97-AF65-F5344CB8AC3E}">
+        <p14:creationId xmlns:p14="http://schemas.microsoft.com/office/powerpoint/2010/main" val="1409511763"/>
+      </p:ext>
+    </p:extLst>
+  </p:cSld>
+  <p:clrMapOvr>
+    <a:masterClrMapping/>
+  </p:clrMapOvr>
+  <mc:AlternateContent xmlns:mc="http://schemas.openxmlformats.org/markup-compatibility/2006" xmlns:p14="http://schemas.microsoft.com/office/powerpoint/2010/main">
+    <mc:Choice Requires="p14">
+      <p:transition/>
+    </mc:Choice>
+    <mc:Fallback xmlns="" xmlns:c="http://schemas.openxmlformats.org/drawingml/2006/chart" xmlns:dgm="http://schemas.openxmlformats.org/drawingml/2006/diagram" xmlns:dsp="http://schemas.microsoft.com/office/drawing/2008/diagram">
+      <p:transition/>
+    </mc:Fallback>
+  </mc:AlternateContent>
+</p:sld>
+</file>
+
+<file path=ppt/slides/slide53.xml><?xml version="1.0" encoding="utf-8"?>
+<p:sld xmlns:a="http://schemas.openxmlformats.org/drawingml/2006/main" xmlns:r="http://schemas.openxmlformats.org/officeDocument/2006/relationships" xmlns:p="http://schemas.openxmlformats.org/presentationml/2006/main">
+  <p:cSld>
+    <p:bg>
+      <p:bgPr>
+        <a:solidFill>
+          <a:srgbClr val="303038"/>
+        </a:solidFill>
+        <a:effectLst/>
+      </p:bgPr>
+    </p:bg>
+    <p:spTree>
+      <p:nvGrpSpPr>
+        <p:cNvPr id="1" name=""/>
+        <p:cNvGrpSpPr/>
+        <p:nvPr/>
+      </p:nvGrpSpPr>
+      <p:grpSpPr>
+        <a:xfrm>
+          <a:off x="0" y="0"/>
+          <a:ext cx="0" cy="0"/>
+          <a:chOff x="0" y="0"/>
+          <a:chExt cx="0" cy="0"/>
+        </a:xfrm>
+      </p:grpSpPr>
+      <p:sp>
+        <p:nvSpPr>
+          <p:cNvPr id="57" name="직사각형 14">
+            <a:hlinkClick r:id="rId2" action="ppaction://hlinkfile"/>
+          </p:cNvPr>
+          <p:cNvSpPr/>
+          <p:nvPr/>
+        </p:nvSpPr>
+        <p:spPr>
+          <a:xfrm>
+            <a:off x="4712650" y="2917855"/>
+            <a:ext cx="2766700" cy="574966"/>
+          </a:xfrm>
+          <a:prstGeom prst="rect">
+            <a:avLst/>
+          </a:prstGeom>
+        </p:spPr>
+        <p:txBody>
+          <a:bodyPr wrap="square">
+            <a:spAutoFit/>
+          </a:bodyPr>
+          <a:lstStyle/>
+          <a:p>
+            <a:pPr algn="ctr">
+              <a:lnSpc>
+                <a:spcPct val="150000"/>
+              </a:lnSpc>
+              <a:defRPr/>
+            </a:pPr>
+            <a:r>
+              <a:rPr lang="ko-KR" altLang="en-US" sz="2400" b="1" dirty="0">
+                <a:solidFill>
+                  <a:srgbClr val="15EEFF"/>
+                </a:solidFill>
+              </a:rPr>
+              <a:t>화면목록</a:t>
+            </a:r>
+            <a:endParaRPr lang="ko-KR" altLang="en-US" sz="2800" b="1" dirty="0">
+              <a:solidFill>
+                <a:srgbClr val="15EEFF"/>
+              </a:solidFill>
+            </a:endParaRPr>
+          </a:p>
+        </p:txBody>
+      </p:sp>
+      <p:sp>
+        <p:nvSpPr>
+          <p:cNvPr id="58" name="직사각형 14"/>
+          <p:cNvSpPr/>
+          <p:nvPr/>
+        </p:nvSpPr>
+        <p:spPr>
+          <a:xfrm>
+            <a:off x="8460336" y="179957"/>
+            <a:ext cx="3630182" cy="475363"/>
+          </a:xfrm>
+          <a:prstGeom prst="rect">
+            <a:avLst/>
+          </a:prstGeom>
+        </p:spPr>
+        <p:txBody>
+          <a:bodyPr wrap="square">
+            <a:spAutoFit/>
+          </a:bodyPr>
+          <a:lstStyle/>
+          <a:p>
+            <a:pPr algn="ctr">
+              <a:lnSpc>
+                <a:spcPct val="150000"/>
+              </a:lnSpc>
+              <a:defRPr/>
+            </a:pPr>
+            <a:r>
+              <a:rPr lang="ko-KR" altLang="en-US" sz="1700" b="1" i="1">
+                <a:solidFill>
+                  <a:prstClr val="white">
+                    <a:lumMod val="95000"/>
+                  </a:prstClr>
+                </a:solidFill>
+                <a:latin typeface="KoPub돋움체 Bold"/>
+                <a:ea typeface="KoPub돋움체 Bold"/>
+              </a:rPr>
+              <a:t>멀티플렉스 영화관 관리 시스템</a:t>
+            </a:r>
+          </a:p>
+        </p:txBody>
+      </p:sp>
+    </p:spTree>
+    <p:extLst>
+      <p:ext uri="{BB962C8B-B14F-4D97-AF65-F5344CB8AC3E}">
+        <p14:creationId xmlns:p14="http://schemas.microsoft.com/office/powerpoint/2010/main" val="3520401289"/>
+      </p:ext>
+    </p:extLst>
+  </p:cSld>
+  <p:clrMapOvr>
+    <a:masterClrMapping/>
+  </p:clrMapOvr>
+  <mc:AlternateContent xmlns:mc="http://schemas.openxmlformats.org/markup-compatibility/2006" xmlns:p14="http://schemas.microsoft.com/office/powerpoint/2010/main">
+    <mc:Choice Requires="p14">
+      <p:transition/>
+    </mc:Choice>
+    <mc:Fallback xmlns="" xmlns:c="http://schemas.openxmlformats.org/drawingml/2006/chart" xmlns:dgm="http://schemas.openxmlformats.org/drawingml/2006/diagram" xmlns:dsp="http://schemas.microsoft.com/office/drawing/2008/diagram">
+      <p:transition/>
+    </mc:Fallback>
+  </mc:AlternateContent>
+</p:sld>
+</file>
+
+<file path=ppt/slides/slide54.xml><?xml version="1.0" encoding="utf-8"?>
 <p:sld xmlns:a="http://schemas.openxmlformats.org/drawingml/2006/main" xmlns:r="http://schemas.openxmlformats.org/officeDocument/2006/relationships" xmlns:p="http://schemas.openxmlformats.org/presentationml/2006/main">
   <p:cSld>
     <p:bg>
@@ -22399,7 +22804,31 @@
                   <a:srgbClr val="15EEFF"/>
                 </a:solidFill>
               </a:rPr>
-              <a:t>(CLICK!)</a:t>
+              <a:t>(</a:t>
+            </a:r>
+            <a:r>
+              <a:rPr lang="ko-KR" altLang="en-US" sz="2800" b="1" dirty="0">
+                <a:solidFill>
+                  <a:srgbClr val="15EEFF"/>
+                </a:solidFill>
+              </a:rPr>
+              <a:t>링크 </a:t>
+            </a:r>
+            <a:r>
+              <a:rPr lang="ko-KR" altLang="en-US" sz="2800" b="1" dirty="0" err="1">
+                <a:solidFill>
+                  <a:srgbClr val="15EEFF"/>
+                </a:solidFill>
+              </a:rPr>
+              <a:t>걸어야함</a:t>
+            </a:r>
+            <a:r>
+              <a:rPr lang="en-US" altLang="ko-KR" sz="2800" b="1" dirty="0">
+                <a:solidFill>
+                  <a:srgbClr val="15EEFF"/>
+                </a:solidFill>
+              </a:rPr>
+              <a:t>)</a:t>
             </a:r>
             <a:endParaRPr lang="ko-KR" altLang="en-US" sz="2800" b="1" dirty="0">
               <a:solidFill>
@@ -22465,7 +22894,7 @@
     <mc:Choice Requires="p14">
       <p:transition/>
     </mc:Choice>
-    <mc:Fallback xmlns:dsp="http://schemas.microsoft.com/office/drawing/2008/diagram" xmlns:dgm="http://schemas.openxmlformats.org/drawingml/2006/diagram" xmlns:c="http://schemas.openxmlformats.org/drawingml/2006/chart" xmlns="">
+    <mc:Fallback xmlns="" xmlns:c="http://schemas.openxmlformats.org/drawingml/2006/chart" xmlns:dgm="http://schemas.openxmlformats.org/drawingml/2006/diagram" xmlns:dsp="http://schemas.microsoft.com/office/drawing/2008/diagram">
       <p:transition/>
     </mc:Fallback>
   </mc:AlternateContent>
@@ -23195,7 +23624,7 @@
     <mc:Choice Requires="p14">
       <p:transition/>
     </mc:Choice>
-    <mc:Fallback xmlns:dsp="http://schemas.microsoft.com/office/drawing/2008/diagram" xmlns:dgm="http://schemas.openxmlformats.org/drawingml/2006/diagram" xmlns:c="http://schemas.openxmlformats.org/drawingml/2006/chart" xmlns="">
+    <mc:Fallback xmlns="" xmlns:c="http://schemas.openxmlformats.org/drawingml/2006/chart" xmlns:dgm="http://schemas.openxmlformats.org/drawingml/2006/diagram" xmlns:dsp="http://schemas.microsoft.com/office/drawing/2008/diagram">
       <p:transition/>
     </mc:Fallback>
   </mc:AlternateContent>
@@ -23381,7 +23810,7 @@
     <mc:Choice Requires="p14">
       <p:transition/>
     </mc:Choice>
-    <mc:Fallback xmlns:dsp="http://schemas.microsoft.com/office/drawing/2008/diagram" xmlns:dgm="http://schemas.openxmlformats.org/drawingml/2006/diagram" xmlns:c="http://schemas.openxmlformats.org/drawingml/2006/chart" xmlns="">
+    <mc:Fallback xmlns="" xmlns:c="http://schemas.openxmlformats.org/drawingml/2006/chart" xmlns:dgm="http://schemas.openxmlformats.org/drawingml/2006/diagram" xmlns:dsp="http://schemas.microsoft.com/office/drawing/2008/diagram">
       <p:transition/>
     </mc:Fallback>
   </mc:AlternateContent>
